--- a/The Universe is Mine!.pptx
+++ b/The Universe is Mine!.pptx
@@ -6,7 +6,7 @@
     <p:sldMasterId id="2147483673" r:id="rId5"/>
   </p:sldMasterIdLst>
   <p:notesMasterIdLst>
-    <p:notesMasterId r:id="rId34"/>
+    <p:notesMasterId r:id="rId24"/>
   </p:notesMasterIdLst>
   <p:sldIdLst>
     <p:sldId id="257" r:id="rId6"/>
@@ -21,22 +21,12 @@
     <p:sldId id="274" r:id="rId15"/>
     <p:sldId id="275" r:id="rId16"/>
     <p:sldId id="278" r:id="rId17"/>
-    <p:sldId id="281" r:id="rId18"/>
-    <p:sldId id="282" r:id="rId19"/>
-    <p:sldId id="283" r:id="rId20"/>
-    <p:sldId id="279" r:id="rId21"/>
-    <p:sldId id="280" r:id="rId22"/>
-    <p:sldId id="258" r:id="rId23"/>
-    <p:sldId id="259" r:id="rId24"/>
-    <p:sldId id="260" r:id="rId25"/>
-    <p:sldId id="261" r:id="rId26"/>
-    <p:sldId id="262" r:id="rId27"/>
-    <p:sldId id="263" r:id="rId28"/>
-    <p:sldId id="264" r:id="rId29"/>
-    <p:sldId id="265" r:id="rId30"/>
-    <p:sldId id="266" r:id="rId31"/>
-    <p:sldId id="267" r:id="rId32"/>
-    <p:sldId id="268" r:id="rId33"/>
+    <p:sldId id="285" r:id="rId18"/>
+    <p:sldId id="286" r:id="rId19"/>
+    <p:sldId id="287" r:id="rId20"/>
+    <p:sldId id="282" r:id="rId21"/>
+    <p:sldId id="279" r:id="rId22"/>
+    <p:sldId id="280" r:id="rId23"/>
   </p:sldIdLst>
   <p:sldSz cx="9144000" cy="6858000" type="screen4x3"/>
   <p:notesSz cx="6858000" cy="9144000"/>
@@ -157,1420 +147,6 @@
 </p:presentation>
 </file>
 
-<file path=ppt/charts/chart1.xml><?xml version="1.0" encoding="utf-8"?>
-<c:chartSpace xmlns:c="http://schemas.openxmlformats.org/drawingml/2006/chart" xmlns:a="http://schemas.openxmlformats.org/drawingml/2006/main" xmlns:r="http://schemas.openxmlformats.org/officeDocument/2006/relationships">
-  <c:date1904 val="0"/>
-  <c:lang val="en-US"/>
-  <c:roundedCorners val="0"/>
-  <mc:AlternateContent xmlns:mc="http://schemas.openxmlformats.org/markup-compatibility/2006">
-    <mc:Choice xmlns:c14="http://schemas.microsoft.com/office/drawing/2007/8/2/chart" Requires="c14">
-      <c14:style val="118"/>
-    </mc:Choice>
-    <mc:Fallback>
-      <c:style val="18"/>
-    </mc:Fallback>
-  </mc:AlternateContent>
-  <c:chart>
-    <c:autoTitleDeleted val="0"/>
-    <c:view3D>
-      <c:rotX val="15"/>
-      <c:rotY val="20"/>
-      <c:rAngAx val="1"/>
-    </c:view3D>
-    <c:floor>
-      <c:thickness val="0"/>
-      <c:spPr>
-        <a:solidFill>
-          <a:schemeClr val="accent6"/>
-        </a:solidFill>
-        <a:ln>
-          <a:solidFill>
-            <a:srgbClr val="000000"/>
-          </a:solidFill>
-        </a:ln>
-      </c:spPr>
-    </c:floor>
-    <c:sideWall>
-      <c:thickness val="0"/>
-      <c:spPr>
-        <a:solidFill>
-          <a:srgbClr val="99B5D3">
-            <a:alpha val="50000"/>
-          </a:srgbClr>
-        </a:solidFill>
-        <a:ln>
-          <a:solidFill>
-            <a:schemeClr val="accent2"/>
-          </a:solidFill>
-        </a:ln>
-      </c:spPr>
-    </c:sideWall>
-    <c:backWall>
-      <c:thickness val="0"/>
-      <c:spPr>
-        <a:solidFill>
-          <a:srgbClr val="4F6E9B">
-            <a:alpha val="50000"/>
-          </a:srgbClr>
-        </a:solidFill>
-        <a:ln>
-          <a:solidFill>
-            <a:schemeClr val="accent2"/>
-          </a:solidFill>
-        </a:ln>
-      </c:spPr>
-    </c:backWall>
-    <c:plotArea>
-      <c:layout/>
-      <c:bar3DChart>
-        <c:barDir val="col"/>
-        <c:grouping val="clustered"/>
-        <c:varyColors val="0"/>
-        <c:ser>
-          <c:idx val="0"/>
-          <c:order val="0"/>
-          <c:tx>
-            <c:strRef>
-              <c:f>Sheet1!$B$1</c:f>
-              <c:strCache>
-                <c:ptCount val="1"/>
-                <c:pt idx="0">
-                  <c:v>Series 1</c:v>
-                </c:pt>
-              </c:strCache>
-            </c:strRef>
-          </c:tx>
-          <c:invertIfNegative val="0"/>
-          <c:cat>
-            <c:strRef>
-              <c:f>Sheet1!$A$2:$A$5</c:f>
-              <c:strCache>
-                <c:ptCount val="4"/>
-                <c:pt idx="0">
-                  <c:v>Category 1</c:v>
-                </c:pt>
-                <c:pt idx="1">
-                  <c:v>Category 2</c:v>
-                </c:pt>
-                <c:pt idx="2">
-                  <c:v>Category 3</c:v>
-                </c:pt>
-                <c:pt idx="3">
-                  <c:v>Category 4</c:v>
-                </c:pt>
-              </c:strCache>
-            </c:strRef>
-          </c:cat>
-          <c:val>
-            <c:numRef>
-              <c:f>Sheet1!$B$2:$B$5</c:f>
-              <c:numCache>
-                <c:formatCode>General</c:formatCode>
-                <c:ptCount val="4"/>
-                <c:pt idx="0">
-                  <c:v>4.3</c:v>
-                </c:pt>
-                <c:pt idx="1">
-                  <c:v>2.5</c:v>
-                </c:pt>
-                <c:pt idx="2">
-                  <c:v>3.5</c:v>
-                </c:pt>
-                <c:pt idx="3">
-                  <c:v>4.5</c:v>
-                </c:pt>
-              </c:numCache>
-            </c:numRef>
-          </c:val>
-        </c:ser>
-        <c:ser>
-          <c:idx val="1"/>
-          <c:order val="1"/>
-          <c:tx>
-            <c:strRef>
-              <c:f>Sheet1!$C$1</c:f>
-              <c:strCache>
-                <c:ptCount val="1"/>
-                <c:pt idx="0">
-                  <c:v>Series 2</c:v>
-                </c:pt>
-              </c:strCache>
-            </c:strRef>
-          </c:tx>
-          <c:invertIfNegative val="0"/>
-          <c:cat>
-            <c:strRef>
-              <c:f>Sheet1!$A$2:$A$5</c:f>
-              <c:strCache>
-                <c:ptCount val="4"/>
-                <c:pt idx="0">
-                  <c:v>Category 1</c:v>
-                </c:pt>
-                <c:pt idx="1">
-                  <c:v>Category 2</c:v>
-                </c:pt>
-                <c:pt idx="2">
-                  <c:v>Category 3</c:v>
-                </c:pt>
-                <c:pt idx="3">
-                  <c:v>Category 4</c:v>
-                </c:pt>
-              </c:strCache>
-            </c:strRef>
-          </c:cat>
-          <c:val>
-            <c:numRef>
-              <c:f>Sheet1!$C$2:$C$5</c:f>
-              <c:numCache>
-                <c:formatCode>General</c:formatCode>
-                <c:ptCount val="4"/>
-                <c:pt idx="0">
-                  <c:v>2.4</c:v>
-                </c:pt>
-                <c:pt idx="1">
-                  <c:v>4.4000000000000004</c:v>
-                </c:pt>
-                <c:pt idx="2">
-                  <c:v>1.8</c:v>
-                </c:pt>
-                <c:pt idx="3">
-                  <c:v>2.8</c:v>
-                </c:pt>
-              </c:numCache>
-            </c:numRef>
-          </c:val>
-        </c:ser>
-        <c:ser>
-          <c:idx val="2"/>
-          <c:order val="2"/>
-          <c:tx>
-            <c:strRef>
-              <c:f>Sheet1!$D$1</c:f>
-              <c:strCache>
-                <c:ptCount val="1"/>
-                <c:pt idx="0">
-                  <c:v>Series 3</c:v>
-                </c:pt>
-              </c:strCache>
-            </c:strRef>
-          </c:tx>
-          <c:invertIfNegative val="0"/>
-          <c:cat>
-            <c:strRef>
-              <c:f>Sheet1!$A$2:$A$5</c:f>
-              <c:strCache>
-                <c:ptCount val="4"/>
-                <c:pt idx="0">
-                  <c:v>Category 1</c:v>
-                </c:pt>
-                <c:pt idx="1">
-                  <c:v>Category 2</c:v>
-                </c:pt>
-                <c:pt idx="2">
-                  <c:v>Category 3</c:v>
-                </c:pt>
-                <c:pt idx="3">
-                  <c:v>Category 4</c:v>
-                </c:pt>
-              </c:strCache>
-            </c:strRef>
-          </c:cat>
-          <c:val>
-            <c:numRef>
-              <c:f>Sheet1!$D$2:$D$5</c:f>
-              <c:numCache>
-                <c:formatCode>General</c:formatCode>
-                <c:ptCount val="4"/>
-                <c:pt idx="0">
-                  <c:v>2</c:v>
-                </c:pt>
-                <c:pt idx="1">
-                  <c:v>2</c:v>
-                </c:pt>
-                <c:pt idx="2">
-                  <c:v>3</c:v>
-                </c:pt>
-                <c:pt idx="3">
-                  <c:v>5</c:v>
-                </c:pt>
-              </c:numCache>
-            </c:numRef>
-          </c:val>
-        </c:ser>
-        <c:dLbls>
-          <c:showLegendKey val="0"/>
-          <c:showVal val="0"/>
-          <c:showCatName val="0"/>
-          <c:showSerName val="0"/>
-          <c:showPercent val="0"/>
-          <c:showBubbleSize val="0"/>
-        </c:dLbls>
-        <c:gapWidth val="150"/>
-        <c:shape val="cylinder"/>
-        <c:axId val="1721196032"/>
-        <c:axId val="1721198208"/>
-        <c:axId val="0"/>
-      </c:bar3DChart>
-      <c:catAx>
-        <c:axId val="1721196032"/>
-        <c:scaling>
-          <c:orientation val="minMax"/>
-        </c:scaling>
-        <c:delete val="0"/>
-        <c:axPos val="b"/>
-        <c:numFmt formatCode="General" sourceLinked="0"/>
-        <c:majorTickMark val="out"/>
-        <c:minorTickMark val="none"/>
-        <c:tickLblPos val="nextTo"/>
-        <c:spPr>
-          <a:ln>
-            <a:solidFill>
-              <a:schemeClr val="accent2"/>
-            </a:solidFill>
-          </a:ln>
-        </c:spPr>
-        <c:crossAx val="1721198208"/>
-        <c:crosses val="autoZero"/>
-        <c:auto val="1"/>
-        <c:lblAlgn val="ctr"/>
-        <c:lblOffset val="100"/>
-        <c:noMultiLvlLbl val="0"/>
-      </c:catAx>
-      <c:valAx>
-        <c:axId val="1721198208"/>
-        <c:scaling>
-          <c:orientation val="minMax"/>
-        </c:scaling>
-        <c:delete val="0"/>
-        <c:axPos val="l"/>
-        <c:majorGridlines>
-          <c:spPr>
-            <a:ln>
-              <a:solidFill>
-                <a:schemeClr val="accent2"/>
-              </a:solidFill>
-            </a:ln>
-          </c:spPr>
-        </c:majorGridlines>
-        <c:numFmt formatCode="General" sourceLinked="1"/>
-        <c:majorTickMark val="out"/>
-        <c:minorTickMark val="none"/>
-        <c:tickLblPos val="nextTo"/>
-        <c:spPr>
-          <a:ln>
-            <a:solidFill>
-              <a:schemeClr val="accent2"/>
-            </a:solidFill>
-          </a:ln>
-        </c:spPr>
-        <c:crossAx val="1721196032"/>
-        <c:crosses val="autoZero"/>
-        <c:crossBetween val="between"/>
-        <c:majorUnit val="1"/>
-      </c:valAx>
-    </c:plotArea>
-    <c:legend>
-      <c:legendPos val="r"/>
-      <c:overlay val="0"/>
-    </c:legend>
-    <c:plotVisOnly val="1"/>
-    <c:dispBlanksAs val="gap"/>
-    <c:showDLblsOverMax val="0"/>
-  </c:chart>
-  <c:txPr>
-    <a:bodyPr/>
-    <a:lstStyle/>
-    <a:p>
-      <a:pPr>
-        <a:defRPr sz="1800">
-          <a:solidFill>
-            <a:schemeClr val="bg1"/>
-          </a:solidFill>
-        </a:defRPr>
-      </a:pPr>
-      <a:endParaRPr lang="en-US"/>
-    </a:p>
-  </c:txPr>
-  <c:externalData r:id="rId1">
-    <c:autoUpdate val="0"/>
-  </c:externalData>
-</c:chartSpace>
-</file>
-
-<file path=ppt/charts/chart2.xml><?xml version="1.0" encoding="utf-8"?>
-<c:chartSpace xmlns:c="http://schemas.openxmlformats.org/drawingml/2006/chart" xmlns:a="http://schemas.openxmlformats.org/drawingml/2006/main" xmlns:r="http://schemas.openxmlformats.org/officeDocument/2006/relationships">
-  <c:date1904 val="0"/>
-  <c:lang val="en-US"/>
-  <c:roundedCorners val="0"/>
-  <mc:AlternateContent xmlns:mc="http://schemas.openxmlformats.org/markup-compatibility/2006">
-    <mc:Choice xmlns:c14="http://schemas.microsoft.com/office/drawing/2007/8/2/chart" Requires="c14">
-      <c14:style val="126"/>
-    </mc:Choice>
-    <mc:Fallback>
-      <c:style val="26"/>
-    </mc:Fallback>
-  </mc:AlternateContent>
-  <c:chart>
-    <c:title>
-      <c:overlay val="0"/>
-    </c:title>
-    <c:autoTitleDeleted val="0"/>
-    <c:view3D>
-      <c:rotX val="30"/>
-      <c:hPercent val="50"/>
-      <c:rotY val="0"/>
-      <c:depthPercent val="100"/>
-      <c:rAngAx val="0"/>
-    </c:view3D>
-    <c:floor>
-      <c:thickness val="0"/>
-    </c:floor>
-    <c:sideWall>
-      <c:thickness val="0"/>
-    </c:sideWall>
-    <c:backWall>
-      <c:thickness val="0"/>
-    </c:backWall>
-    <c:plotArea>
-      <c:layout>
-        <c:manualLayout>
-          <c:layoutTarget val="inner"/>
-          <c:xMode val="edge"/>
-          <c:yMode val="edge"/>
-          <c:x val="1.1711726218271855E-3"/>
-          <c:y val="0.16578725939722297"/>
-          <c:w val="0.71714774916939061"/>
-          <c:h val="0.8288151189308951"/>
-        </c:manualLayout>
-      </c:layout>
-      <c:pie3DChart>
-        <c:varyColors val="1"/>
-        <c:ser>
-          <c:idx val="0"/>
-          <c:order val="0"/>
-          <c:tx>
-            <c:strRef>
-              <c:f>Sheet1!$B$1</c:f>
-              <c:strCache>
-                <c:ptCount val="1"/>
-                <c:pt idx="0">
-                  <c:v>Chart Title</c:v>
-                </c:pt>
-              </c:strCache>
-            </c:strRef>
-          </c:tx>
-          <c:dLbls>
-            <c:numFmt formatCode="General" sourceLinked="0"/>
-            <c:spPr>
-              <a:noFill/>
-              <a:ln>
-                <a:noFill/>
-              </a:ln>
-              <a:effectLst/>
-            </c:spPr>
-            <c:txPr>
-              <a:bodyPr/>
-              <a:lstStyle/>
-              <a:p>
-                <a:pPr>
-                  <a:defRPr>
-                    <a:solidFill>
-                      <a:schemeClr val="tx1"/>
-                    </a:solidFill>
-                  </a:defRPr>
-                </a:pPr>
-                <a:endParaRPr lang="en-US"/>
-              </a:p>
-            </c:txPr>
-            <c:showLegendKey val="0"/>
-            <c:showVal val="0"/>
-            <c:showCatName val="0"/>
-            <c:showSerName val="0"/>
-            <c:showPercent val="1"/>
-            <c:showBubbleSize val="0"/>
-            <c:showLeaderLines val="1"/>
-            <c:extLst>
-              <c:ext xmlns:c15="http://schemas.microsoft.com/office/drawing/2012/chart" uri="{CE6537A1-D6FC-4f65-9D91-7224C49458BB}"/>
-            </c:extLst>
-          </c:dLbls>
-          <c:cat>
-            <c:strRef>
-              <c:f>Sheet1!$A$2:$A$5</c:f>
-              <c:strCache>
-                <c:ptCount val="4"/>
-                <c:pt idx="0">
-                  <c:v>1st Qtr</c:v>
-                </c:pt>
-                <c:pt idx="1">
-                  <c:v>2nd Qtr</c:v>
-                </c:pt>
-                <c:pt idx="2">
-                  <c:v>3rd Qtr</c:v>
-                </c:pt>
-                <c:pt idx="3">
-                  <c:v>4th Qtr</c:v>
-                </c:pt>
-              </c:strCache>
-            </c:strRef>
-          </c:cat>
-          <c:val>
-            <c:numRef>
-              <c:f>Sheet1!$B$2:$B$5</c:f>
-              <c:numCache>
-                <c:formatCode>General</c:formatCode>
-                <c:ptCount val="4"/>
-                <c:pt idx="0">
-                  <c:v>8.2000000000000011</c:v>
-                </c:pt>
-                <c:pt idx="1">
-                  <c:v>3.2</c:v>
-                </c:pt>
-                <c:pt idx="2">
-                  <c:v>1.4</c:v>
-                </c:pt>
-                <c:pt idx="3">
-                  <c:v>1.2</c:v>
-                </c:pt>
-              </c:numCache>
-            </c:numRef>
-          </c:val>
-        </c:ser>
-        <c:dLbls>
-          <c:showLegendKey val="0"/>
-          <c:showVal val="0"/>
-          <c:showCatName val="0"/>
-          <c:showSerName val="0"/>
-          <c:showPercent val="0"/>
-          <c:showBubbleSize val="0"/>
-          <c:showLeaderLines val="1"/>
-        </c:dLbls>
-      </c:pie3DChart>
-    </c:plotArea>
-    <c:legend>
-      <c:legendPos val="r"/>
-      <c:layout>
-        <c:manualLayout>
-          <c:xMode val="edge"/>
-          <c:yMode val="edge"/>
-          <c:x val="0.71349145773956391"/>
-          <c:y val="0.33069235618712822"/>
-          <c:w val="0.27832858316023606"/>
-          <c:h val="0.42146170730847066"/>
-        </c:manualLayout>
-      </c:layout>
-      <c:overlay val="0"/>
-    </c:legend>
-    <c:plotVisOnly val="1"/>
-    <c:dispBlanksAs val="gap"/>
-    <c:showDLblsOverMax val="0"/>
-  </c:chart>
-  <c:txPr>
-    <a:bodyPr/>
-    <a:lstStyle/>
-    <a:p>
-      <a:pPr>
-        <a:defRPr sz="1800">
-          <a:solidFill>
-            <a:schemeClr val="bg1"/>
-          </a:solidFill>
-        </a:defRPr>
-      </a:pPr>
-      <a:endParaRPr lang="en-US"/>
-    </a:p>
-  </c:txPr>
-  <c:externalData r:id="rId1">
-    <c:autoUpdate val="0"/>
-  </c:externalData>
-</c:chartSpace>
-</file>
-
-<file path=ppt/charts/chart3.xml><?xml version="1.0" encoding="utf-8"?>
-<c:chartSpace xmlns:c="http://schemas.openxmlformats.org/drawingml/2006/chart" xmlns:a="http://schemas.openxmlformats.org/drawingml/2006/main" xmlns:r="http://schemas.openxmlformats.org/officeDocument/2006/relationships">
-  <c:date1904 val="0"/>
-  <c:lang val="en-US"/>
-  <c:roundedCorners val="0"/>
-  <mc:AlternateContent xmlns:mc="http://schemas.openxmlformats.org/markup-compatibility/2006">
-    <mc:Choice xmlns:c14="http://schemas.microsoft.com/office/drawing/2007/8/2/chart" Requires="c14">
-      <c14:style val="102"/>
-    </mc:Choice>
-    <mc:Fallback>
-      <c:style val="2"/>
-    </mc:Fallback>
-  </mc:AlternateContent>
-  <c:chart>
-    <c:autoTitleDeleted val="0"/>
-    <c:plotArea>
-      <c:layout/>
-      <c:lineChart>
-        <c:grouping val="standard"/>
-        <c:varyColors val="0"/>
-        <c:ser>
-          <c:idx val="0"/>
-          <c:order val="0"/>
-          <c:tx>
-            <c:strRef>
-              <c:f>Sheet1!$B$1</c:f>
-              <c:strCache>
-                <c:ptCount val="1"/>
-                <c:pt idx="0">
-                  <c:v>Series 1</c:v>
-                </c:pt>
-              </c:strCache>
-            </c:strRef>
-          </c:tx>
-          <c:spPr>
-            <a:ln w="127000"/>
-            <a:effectLst>
-              <a:outerShdw blurRad="50800" dist="76200" dir="5400000" algn="ctr" rotWithShape="0">
-                <a:srgbClr val="000000">
-                  <a:alpha val="40000"/>
-                </a:srgbClr>
-              </a:outerShdw>
-            </a:effectLst>
-          </c:spPr>
-          <c:marker>
-            <c:symbol val="circle"/>
-            <c:size val="12"/>
-            <c:spPr>
-              <a:effectLst>
-                <a:outerShdw blurRad="50800" dist="76200" dir="5400000" algn="ctr" rotWithShape="0">
-                  <a:srgbClr val="000000">
-                    <a:alpha val="40000"/>
-                  </a:srgbClr>
-                </a:outerShdw>
-              </a:effectLst>
-              <a:scene3d>
-                <a:camera prst="orthographicFront"/>
-                <a:lightRig rig="threePt" dir="t"/>
-              </a:scene3d>
-              <a:sp3d>
-                <a:bevelT prst="relaxedInset"/>
-              </a:sp3d>
-            </c:spPr>
-          </c:marker>
-          <c:cat>
-            <c:strRef>
-              <c:f>Sheet1!$A$2:$A$5</c:f>
-              <c:strCache>
-                <c:ptCount val="4"/>
-                <c:pt idx="0">
-                  <c:v>Category 1</c:v>
-                </c:pt>
-                <c:pt idx="1">
-                  <c:v>Category 2</c:v>
-                </c:pt>
-                <c:pt idx="2">
-                  <c:v>Category 3</c:v>
-                </c:pt>
-                <c:pt idx="3">
-                  <c:v>Category 4</c:v>
-                </c:pt>
-              </c:strCache>
-            </c:strRef>
-          </c:cat>
-          <c:val>
-            <c:numRef>
-              <c:f>Sheet1!$B$2:$B$5</c:f>
-              <c:numCache>
-                <c:formatCode>General</c:formatCode>
-                <c:ptCount val="4"/>
-                <c:pt idx="0">
-                  <c:v>4.3</c:v>
-                </c:pt>
-                <c:pt idx="1">
-                  <c:v>2.5</c:v>
-                </c:pt>
-                <c:pt idx="2">
-                  <c:v>3.5</c:v>
-                </c:pt>
-                <c:pt idx="3">
-                  <c:v>4.5</c:v>
-                </c:pt>
-              </c:numCache>
-            </c:numRef>
-          </c:val>
-          <c:smooth val="0"/>
-        </c:ser>
-        <c:ser>
-          <c:idx val="1"/>
-          <c:order val="1"/>
-          <c:tx>
-            <c:strRef>
-              <c:f>Sheet1!$C$1</c:f>
-              <c:strCache>
-                <c:ptCount val="1"/>
-                <c:pt idx="0">
-                  <c:v>Series 2</c:v>
-                </c:pt>
-              </c:strCache>
-            </c:strRef>
-          </c:tx>
-          <c:spPr>
-            <a:ln w="127000"/>
-            <a:effectLst>
-              <a:outerShdw blurRad="50800" dist="76200" dir="5400000" algn="ctr" rotWithShape="0">
-                <a:srgbClr val="000000">
-                  <a:alpha val="40000"/>
-                </a:srgbClr>
-              </a:outerShdw>
-            </a:effectLst>
-          </c:spPr>
-          <c:marker>
-            <c:symbol val="circle"/>
-            <c:size val="12"/>
-            <c:spPr>
-              <a:effectLst>
-                <a:outerShdw blurRad="50800" dist="76200" dir="5400000" algn="ctr" rotWithShape="0">
-                  <a:srgbClr val="000000">
-                    <a:alpha val="40000"/>
-                  </a:srgbClr>
-                </a:outerShdw>
-              </a:effectLst>
-              <a:scene3d>
-                <a:camera prst="orthographicFront"/>
-                <a:lightRig rig="threePt" dir="t"/>
-              </a:scene3d>
-              <a:sp3d>
-                <a:bevelT prst="relaxedInset"/>
-              </a:sp3d>
-            </c:spPr>
-          </c:marker>
-          <c:cat>
-            <c:strRef>
-              <c:f>Sheet1!$A$2:$A$5</c:f>
-              <c:strCache>
-                <c:ptCount val="4"/>
-                <c:pt idx="0">
-                  <c:v>Category 1</c:v>
-                </c:pt>
-                <c:pt idx="1">
-                  <c:v>Category 2</c:v>
-                </c:pt>
-                <c:pt idx="2">
-                  <c:v>Category 3</c:v>
-                </c:pt>
-                <c:pt idx="3">
-                  <c:v>Category 4</c:v>
-                </c:pt>
-              </c:strCache>
-            </c:strRef>
-          </c:cat>
-          <c:val>
-            <c:numRef>
-              <c:f>Sheet1!$C$2:$C$5</c:f>
-              <c:numCache>
-                <c:formatCode>General</c:formatCode>
-                <c:ptCount val="4"/>
-                <c:pt idx="0">
-                  <c:v>2.4</c:v>
-                </c:pt>
-                <c:pt idx="1">
-                  <c:v>4.4000000000000004</c:v>
-                </c:pt>
-                <c:pt idx="2">
-                  <c:v>1.8</c:v>
-                </c:pt>
-                <c:pt idx="3">
-                  <c:v>2.8</c:v>
-                </c:pt>
-              </c:numCache>
-            </c:numRef>
-          </c:val>
-          <c:smooth val="0"/>
-        </c:ser>
-        <c:ser>
-          <c:idx val="2"/>
-          <c:order val="2"/>
-          <c:tx>
-            <c:strRef>
-              <c:f>Sheet1!$D$1</c:f>
-              <c:strCache>
-                <c:ptCount val="1"/>
-                <c:pt idx="0">
-                  <c:v>Series 3</c:v>
-                </c:pt>
-              </c:strCache>
-            </c:strRef>
-          </c:tx>
-          <c:spPr>
-            <a:ln w="127000"/>
-            <a:effectLst>
-              <a:outerShdw blurRad="50800" dist="76200" dir="5400000" algn="ctr" rotWithShape="0">
-                <a:srgbClr val="000000">
-                  <a:alpha val="40000"/>
-                </a:srgbClr>
-              </a:outerShdw>
-            </a:effectLst>
-          </c:spPr>
-          <c:marker>
-            <c:symbol val="circle"/>
-            <c:size val="12"/>
-            <c:spPr>
-              <a:effectLst>
-                <a:outerShdw blurRad="50800" dist="76200" dir="5400000" algn="ctr" rotWithShape="0">
-                  <a:srgbClr val="000000">
-                    <a:alpha val="40000"/>
-                  </a:srgbClr>
-                </a:outerShdw>
-              </a:effectLst>
-              <a:scene3d>
-                <a:camera prst="orthographicFront"/>
-                <a:lightRig rig="threePt" dir="t"/>
-              </a:scene3d>
-              <a:sp3d>
-                <a:bevelT prst="relaxedInset"/>
-              </a:sp3d>
-            </c:spPr>
-          </c:marker>
-          <c:cat>
-            <c:strRef>
-              <c:f>Sheet1!$A$2:$A$5</c:f>
-              <c:strCache>
-                <c:ptCount val="4"/>
-                <c:pt idx="0">
-                  <c:v>Category 1</c:v>
-                </c:pt>
-                <c:pt idx="1">
-                  <c:v>Category 2</c:v>
-                </c:pt>
-                <c:pt idx="2">
-                  <c:v>Category 3</c:v>
-                </c:pt>
-                <c:pt idx="3">
-                  <c:v>Category 4</c:v>
-                </c:pt>
-              </c:strCache>
-            </c:strRef>
-          </c:cat>
-          <c:val>
-            <c:numRef>
-              <c:f>Sheet1!$D$2:$D$5</c:f>
-              <c:numCache>
-                <c:formatCode>General</c:formatCode>
-                <c:ptCount val="4"/>
-                <c:pt idx="0">
-                  <c:v>2</c:v>
-                </c:pt>
-                <c:pt idx="1">
-                  <c:v>2</c:v>
-                </c:pt>
-                <c:pt idx="2">
-                  <c:v>3</c:v>
-                </c:pt>
-                <c:pt idx="3">
-                  <c:v>5</c:v>
-                </c:pt>
-              </c:numCache>
-            </c:numRef>
-          </c:val>
-          <c:smooth val="0"/>
-        </c:ser>
-        <c:ser>
-          <c:idx val="3"/>
-          <c:order val="3"/>
-          <c:tx>
-            <c:strRef>
-              <c:f>Sheet1!$E$1</c:f>
-              <c:strCache>
-                <c:ptCount val="1"/>
-                <c:pt idx="0">
-                  <c:v>Series 4</c:v>
-                </c:pt>
-              </c:strCache>
-            </c:strRef>
-          </c:tx>
-          <c:spPr>
-            <a:ln w="127000"/>
-            <a:effectLst>
-              <a:outerShdw blurRad="50800" dist="76200" dir="5400000" algn="ctr" rotWithShape="0">
-                <a:srgbClr val="000000">
-                  <a:alpha val="40000"/>
-                </a:srgbClr>
-              </a:outerShdw>
-            </a:effectLst>
-          </c:spPr>
-          <c:marker>
-            <c:symbol val="circle"/>
-            <c:size val="12"/>
-            <c:spPr>
-              <a:effectLst>
-                <a:outerShdw blurRad="50800" dist="76200" dir="5400000" algn="ctr" rotWithShape="0">
-                  <a:srgbClr val="000000">
-                    <a:alpha val="40000"/>
-                  </a:srgbClr>
-                </a:outerShdw>
-              </a:effectLst>
-              <a:scene3d>
-                <a:camera prst="orthographicFront"/>
-                <a:lightRig rig="threePt" dir="t"/>
-              </a:scene3d>
-              <a:sp3d>
-                <a:bevelT prst="relaxedInset"/>
-              </a:sp3d>
-            </c:spPr>
-          </c:marker>
-          <c:cat>
-            <c:strRef>
-              <c:f>Sheet1!$A$2:$A$5</c:f>
-              <c:strCache>
-                <c:ptCount val="4"/>
-                <c:pt idx="0">
-                  <c:v>Category 1</c:v>
-                </c:pt>
-                <c:pt idx="1">
-                  <c:v>Category 2</c:v>
-                </c:pt>
-                <c:pt idx="2">
-                  <c:v>Category 3</c:v>
-                </c:pt>
-                <c:pt idx="3">
-                  <c:v>Category 4</c:v>
-                </c:pt>
-              </c:strCache>
-            </c:strRef>
-          </c:cat>
-          <c:val>
-            <c:numRef>
-              <c:f>Sheet1!$E$2:$E$5</c:f>
-              <c:numCache>
-                <c:formatCode>General</c:formatCode>
-                <c:ptCount val="4"/>
-                <c:pt idx="0">
-                  <c:v>1</c:v>
-                </c:pt>
-                <c:pt idx="1">
-                  <c:v>3</c:v>
-                </c:pt>
-                <c:pt idx="2">
-                  <c:v>5</c:v>
-                </c:pt>
-                <c:pt idx="3">
-                  <c:v>5.5</c:v>
-                </c:pt>
-              </c:numCache>
-            </c:numRef>
-          </c:val>
-          <c:smooth val="0"/>
-        </c:ser>
-        <c:dLbls>
-          <c:showLegendKey val="0"/>
-          <c:showVal val="0"/>
-          <c:showCatName val="0"/>
-          <c:showSerName val="0"/>
-          <c:showPercent val="0"/>
-          <c:showBubbleSize val="0"/>
-        </c:dLbls>
-        <c:marker val="1"/>
-        <c:smooth val="0"/>
-        <c:axId val="1471670384"/>
-        <c:axId val="1779551184"/>
-      </c:lineChart>
-      <c:catAx>
-        <c:axId val="1471670384"/>
-        <c:scaling>
-          <c:orientation val="minMax"/>
-        </c:scaling>
-        <c:delete val="0"/>
-        <c:axPos val="b"/>
-        <c:numFmt formatCode="General" sourceLinked="0"/>
-        <c:majorTickMark val="out"/>
-        <c:minorTickMark val="none"/>
-        <c:tickLblPos val="nextTo"/>
-        <c:spPr>
-          <a:ln>
-            <a:solidFill>
-              <a:schemeClr val="accent2"/>
-            </a:solidFill>
-          </a:ln>
-        </c:spPr>
-        <c:crossAx val="1779551184"/>
-        <c:crosses val="autoZero"/>
-        <c:auto val="1"/>
-        <c:lblAlgn val="ctr"/>
-        <c:lblOffset val="100"/>
-        <c:noMultiLvlLbl val="0"/>
-      </c:catAx>
-      <c:valAx>
-        <c:axId val="1779551184"/>
-        <c:scaling>
-          <c:orientation val="minMax"/>
-        </c:scaling>
-        <c:delete val="0"/>
-        <c:axPos val="l"/>
-        <c:majorGridlines>
-          <c:spPr>
-            <a:ln>
-              <a:solidFill>
-                <a:schemeClr val="accent2"/>
-              </a:solidFill>
-            </a:ln>
-          </c:spPr>
-        </c:majorGridlines>
-        <c:numFmt formatCode="General" sourceLinked="1"/>
-        <c:majorTickMark val="out"/>
-        <c:minorTickMark val="none"/>
-        <c:tickLblPos val="nextTo"/>
-        <c:spPr>
-          <a:ln>
-            <a:solidFill>
-              <a:schemeClr val="accent2"/>
-            </a:solidFill>
-          </a:ln>
-        </c:spPr>
-        <c:crossAx val="1471670384"/>
-        <c:crosses val="autoZero"/>
-        <c:crossBetween val="between"/>
-      </c:valAx>
-      <c:spPr>
-        <a:solidFill>
-          <a:srgbClr val="4F6E9B">
-            <a:alpha val="50000"/>
-          </a:srgbClr>
-        </a:solidFill>
-        <a:ln>
-          <a:solidFill>
-            <a:schemeClr val="accent2"/>
-          </a:solidFill>
-        </a:ln>
-      </c:spPr>
-    </c:plotArea>
-    <c:legend>
-      <c:legendPos val="r"/>
-      <c:overlay val="0"/>
-    </c:legend>
-    <c:plotVisOnly val="1"/>
-    <c:dispBlanksAs val="gap"/>
-    <c:showDLblsOverMax val="0"/>
-  </c:chart>
-  <c:txPr>
-    <a:bodyPr/>
-    <a:lstStyle/>
-    <a:p>
-      <a:pPr>
-        <a:defRPr sz="1800">
-          <a:solidFill>
-            <a:schemeClr val="bg1"/>
-          </a:solidFill>
-        </a:defRPr>
-      </a:pPr>
-      <a:endParaRPr lang="en-US"/>
-    </a:p>
-  </c:txPr>
-  <c:externalData r:id="rId1">
-    <c:autoUpdate val="0"/>
-  </c:externalData>
-</c:chartSpace>
-</file>
-
-<file path=ppt/charts/chart4.xml><?xml version="1.0" encoding="utf-8"?>
-<c:chartSpace xmlns:c="http://schemas.openxmlformats.org/drawingml/2006/chart" xmlns:a="http://schemas.openxmlformats.org/drawingml/2006/main" xmlns:r="http://schemas.openxmlformats.org/officeDocument/2006/relationships">
-  <c:date1904 val="0"/>
-  <c:lang val="en-US"/>
-  <c:roundedCorners val="0"/>
-  <mc:AlternateContent xmlns:mc="http://schemas.openxmlformats.org/markup-compatibility/2006">
-    <mc:Choice xmlns:c14="http://schemas.microsoft.com/office/drawing/2007/8/2/chart" Requires="c14">
-      <c14:style val="126"/>
-    </mc:Choice>
-    <mc:Fallback>
-      <c:style val="26"/>
-    </mc:Fallback>
-  </mc:AlternateContent>
-  <c:chart>
-    <c:autoTitleDeleted val="0"/>
-    <c:plotArea>
-      <c:layout/>
-      <c:areaChart>
-        <c:grouping val="stacked"/>
-        <c:varyColors val="0"/>
-        <c:ser>
-          <c:idx val="0"/>
-          <c:order val="0"/>
-          <c:tx>
-            <c:strRef>
-              <c:f>Sheet1!$B$1</c:f>
-              <c:strCache>
-                <c:ptCount val="1"/>
-                <c:pt idx="0">
-                  <c:v>Series 1</c:v>
-                </c:pt>
-              </c:strCache>
-            </c:strRef>
-          </c:tx>
-          <c:spPr>
-            <a:scene3d>
-              <a:camera prst="orthographicFront"/>
-              <a:lightRig rig="glow" dir="t">
-                <a:rot lat="0" lon="0" rev="5400000"/>
-              </a:lightRig>
-            </a:scene3d>
-            <a:sp3d prstMaterial="flat">
-              <a:bevelT/>
-              <a:contourClr>
-                <a:srgbClr val="000000"/>
-              </a:contourClr>
-            </a:sp3d>
-          </c:spPr>
-          <c:cat>
-            <c:strRef>
-              <c:f>Sheet1!$A$2:$A$5</c:f>
-              <c:strCache>
-                <c:ptCount val="4"/>
-                <c:pt idx="0">
-                  <c:v>Category 1</c:v>
-                </c:pt>
-                <c:pt idx="1">
-                  <c:v>Category 2</c:v>
-                </c:pt>
-                <c:pt idx="2">
-                  <c:v>Category 3</c:v>
-                </c:pt>
-                <c:pt idx="3">
-                  <c:v>Category 4</c:v>
-                </c:pt>
-              </c:strCache>
-            </c:strRef>
-          </c:cat>
-          <c:val>
-            <c:numRef>
-              <c:f>Sheet1!$B$2:$B$5</c:f>
-              <c:numCache>
-                <c:formatCode>General</c:formatCode>
-                <c:ptCount val="4"/>
-                <c:pt idx="0">
-                  <c:v>4.3</c:v>
-                </c:pt>
-                <c:pt idx="1">
-                  <c:v>2.5</c:v>
-                </c:pt>
-                <c:pt idx="2">
-                  <c:v>3.5</c:v>
-                </c:pt>
-                <c:pt idx="3">
-                  <c:v>4.5</c:v>
-                </c:pt>
-              </c:numCache>
-            </c:numRef>
-          </c:val>
-        </c:ser>
-        <c:ser>
-          <c:idx val="1"/>
-          <c:order val="1"/>
-          <c:tx>
-            <c:strRef>
-              <c:f>Sheet1!$C$1</c:f>
-              <c:strCache>
-                <c:ptCount val="1"/>
-                <c:pt idx="0">
-                  <c:v>Series 2</c:v>
-                </c:pt>
-              </c:strCache>
-            </c:strRef>
-          </c:tx>
-          <c:spPr>
-            <a:scene3d>
-              <a:camera prst="orthographicFront"/>
-              <a:lightRig rig="glow" dir="t">
-                <a:rot lat="0" lon="0" rev="5400000"/>
-              </a:lightRig>
-            </a:scene3d>
-            <a:sp3d prstMaterial="flat">
-              <a:bevelT/>
-              <a:contourClr>
-                <a:srgbClr val="000000"/>
-              </a:contourClr>
-            </a:sp3d>
-          </c:spPr>
-          <c:cat>
-            <c:strRef>
-              <c:f>Sheet1!$A$2:$A$5</c:f>
-              <c:strCache>
-                <c:ptCount val="4"/>
-                <c:pt idx="0">
-                  <c:v>Category 1</c:v>
-                </c:pt>
-                <c:pt idx="1">
-                  <c:v>Category 2</c:v>
-                </c:pt>
-                <c:pt idx="2">
-                  <c:v>Category 3</c:v>
-                </c:pt>
-                <c:pt idx="3">
-                  <c:v>Category 4</c:v>
-                </c:pt>
-              </c:strCache>
-            </c:strRef>
-          </c:cat>
-          <c:val>
-            <c:numRef>
-              <c:f>Sheet1!$C$2:$C$5</c:f>
-              <c:numCache>
-                <c:formatCode>General</c:formatCode>
-                <c:ptCount val="4"/>
-                <c:pt idx="0">
-                  <c:v>2.4</c:v>
-                </c:pt>
-                <c:pt idx="1">
-                  <c:v>4.4000000000000004</c:v>
-                </c:pt>
-                <c:pt idx="2">
-                  <c:v>1.8</c:v>
-                </c:pt>
-                <c:pt idx="3">
-                  <c:v>2.8</c:v>
-                </c:pt>
-              </c:numCache>
-            </c:numRef>
-          </c:val>
-        </c:ser>
-        <c:ser>
-          <c:idx val="2"/>
-          <c:order val="2"/>
-          <c:tx>
-            <c:strRef>
-              <c:f>Sheet1!$D$1</c:f>
-              <c:strCache>
-                <c:ptCount val="1"/>
-                <c:pt idx="0">
-                  <c:v>Series 3</c:v>
-                </c:pt>
-              </c:strCache>
-            </c:strRef>
-          </c:tx>
-          <c:spPr>
-            <a:scene3d>
-              <a:camera prst="orthographicFront"/>
-              <a:lightRig rig="glow" dir="t">
-                <a:rot lat="0" lon="0" rev="5400000"/>
-              </a:lightRig>
-            </a:scene3d>
-            <a:sp3d prstMaterial="flat">
-              <a:bevelT/>
-              <a:contourClr>
-                <a:srgbClr val="000000"/>
-              </a:contourClr>
-            </a:sp3d>
-          </c:spPr>
-          <c:cat>
-            <c:strRef>
-              <c:f>Sheet1!$A$2:$A$5</c:f>
-              <c:strCache>
-                <c:ptCount val="4"/>
-                <c:pt idx="0">
-                  <c:v>Category 1</c:v>
-                </c:pt>
-                <c:pt idx="1">
-                  <c:v>Category 2</c:v>
-                </c:pt>
-                <c:pt idx="2">
-                  <c:v>Category 3</c:v>
-                </c:pt>
-                <c:pt idx="3">
-                  <c:v>Category 4</c:v>
-                </c:pt>
-              </c:strCache>
-            </c:strRef>
-          </c:cat>
-          <c:val>
-            <c:numRef>
-              <c:f>Sheet1!$D$2:$D$5</c:f>
-              <c:numCache>
-                <c:formatCode>General</c:formatCode>
-                <c:ptCount val="4"/>
-                <c:pt idx="0">
-                  <c:v>2</c:v>
-                </c:pt>
-                <c:pt idx="1">
-                  <c:v>2</c:v>
-                </c:pt>
-                <c:pt idx="2">
-                  <c:v>3</c:v>
-                </c:pt>
-                <c:pt idx="3">
-                  <c:v>5</c:v>
-                </c:pt>
-              </c:numCache>
-            </c:numRef>
-          </c:val>
-        </c:ser>
-        <c:ser>
-          <c:idx val="3"/>
-          <c:order val="3"/>
-          <c:tx>
-            <c:strRef>
-              <c:f>Sheet1!$E$1</c:f>
-              <c:strCache>
-                <c:ptCount val="1"/>
-                <c:pt idx="0">
-                  <c:v>Series 4</c:v>
-                </c:pt>
-              </c:strCache>
-            </c:strRef>
-          </c:tx>
-          <c:spPr>
-            <a:ln w="25400">
-              <a:noFill/>
-            </a:ln>
-          </c:spPr>
-          <c:cat>
-            <c:strRef>
-              <c:f>Sheet1!$A$2:$A$5</c:f>
-              <c:strCache>
-                <c:ptCount val="4"/>
-                <c:pt idx="0">
-                  <c:v>Category 1</c:v>
-                </c:pt>
-                <c:pt idx="1">
-                  <c:v>Category 2</c:v>
-                </c:pt>
-                <c:pt idx="2">
-                  <c:v>Category 3</c:v>
-                </c:pt>
-                <c:pt idx="3">
-                  <c:v>Category 4</c:v>
-                </c:pt>
-              </c:strCache>
-            </c:strRef>
-          </c:cat>
-          <c:val>
-            <c:numRef>
-              <c:f>Sheet1!$E$2:$E$5</c:f>
-              <c:numCache>
-                <c:formatCode>General</c:formatCode>
-                <c:ptCount val="4"/>
-                <c:pt idx="0">
-                  <c:v>2</c:v>
-                </c:pt>
-                <c:pt idx="1">
-                  <c:v>2</c:v>
-                </c:pt>
-                <c:pt idx="2">
-                  <c:v>2</c:v>
-                </c:pt>
-                <c:pt idx="3">
-                  <c:v>2</c:v>
-                </c:pt>
-              </c:numCache>
-            </c:numRef>
-          </c:val>
-        </c:ser>
-        <c:dLbls>
-          <c:showLegendKey val="0"/>
-          <c:showVal val="0"/>
-          <c:showCatName val="0"/>
-          <c:showSerName val="0"/>
-          <c:showPercent val="0"/>
-          <c:showBubbleSize val="0"/>
-        </c:dLbls>
-        <c:axId val="1779549008"/>
-        <c:axId val="1779541936"/>
-      </c:areaChart>
-      <c:catAx>
-        <c:axId val="1779549008"/>
-        <c:scaling>
-          <c:orientation val="minMax"/>
-        </c:scaling>
-        <c:delete val="0"/>
-        <c:axPos val="b"/>
-        <c:numFmt formatCode="General" sourceLinked="0"/>
-        <c:majorTickMark val="out"/>
-        <c:minorTickMark val="none"/>
-        <c:tickLblPos val="nextTo"/>
-        <c:spPr>
-          <a:ln>
-            <a:solidFill>
-              <a:schemeClr val="accent2"/>
-            </a:solidFill>
-          </a:ln>
-        </c:spPr>
-        <c:crossAx val="1779541936"/>
-        <c:crosses val="autoZero"/>
-        <c:auto val="1"/>
-        <c:lblAlgn val="ctr"/>
-        <c:lblOffset val="100"/>
-        <c:noMultiLvlLbl val="0"/>
-      </c:catAx>
-      <c:valAx>
-        <c:axId val="1779541936"/>
-        <c:scaling>
-          <c:orientation val="minMax"/>
-        </c:scaling>
-        <c:delete val="0"/>
-        <c:axPos val="l"/>
-        <c:majorGridlines>
-          <c:spPr>
-            <a:ln>
-              <a:solidFill>
-                <a:schemeClr val="accent2"/>
-              </a:solidFill>
-            </a:ln>
-          </c:spPr>
-        </c:majorGridlines>
-        <c:numFmt formatCode="General" sourceLinked="1"/>
-        <c:majorTickMark val="out"/>
-        <c:minorTickMark val="none"/>
-        <c:tickLblPos val="nextTo"/>
-        <c:spPr>
-          <a:ln>
-            <a:solidFill>
-              <a:schemeClr val="accent2"/>
-            </a:solidFill>
-          </a:ln>
-        </c:spPr>
-        <c:crossAx val="1779549008"/>
-        <c:crosses val="autoZero"/>
-        <c:crossBetween val="midCat"/>
-      </c:valAx>
-      <c:spPr>
-        <a:solidFill>
-          <a:srgbClr val="4F6E9B">
-            <a:alpha val="50000"/>
-          </a:srgbClr>
-        </a:solidFill>
-        <a:ln>
-          <a:solidFill>
-            <a:schemeClr val="accent2"/>
-          </a:solidFill>
-        </a:ln>
-      </c:spPr>
-    </c:plotArea>
-    <c:legend>
-      <c:legendPos val="r"/>
-      <c:layout>
-        <c:manualLayout>
-          <c:xMode val="edge"/>
-          <c:yMode val="edge"/>
-          <c:x val="0.74670724215484241"/>
-          <c:y val="0.33972823971405219"/>
-          <c:w val="0.21572081583108399"/>
-          <c:h val="0.41217400875861931"/>
-        </c:manualLayout>
-      </c:layout>
-      <c:overlay val="0"/>
-    </c:legend>
-    <c:plotVisOnly val="1"/>
-    <c:dispBlanksAs val="zero"/>
-    <c:showDLblsOverMax val="0"/>
-  </c:chart>
-  <c:txPr>
-    <a:bodyPr/>
-    <a:lstStyle/>
-    <a:p>
-      <a:pPr>
-        <a:defRPr sz="1800">
-          <a:solidFill>
-            <a:schemeClr val="bg1"/>
-          </a:solidFill>
-        </a:defRPr>
-      </a:pPr>
-      <a:endParaRPr lang="en-US"/>
-    </a:p>
-  </c:txPr>
-  <c:externalData r:id="rId1">
-    <c:autoUpdate val="0"/>
-  </c:externalData>
-</c:chartSpace>
-</file>
-
 <file path=ppt/notesMasters/notesMaster1.xml><?xml version="1.0" encoding="utf-8"?>
 <p:notesMaster xmlns:a="http://schemas.openxmlformats.org/drawingml/2006/main" xmlns:r="http://schemas.openxmlformats.org/officeDocument/2006/relationships" xmlns:p="http://schemas.openxmlformats.org/presentationml/2006/main">
   <p:cSld>
@@ -1653,7 +229,7 @@
           <a:p>
             <a:fld id="{CF3F5894-05B6-43ED-843F-1D2686926947}" type="datetimeFigureOut">
               <a:rPr lang="en-US" smtClean="0"/>
-              <a:t>11/9/2014</a:t>
+              <a:t>11/14/2014</a:t>
             </a:fld>
             <a:endParaRPr lang="en-US"/>
           </a:p>
@@ -2010,7 +586,7 @@
             <a:fld id="{81331B57-0BE5-4F82-AA58-76F53EFF3ADA}" type="datetime8">
               <a:rPr lang="en-US" smtClean="0"/>
               <a:pPr/>
-              <a:t>11/9/2014 6:29 PM</a:t>
+              <a:t>11/14/2014 12:35 PM</a:t>
             </a:fld>
             <a:endParaRPr lang="en-US" dirty="0"/>
           </a:p>
@@ -2108,1707 +684,6 @@
     <p:extLst>
       <p:ext uri="{BB962C8B-B14F-4D97-AF65-F5344CB8AC3E}">
         <p14:creationId xmlns:p14="http://schemas.microsoft.com/office/powerpoint/2010/main" val="4158425499"/>
-      </p:ext>
-    </p:extLst>
-  </p:cSld>
-  <p:clrMapOvr>
-    <a:masterClrMapping/>
-  </p:clrMapOvr>
-</p:notes>
-</file>
-
-<file path=ppt/notesSlides/notesSlide10.xml><?xml version="1.0" encoding="utf-8"?>
-<p:notes xmlns:a="http://schemas.openxmlformats.org/drawingml/2006/main" xmlns:r="http://schemas.openxmlformats.org/officeDocument/2006/relationships" xmlns:p="http://schemas.openxmlformats.org/presentationml/2006/main">
-  <p:cSld>
-    <p:spTree>
-      <p:nvGrpSpPr>
-        <p:cNvPr id="1" name=""/>
-        <p:cNvGrpSpPr/>
-        <p:nvPr/>
-      </p:nvGrpSpPr>
-      <p:grpSpPr>
-        <a:xfrm>
-          <a:off x="0" y="0"/>
-          <a:ext cx="0" cy="0"/>
-          <a:chOff x="0" y="0"/>
-          <a:chExt cx="0" cy="0"/>
-        </a:xfrm>
-      </p:grpSpPr>
-      <p:sp>
-        <p:nvSpPr>
-          <p:cNvPr id="2" name="Slide Image Placeholder 1"/>
-          <p:cNvSpPr>
-            <a:spLocks noGrp="1" noRot="1" noChangeAspect="1"/>
-          </p:cNvSpPr>
-          <p:nvPr>
-            <p:ph type="sldImg"/>
-          </p:nvPr>
-        </p:nvSpPr>
-        <p:spPr/>
-      </p:sp>
-      <p:sp>
-        <p:nvSpPr>
-          <p:cNvPr id="3" name="Notes Placeholder 2"/>
-          <p:cNvSpPr>
-            <a:spLocks noGrp="1"/>
-          </p:cNvSpPr>
-          <p:nvPr>
-            <p:ph type="body" idx="1"/>
-          </p:nvPr>
-        </p:nvSpPr>
-        <p:spPr/>
-        <p:txBody>
-          <a:bodyPr>
-            <a:normAutofit/>
-          </a:bodyPr>
-          <a:lstStyle/>
-          <a:p>
-            <a:endParaRPr lang="en-US"/>
-          </a:p>
-        </p:txBody>
-      </p:sp>
-      <p:sp>
-        <p:nvSpPr>
-          <p:cNvPr id="4" name="Slide Number Placeholder 3"/>
-          <p:cNvSpPr>
-            <a:spLocks noGrp="1"/>
-          </p:cNvSpPr>
-          <p:nvPr>
-            <p:ph type="sldNum" sz="quarter" idx="10"/>
-          </p:nvPr>
-        </p:nvSpPr>
-        <p:spPr/>
-        <p:txBody>
-          <a:bodyPr/>
-          <a:lstStyle/>
-          <a:p>
-            <a:fld id="{8B263312-38AA-4E1E-B2B5-0F8F122B24FE}" type="slidenum">
-              <a:rPr lang="en-US" smtClean="0"/>
-              <a:pPr/>
-              <a:t>20</a:t>
-            </a:fld>
-            <a:endParaRPr lang="en-US" dirty="0"/>
-          </a:p>
-        </p:txBody>
-      </p:sp>
-      <p:sp>
-        <p:nvSpPr>
-          <p:cNvPr id="9" name="Header Placeholder 3"/>
-          <p:cNvSpPr>
-            <a:spLocks noGrp="1"/>
-          </p:cNvSpPr>
-          <p:nvPr>
-            <p:ph type="hdr" sz="quarter"/>
-          </p:nvPr>
-        </p:nvSpPr>
-        <p:spPr>
-          <a:xfrm>
-            <a:off x="0" y="0"/>
-            <a:ext cx="2971800" cy="457200"/>
-          </a:xfrm>
-        </p:spPr>
-        <p:txBody>
-          <a:bodyPr/>
-          <a:lstStyle/>
-          <a:p>
-            <a:endParaRPr lang="en-US" dirty="0"/>
-          </a:p>
-        </p:txBody>
-      </p:sp>
-      <p:sp>
-        <p:nvSpPr>
-          <p:cNvPr id="10" name="Date Placeholder 4"/>
-          <p:cNvSpPr>
-            <a:spLocks noGrp="1"/>
-          </p:cNvSpPr>
-          <p:nvPr>
-            <p:ph type="dt" idx="1"/>
-          </p:nvPr>
-        </p:nvSpPr>
-        <p:spPr>
-          <a:xfrm>
-            <a:off x="3884613" y="0"/>
-            <a:ext cx="2971800" cy="457200"/>
-          </a:xfrm>
-        </p:spPr>
-        <p:txBody>
-          <a:bodyPr/>
-          <a:lstStyle/>
-          <a:p>
-            <a:fld id="{81331B57-0BE5-4F82-AA58-76F53EFF3ADA}" type="datetime8">
-              <a:rPr lang="en-US" smtClean="0"/>
-              <a:pPr/>
-              <a:t>11/9/2014 6:29 PM</a:t>
-            </a:fld>
-            <a:endParaRPr lang="en-US"/>
-          </a:p>
-        </p:txBody>
-      </p:sp>
-      <p:sp>
-        <p:nvSpPr>
-          <p:cNvPr id="11" name="Footer Placeholder 5"/>
-          <p:cNvSpPr>
-            <a:spLocks noGrp="1"/>
-          </p:cNvSpPr>
-          <p:nvPr>
-            <p:ph type="ftr" sz="quarter" idx="4"/>
-          </p:nvPr>
-        </p:nvSpPr>
-        <p:spPr>
-          <a:xfrm>
-            <a:off x="0" y="8685213"/>
-            <a:ext cx="6172200" cy="457200"/>
-          </a:xfrm>
-        </p:spPr>
-        <p:txBody>
-          <a:bodyPr/>
-          <a:lstStyle/>
-          <a:p>
-            <a:r>
-              <a:rPr lang="en-US" smtClean="0">
-                <a:solidFill>
-                  <a:srgbClr val="000000"/>
-                </a:solidFill>
-              </a:rPr>
-              <a:t>© 2007 Microsoft Corporation. All rights reserved. Microsoft, Windows, Windows Vista and other product names are or may be registered trademarks and/or trademarks in the U.S. and/or other countries.</a:t>
-            </a:r>
-          </a:p>
-          <a:p>
-            <a:r>
-              <a:rPr lang="en-US" smtClean="0">
-                <a:solidFill>
-                  <a:srgbClr val="000000"/>
-                </a:solidFill>
-              </a:rPr>
-              <a:t>The information herein is for informational purposes only and represents the current view of Microsoft Corporation as of the date of this presentation.  Because Microsoft must respond to changing market conditions, it should not be interpreted to be a commitment on the part of Microsoft, and Microsoft cannot guarantee the accuracy of any information provided after the date of this presentation.  </a:t>
-            </a:r>
-            <a:br>
-              <a:rPr lang="en-US" smtClean="0">
-                <a:solidFill>
-                  <a:srgbClr val="000000"/>
-                </a:solidFill>
-              </a:rPr>
-            </a:br>
-            <a:r>
-              <a:rPr lang="en-US" smtClean="0">
-                <a:solidFill>
-                  <a:srgbClr val="000000"/>
-                </a:solidFill>
-              </a:rPr>
-              <a:t>MICROSOFT MAKES NO WARRANTIES, EXPRESS, IMPLIED OR STATUTORY, AS TO THE INFORMATION IN THIS PRESENTATION.</a:t>
-            </a:r>
-          </a:p>
-          <a:p>
-            <a:endParaRPr lang="en-US" dirty="0"/>
-          </a:p>
-        </p:txBody>
-      </p:sp>
-    </p:spTree>
-    <p:extLst>
-      <p:ext uri="{BB962C8B-B14F-4D97-AF65-F5344CB8AC3E}">
-        <p14:creationId xmlns:p14="http://schemas.microsoft.com/office/powerpoint/2010/main" val="1107315759"/>
-      </p:ext>
-    </p:extLst>
-  </p:cSld>
-  <p:clrMapOvr>
-    <a:masterClrMapping/>
-  </p:clrMapOvr>
-</p:notes>
-</file>
-
-<file path=ppt/notesSlides/notesSlide11.xml><?xml version="1.0" encoding="utf-8"?>
-<p:notes xmlns:a="http://schemas.openxmlformats.org/drawingml/2006/main" xmlns:r="http://schemas.openxmlformats.org/officeDocument/2006/relationships" xmlns:p="http://schemas.openxmlformats.org/presentationml/2006/main">
-  <p:cSld>
-    <p:spTree>
-      <p:nvGrpSpPr>
-        <p:cNvPr id="1" name=""/>
-        <p:cNvGrpSpPr/>
-        <p:nvPr/>
-      </p:nvGrpSpPr>
-      <p:grpSpPr>
-        <a:xfrm>
-          <a:off x="0" y="0"/>
-          <a:ext cx="0" cy="0"/>
-          <a:chOff x="0" y="0"/>
-          <a:chExt cx="0" cy="0"/>
-        </a:xfrm>
-      </p:grpSpPr>
-      <p:sp>
-        <p:nvSpPr>
-          <p:cNvPr id="2" name="Slide Image Placeholder 1"/>
-          <p:cNvSpPr>
-            <a:spLocks noGrp="1" noRot="1" noChangeAspect="1"/>
-          </p:cNvSpPr>
-          <p:nvPr>
-            <p:ph type="sldImg"/>
-          </p:nvPr>
-        </p:nvSpPr>
-        <p:spPr/>
-      </p:sp>
-      <p:sp>
-        <p:nvSpPr>
-          <p:cNvPr id="3" name="Notes Placeholder 2"/>
-          <p:cNvSpPr>
-            <a:spLocks noGrp="1"/>
-          </p:cNvSpPr>
-          <p:nvPr>
-            <p:ph type="body" idx="1"/>
-          </p:nvPr>
-        </p:nvSpPr>
-        <p:spPr/>
-        <p:txBody>
-          <a:bodyPr>
-            <a:normAutofit/>
-          </a:bodyPr>
-          <a:lstStyle/>
-          <a:p>
-            <a:endParaRPr lang="en-US"/>
-          </a:p>
-        </p:txBody>
-      </p:sp>
-      <p:sp>
-        <p:nvSpPr>
-          <p:cNvPr id="4" name="Header Placeholder 3"/>
-          <p:cNvSpPr>
-            <a:spLocks noGrp="1"/>
-          </p:cNvSpPr>
-          <p:nvPr>
-            <p:ph type="hdr" sz="quarter" idx="10"/>
-          </p:nvPr>
-        </p:nvSpPr>
-        <p:spPr/>
-        <p:txBody>
-          <a:bodyPr/>
-          <a:lstStyle/>
-          <a:p>
-            <a:endParaRPr lang="en-US" dirty="0"/>
-          </a:p>
-        </p:txBody>
-      </p:sp>
-      <p:sp>
-        <p:nvSpPr>
-          <p:cNvPr id="5" name="Date Placeholder 4"/>
-          <p:cNvSpPr>
-            <a:spLocks noGrp="1"/>
-          </p:cNvSpPr>
-          <p:nvPr>
-            <p:ph type="dt" idx="11"/>
-          </p:nvPr>
-        </p:nvSpPr>
-        <p:spPr/>
-        <p:txBody>
-          <a:bodyPr/>
-          <a:lstStyle/>
-          <a:p>
-            <a:fld id="{81331B57-0BE5-4F82-AA58-76F53EFF3ADA}" type="datetime8">
-              <a:rPr lang="en-US" smtClean="0"/>
-              <a:pPr/>
-              <a:t>11/9/2014 6:29 PM</a:t>
-            </a:fld>
-            <a:endParaRPr lang="en-US" dirty="0"/>
-          </a:p>
-        </p:txBody>
-      </p:sp>
-      <p:sp>
-        <p:nvSpPr>
-          <p:cNvPr id="6" name="Footer Placeholder 5"/>
-          <p:cNvSpPr>
-            <a:spLocks noGrp="1"/>
-          </p:cNvSpPr>
-          <p:nvPr>
-            <p:ph type="ftr" sz="quarter" idx="12"/>
-          </p:nvPr>
-        </p:nvSpPr>
-        <p:spPr/>
-        <p:txBody>
-          <a:bodyPr/>
-          <a:lstStyle/>
-          <a:p>
-            <a:r>
-              <a:rPr lang="en-US" smtClean="0">
-                <a:solidFill>
-                  <a:srgbClr val="000000"/>
-                </a:solidFill>
-              </a:rPr>
-              <a:t>© 2007 Microsoft Corporation. All rights reserved. Microsoft, Windows, Windows Vista and other product names are or may be registered trademarks and/or trademarks in the U.S. and/or other countries.</a:t>
-            </a:r>
-          </a:p>
-          <a:p>
-            <a:r>
-              <a:rPr lang="en-US" smtClean="0">
-                <a:solidFill>
-                  <a:srgbClr val="000000"/>
-                </a:solidFill>
-              </a:rPr>
-              <a:t>The information herein is for informational purposes only and represents the current view of Microsoft Corporation as of the date of this presentation.  Because Microsoft must respond to changing market conditions, it should not be interpreted to be a commitment on the part of Microsoft, and Microsoft cannot guarantee the accuracy of any information provided after the date of this presentation.  </a:t>
-            </a:r>
-            <a:br>
-              <a:rPr lang="en-US" smtClean="0">
-                <a:solidFill>
-                  <a:srgbClr val="000000"/>
-                </a:solidFill>
-              </a:rPr>
-            </a:br>
-            <a:r>
-              <a:rPr lang="en-US" smtClean="0">
-                <a:solidFill>
-                  <a:srgbClr val="000000"/>
-                </a:solidFill>
-              </a:rPr>
-              <a:t>MICROSOFT MAKES NO WARRANTIES, EXPRESS, IMPLIED OR STATUTORY, AS TO THE INFORMATION IN THIS PRESENTATION.</a:t>
-            </a:r>
-          </a:p>
-          <a:p>
-            <a:endParaRPr lang="en-US" dirty="0"/>
-          </a:p>
-        </p:txBody>
-      </p:sp>
-      <p:sp>
-        <p:nvSpPr>
-          <p:cNvPr id="7" name="Slide Number Placeholder 6"/>
-          <p:cNvSpPr>
-            <a:spLocks noGrp="1"/>
-          </p:cNvSpPr>
-          <p:nvPr>
-            <p:ph type="sldNum" sz="quarter" idx="13"/>
-          </p:nvPr>
-        </p:nvSpPr>
-        <p:spPr/>
-        <p:txBody>
-          <a:bodyPr/>
-          <a:lstStyle/>
-          <a:p>
-            <a:fld id="{EC87E0CF-87F6-4B58-B8B8-DCAB2DAAF3CA}" type="slidenum">
-              <a:rPr lang="en-US" smtClean="0"/>
-              <a:pPr/>
-              <a:t>21</a:t>
-            </a:fld>
-            <a:endParaRPr lang="en-US" dirty="0"/>
-          </a:p>
-        </p:txBody>
-      </p:sp>
-    </p:spTree>
-    <p:extLst>
-      <p:ext uri="{BB962C8B-B14F-4D97-AF65-F5344CB8AC3E}">
-        <p14:creationId xmlns:p14="http://schemas.microsoft.com/office/powerpoint/2010/main" val="2667610208"/>
-      </p:ext>
-    </p:extLst>
-  </p:cSld>
-  <p:clrMapOvr>
-    <a:masterClrMapping/>
-  </p:clrMapOvr>
-</p:notes>
-</file>
-
-<file path=ppt/notesSlides/notesSlide12.xml><?xml version="1.0" encoding="utf-8"?>
-<p:notes xmlns:a="http://schemas.openxmlformats.org/drawingml/2006/main" xmlns:r="http://schemas.openxmlformats.org/officeDocument/2006/relationships" xmlns:p="http://schemas.openxmlformats.org/presentationml/2006/main">
-  <p:cSld>
-    <p:spTree>
-      <p:nvGrpSpPr>
-        <p:cNvPr id="1" name=""/>
-        <p:cNvGrpSpPr/>
-        <p:nvPr/>
-      </p:nvGrpSpPr>
-      <p:grpSpPr>
-        <a:xfrm>
-          <a:off x="0" y="0"/>
-          <a:ext cx="0" cy="0"/>
-          <a:chOff x="0" y="0"/>
-          <a:chExt cx="0" cy="0"/>
-        </a:xfrm>
-      </p:grpSpPr>
-      <p:sp>
-        <p:nvSpPr>
-          <p:cNvPr id="2" name="Slide Image Placeholder 1"/>
-          <p:cNvSpPr>
-            <a:spLocks noGrp="1" noRot="1" noChangeAspect="1"/>
-          </p:cNvSpPr>
-          <p:nvPr>
-            <p:ph type="sldImg"/>
-          </p:nvPr>
-        </p:nvSpPr>
-        <p:spPr/>
-      </p:sp>
-      <p:sp>
-        <p:nvSpPr>
-          <p:cNvPr id="3" name="Notes Placeholder 2"/>
-          <p:cNvSpPr>
-            <a:spLocks noGrp="1"/>
-          </p:cNvSpPr>
-          <p:nvPr>
-            <p:ph type="body" idx="1"/>
-          </p:nvPr>
-        </p:nvSpPr>
-        <p:spPr/>
-        <p:txBody>
-          <a:bodyPr>
-            <a:normAutofit/>
-          </a:bodyPr>
-          <a:lstStyle/>
-          <a:p>
-            <a:endParaRPr lang="en-US"/>
-          </a:p>
-        </p:txBody>
-      </p:sp>
-      <p:sp>
-        <p:nvSpPr>
-          <p:cNvPr id="4" name="Slide Number Placeholder 3"/>
-          <p:cNvSpPr>
-            <a:spLocks noGrp="1"/>
-          </p:cNvSpPr>
-          <p:nvPr>
-            <p:ph type="sldNum" sz="quarter" idx="10"/>
-          </p:nvPr>
-        </p:nvSpPr>
-        <p:spPr/>
-        <p:txBody>
-          <a:bodyPr/>
-          <a:lstStyle/>
-          <a:p>
-            <a:fld id="{8B263312-38AA-4E1E-B2B5-0F8F122B24FE}" type="slidenum">
-              <a:rPr lang="en-US" smtClean="0"/>
-              <a:pPr/>
-              <a:t>22</a:t>
-            </a:fld>
-            <a:endParaRPr lang="en-US" dirty="0"/>
-          </a:p>
-        </p:txBody>
-      </p:sp>
-      <p:sp>
-        <p:nvSpPr>
-          <p:cNvPr id="5" name="Header Placeholder 3"/>
-          <p:cNvSpPr>
-            <a:spLocks noGrp="1"/>
-          </p:cNvSpPr>
-          <p:nvPr>
-            <p:ph type="hdr" sz="quarter"/>
-          </p:nvPr>
-        </p:nvSpPr>
-        <p:spPr>
-          <a:xfrm>
-            <a:off x="0" y="0"/>
-            <a:ext cx="2971800" cy="457200"/>
-          </a:xfrm>
-        </p:spPr>
-        <p:txBody>
-          <a:bodyPr/>
-          <a:lstStyle/>
-          <a:p>
-            <a:endParaRPr lang="en-US" dirty="0"/>
-          </a:p>
-        </p:txBody>
-      </p:sp>
-      <p:sp>
-        <p:nvSpPr>
-          <p:cNvPr id="6" name="Date Placeholder 4"/>
-          <p:cNvSpPr>
-            <a:spLocks noGrp="1"/>
-          </p:cNvSpPr>
-          <p:nvPr>
-            <p:ph type="dt" idx="1"/>
-          </p:nvPr>
-        </p:nvSpPr>
-        <p:spPr>
-          <a:xfrm>
-            <a:off x="3884613" y="0"/>
-            <a:ext cx="2971800" cy="457200"/>
-          </a:xfrm>
-        </p:spPr>
-        <p:txBody>
-          <a:bodyPr/>
-          <a:lstStyle/>
-          <a:p>
-            <a:fld id="{81331B57-0BE5-4F82-AA58-76F53EFF3ADA}" type="datetime8">
-              <a:rPr lang="en-US" smtClean="0"/>
-              <a:pPr/>
-              <a:t>11/9/2014 6:29 PM</a:t>
-            </a:fld>
-            <a:endParaRPr lang="en-US"/>
-          </a:p>
-        </p:txBody>
-      </p:sp>
-      <p:sp>
-        <p:nvSpPr>
-          <p:cNvPr id="7" name="Footer Placeholder 5"/>
-          <p:cNvSpPr>
-            <a:spLocks noGrp="1"/>
-          </p:cNvSpPr>
-          <p:nvPr>
-            <p:ph type="ftr" sz="quarter" idx="4"/>
-          </p:nvPr>
-        </p:nvSpPr>
-        <p:spPr>
-          <a:xfrm>
-            <a:off x="0" y="8685213"/>
-            <a:ext cx="6172200" cy="457200"/>
-          </a:xfrm>
-        </p:spPr>
-        <p:txBody>
-          <a:bodyPr/>
-          <a:lstStyle/>
-          <a:p>
-            <a:r>
-              <a:rPr lang="en-US" smtClean="0">
-                <a:solidFill>
-                  <a:srgbClr val="000000"/>
-                </a:solidFill>
-              </a:rPr>
-              <a:t>© 2007 Microsoft Corporation. All rights reserved. Microsoft, Windows, Windows Vista and other product names are or may be registered trademarks and/or trademarks in the U.S. and/or other countries.</a:t>
-            </a:r>
-          </a:p>
-          <a:p>
-            <a:r>
-              <a:rPr lang="en-US" smtClean="0">
-                <a:solidFill>
-                  <a:srgbClr val="000000"/>
-                </a:solidFill>
-              </a:rPr>
-              <a:t>The information herein is for informational purposes only and represents the current view of Microsoft Corporation as of the date of this presentation.  Because Microsoft must respond to changing market conditions, it should not be interpreted to be a commitment on the part of Microsoft, and Microsoft cannot guarantee the accuracy of any information provided after the date of this presentation.  </a:t>
-            </a:r>
-            <a:br>
-              <a:rPr lang="en-US" smtClean="0">
-                <a:solidFill>
-                  <a:srgbClr val="000000"/>
-                </a:solidFill>
-              </a:rPr>
-            </a:br>
-            <a:r>
-              <a:rPr lang="en-US" smtClean="0">
-                <a:solidFill>
-                  <a:srgbClr val="000000"/>
-                </a:solidFill>
-              </a:rPr>
-              <a:t>MICROSOFT MAKES NO WARRANTIES, EXPRESS, IMPLIED OR STATUTORY, AS TO THE INFORMATION IN THIS PRESENTATION.</a:t>
-            </a:r>
-          </a:p>
-          <a:p>
-            <a:endParaRPr lang="en-US" dirty="0"/>
-          </a:p>
-        </p:txBody>
-      </p:sp>
-    </p:spTree>
-    <p:extLst>
-      <p:ext uri="{BB962C8B-B14F-4D97-AF65-F5344CB8AC3E}">
-        <p14:creationId xmlns:p14="http://schemas.microsoft.com/office/powerpoint/2010/main" val="157346104"/>
-      </p:ext>
-    </p:extLst>
-  </p:cSld>
-  <p:clrMapOvr>
-    <a:masterClrMapping/>
-  </p:clrMapOvr>
-</p:notes>
-</file>
-
-<file path=ppt/notesSlides/notesSlide13.xml><?xml version="1.0" encoding="utf-8"?>
-<p:notes xmlns:a="http://schemas.openxmlformats.org/drawingml/2006/main" xmlns:r="http://schemas.openxmlformats.org/officeDocument/2006/relationships" xmlns:p="http://schemas.openxmlformats.org/presentationml/2006/main">
-  <p:cSld>
-    <p:spTree>
-      <p:nvGrpSpPr>
-        <p:cNvPr id="1" name=""/>
-        <p:cNvGrpSpPr/>
-        <p:nvPr/>
-      </p:nvGrpSpPr>
-      <p:grpSpPr>
-        <a:xfrm>
-          <a:off x="0" y="0"/>
-          <a:ext cx="0" cy="0"/>
-          <a:chOff x="0" y="0"/>
-          <a:chExt cx="0" cy="0"/>
-        </a:xfrm>
-      </p:grpSpPr>
-      <p:sp>
-        <p:nvSpPr>
-          <p:cNvPr id="2" name="Slide Image Placeholder 1"/>
-          <p:cNvSpPr>
-            <a:spLocks noGrp="1" noRot="1" noChangeAspect="1"/>
-          </p:cNvSpPr>
-          <p:nvPr>
-            <p:ph type="sldImg"/>
-          </p:nvPr>
-        </p:nvSpPr>
-        <p:spPr/>
-      </p:sp>
-      <p:sp>
-        <p:nvSpPr>
-          <p:cNvPr id="3" name="Notes Placeholder 2"/>
-          <p:cNvSpPr>
-            <a:spLocks noGrp="1"/>
-          </p:cNvSpPr>
-          <p:nvPr>
-            <p:ph type="body" idx="1"/>
-          </p:nvPr>
-        </p:nvSpPr>
-        <p:spPr/>
-        <p:txBody>
-          <a:bodyPr>
-            <a:normAutofit/>
-          </a:bodyPr>
-          <a:lstStyle/>
-          <a:p>
-            <a:endParaRPr lang="en-US"/>
-          </a:p>
-        </p:txBody>
-      </p:sp>
-      <p:sp>
-        <p:nvSpPr>
-          <p:cNvPr id="4" name="Slide Number Placeholder 3"/>
-          <p:cNvSpPr>
-            <a:spLocks noGrp="1"/>
-          </p:cNvSpPr>
-          <p:nvPr>
-            <p:ph type="sldNum" sz="quarter" idx="10"/>
-          </p:nvPr>
-        </p:nvSpPr>
-        <p:spPr/>
-        <p:txBody>
-          <a:bodyPr/>
-          <a:lstStyle/>
-          <a:p>
-            <a:fld id="{8B263312-38AA-4E1E-B2B5-0F8F122B24FE}" type="slidenum">
-              <a:rPr lang="en-US" smtClean="0"/>
-              <a:pPr/>
-              <a:t>23</a:t>
-            </a:fld>
-            <a:endParaRPr lang="en-US" dirty="0"/>
-          </a:p>
-        </p:txBody>
-      </p:sp>
-      <p:sp>
-        <p:nvSpPr>
-          <p:cNvPr id="5" name="Header Placeholder 3"/>
-          <p:cNvSpPr>
-            <a:spLocks noGrp="1"/>
-          </p:cNvSpPr>
-          <p:nvPr>
-            <p:ph type="hdr" sz="quarter"/>
-          </p:nvPr>
-        </p:nvSpPr>
-        <p:spPr>
-          <a:xfrm>
-            <a:off x="0" y="0"/>
-            <a:ext cx="2971800" cy="457200"/>
-          </a:xfrm>
-        </p:spPr>
-        <p:txBody>
-          <a:bodyPr/>
-          <a:lstStyle/>
-          <a:p>
-            <a:endParaRPr lang="en-US" dirty="0"/>
-          </a:p>
-        </p:txBody>
-      </p:sp>
-      <p:sp>
-        <p:nvSpPr>
-          <p:cNvPr id="6" name="Date Placeholder 4"/>
-          <p:cNvSpPr>
-            <a:spLocks noGrp="1"/>
-          </p:cNvSpPr>
-          <p:nvPr>
-            <p:ph type="dt" idx="1"/>
-          </p:nvPr>
-        </p:nvSpPr>
-        <p:spPr>
-          <a:xfrm>
-            <a:off x="3884613" y="0"/>
-            <a:ext cx="2971800" cy="457200"/>
-          </a:xfrm>
-        </p:spPr>
-        <p:txBody>
-          <a:bodyPr/>
-          <a:lstStyle/>
-          <a:p>
-            <a:fld id="{81331B57-0BE5-4F82-AA58-76F53EFF3ADA}" type="datetime8">
-              <a:rPr lang="en-US" smtClean="0"/>
-              <a:pPr/>
-              <a:t>11/9/2014 6:29 PM</a:t>
-            </a:fld>
-            <a:endParaRPr lang="en-US"/>
-          </a:p>
-        </p:txBody>
-      </p:sp>
-      <p:sp>
-        <p:nvSpPr>
-          <p:cNvPr id="7" name="Footer Placeholder 5"/>
-          <p:cNvSpPr>
-            <a:spLocks noGrp="1"/>
-          </p:cNvSpPr>
-          <p:nvPr>
-            <p:ph type="ftr" sz="quarter" idx="4"/>
-          </p:nvPr>
-        </p:nvSpPr>
-        <p:spPr>
-          <a:xfrm>
-            <a:off x="0" y="8685213"/>
-            <a:ext cx="6172200" cy="457200"/>
-          </a:xfrm>
-        </p:spPr>
-        <p:txBody>
-          <a:bodyPr/>
-          <a:lstStyle/>
-          <a:p>
-            <a:r>
-              <a:rPr lang="en-US" smtClean="0">
-                <a:solidFill>
-                  <a:srgbClr val="000000"/>
-                </a:solidFill>
-              </a:rPr>
-              <a:t>© 2007 Microsoft Corporation. All rights reserved. Microsoft, Windows, Windows Vista and other product names are or may be registered trademarks and/or trademarks in the U.S. and/or other countries.</a:t>
-            </a:r>
-          </a:p>
-          <a:p>
-            <a:r>
-              <a:rPr lang="en-US" smtClean="0">
-                <a:solidFill>
-                  <a:srgbClr val="000000"/>
-                </a:solidFill>
-              </a:rPr>
-              <a:t>The information herein is for informational purposes only and represents the current view of Microsoft Corporation as of the date of this presentation.  Because Microsoft must respond to changing market conditions, it should not be interpreted to be a commitment on the part of Microsoft, and Microsoft cannot guarantee the accuracy of any information provided after the date of this presentation.  </a:t>
-            </a:r>
-            <a:br>
-              <a:rPr lang="en-US" smtClean="0">
-                <a:solidFill>
-                  <a:srgbClr val="000000"/>
-                </a:solidFill>
-              </a:rPr>
-            </a:br>
-            <a:r>
-              <a:rPr lang="en-US" smtClean="0">
-                <a:solidFill>
-                  <a:srgbClr val="000000"/>
-                </a:solidFill>
-              </a:rPr>
-              <a:t>MICROSOFT MAKES NO WARRANTIES, EXPRESS, IMPLIED OR STATUTORY, AS TO THE INFORMATION IN THIS PRESENTATION.</a:t>
-            </a:r>
-          </a:p>
-          <a:p>
-            <a:endParaRPr lang="en-US" dirty="0"/>
-          </a:p>
-        </p:txBody>
-      </p:sp>
-    </p:spTree>
-    <p:extLst>
-      <p:ext uri="{BB962C8B-B14F-4D97-AF65-F5344CB8AC3E}">
-        <p14:creationId xmlns:p14="http://schemas.microsoft.com/office/powerpoint/2010/main" val="1246900526"/>
-      </p:ext>
-    </p:extLst>
-  </p:cSld>
-  <p:clrMapOvr>
-    <a:masterClrMapping/>
-  </p:clrMapOvr>
-</p:notes>
-</file>
-
-<file path=ppt/notesSlides/notesSlide14.xml><?xml version="1.0" encoding="utf-8"?>
-<p:notes xmlns:a="http://schemas.openxmlformats.org/drawingml/2006/main" xmlns:r="http://schemas.openxmlformats.org/officeDocument/2006/relationships" xmlns:p="http://schemas.openxmlformats.org/presentationml/2006/main">
-  <p:cSld>
-    <p:spTree>
-      <p:nvGrpSpPr>
-        <p:cNvPr id="1" name=""/>
-        <p:cNvGrpSpPr/>
-        <p:nvPr/>
-      </p:nvGrpSpPr>
-      <p:grpSpPr>
-        <a:xfrm>
-          <a:off x="0" y="0"/>
-          <a:ext cx="0" cy="0"/>
-          <a:chOff x="0" y="0"/>
-          <a:chExt cx="0" cy="0"/>
-        </a:xfrm>
-      </p:grpSpPr>
-      <p:sp>
-        <p:nvSpPr>
-          <p:cNvPr id="2" name="Slide Image Placeholder 1"/>
-          <p:cNvSpPr>
-            <a:spLocks noGrp="1" noRot="1" noChangeAspect="1"/>
-          </p:cNvSpPr>
-          <p:nvPr>
-            <p:ph type="sldImg"/>
-          </p:nvPr>
-        </p:nvSpPr>
-        <p:spPr/>
-      </p:sp>
-      <p:sp>
-        <p:nvSpPr>
-          <p:cNvPr id="3" name="Notes Placeholder 2"/>
-          <p:cNvSpPr>
-            <a:spLocks noGrp="1"/>
-          </p:cNvSpPr>
-          <p:nvPr>
-            <p:ph type="body" idx="1"/>
-          </p:nvPr>
-        </p:nvSpPr>
-        <p:spPr/>
-        <p:txBody>
-          <a:bodyPr>
-            <a:normAutofit/>
-          </a:bodyPr>
-          <a:lstStyle/>
-          <a:p>
-            <a:endParaRPr lang="en-US" dirty="0"/>
-          </a:p>
-        </p:txBody>
-      </p:sp>
-      <p:sp>
-        <p:nvSpPr>
-          <p:cNvPr id="4" name="Header Placeholder 3"/>
-          <p:cNvSpPr>
-            <a:spLocks noGrp="1"/>
-          </p:cNvSpPr>
-          <p:nvPr>
-            <p:ph type="hdr" sz="quarter" idx="10"/>
-          </p:nvPr>
-        </p:nvSpPr>
-        <p:spPr/>
-        <p:txBody>
-          <a:bodyPr/>
-          <a:lstStyle/>
-          <a:p>
-            <a:endParaRPr lang="en-US" dirty="0"/>
-          </a:p>
-        </p:txBody>
-      </p:sp>
-      <p:sp>
-        <p:nvSpPr>
-          <p:cNvPr id="5" name="Date Placeholder 4"/>
-          <p:cNvSpPr>
-            <a:spLocks noGrp="1"/>
-          </p:cNvSpPr>
-          <p:nvPr>
-            <p:ph type="dt" idx="11"/>
-          </p:nvPr>
-        </p:nvSpPr>
-        <p:spPr/>
-        <p:txBody>
-          <a:bodyPr/>
-          <a:lstStyle/>
-          <a:p>
-            <a:fld id="{81331B57-0BE5-4F82-AA58-76F53EFF3ADA}" type="datetime8">
-              <a:rPr lang="en-US" smtClean="0"/>
-              <a:pPr/>
-              <a:t>11/9/2014 6:29 PM</a:t>
-            </a:fld>
-            <a:endParaRPr lang="en-US"/>
-          </a:p>
-        </p:txBody>
-      </p:sp>
-      <p:sp>
-        <p:nvSpPr>
-          <p:cNvPr id="6" name="Footer Placeholder 5"/>
-          <p:cNvSpPr>
-            <a:spLocks noGrp="1"/>
-          </p:cNvSpPr>
-          <p:nvPr>
-            <p:ph type="ftr" sz="quarter" idx="12"/>
-          </p:nvPr>
-        </p:nvSpPr>
-        <p:spPr/>
-        <p:txBody>
-          <a:bodyPr/>
-          <a:lstStyle/>
-          <a:p>
-            <a:r>
-              <a:rPr lang="en-US" smtClean="0">
-                <a:solidFill>
-                  <a:srgbClr val="000000"/>
-                </a:solidFill>
-              </a:rPr>
-              <a:t>© 2007 Microsoft Corporation. All rights reserved. Microsoft, Windows, Windows Vista and other product names are or may be registered trademarks and/or trademarks in the U.S. and/or other countries.</a:t>
-            </a:r>
-          </a:p>
-          <a:p>
-            <a:r>
-              <a:rPr lang="en-US" smtClean="0">
-                <a:solidFill>
-                  <a:srgbClr val="000000"/>
-                </a:solidFill>
-              </a:rPr>
-              <a:t>The information herein is for informational purposes only and represents the current view of Microsoft Corporation as of the date of this presentation.  Because Microsoft must respond to changing market conditions, it should not be interpreted to be a commitment on the part of Microsoft, and Microsoft cannot guarantee the accuracy of any information provided after the date of this presentation.  </a:t>
-            </a:r>
-            <a:br>
-              <a:rPr lang="en-US" smtClean="0">
-                <a:solidFill>
-                  <a:srgbClr val="000000"/>
-                </a:solidFill>
-              </a:rPr>
-            </a:br>
-            <a:r>
-              <a:rPr lang="en-US" smtClean="0">
-                <a:solidFill>
-                  <a:srgbClr val="000000"/>
-                </a:solidFill>
-              </a:rPr>
-              <a:t>MICROSOFT MAKES NO WARRANTIES, EXPRESS, IMPLIED OR STATUTORY, AS TO THE INFORMATION IN THIS PRESENTATION.</a:t>
-            </a:r>
-          </a:p>
-          <a:p>
-            <a:endParaRPr lang="en-US" dirty="0"/>
-          </a:p>
-        </p:txBody>
-      </p:sp>
-      <p:sp>
-        <p:nvSpPr>
-          <p:cNvPr id="7" name="Slide Number Placeholder 6"/>
-          <p:cNvSpPr>
-            <a:spLocks noGrp="1"/>
-          </p:cNvSpPr>
-          <p:nvPr>
-            <p:ph type="sldNum" sz="quarter" idx="13"/>
-          </p:nvPr>
-        </p:nvSpPr>
-        <p:spPr/>
-        <p:txBody>
-          <a:bodyPr/>
-          <a:lstStyle/>
-          <a:p>
-            <a:fld id="{EC87E0CF-87F6-4B58-B8B8-DCAB2DAAF3CA}" type="slidenum">
-              <a:rPr lang="en-US" smtClean="0"/>
-              <a:pPr/>
-              <a:t>24</a:t>
-            </a:fld>
-            <a:endParaRPr lang="en-US" dirty="0"/>
-          </a:p>
-        </p:txBody>
-      </p:sp>
-    </p:spTree>
-    <p:extLst>
-      <p:ext uri="{BB962C8B-B14F-4D97-AF65-F5344CB8AC3E}">
-        <p14:creationId xmlns:p14="http://schemas.microsoft.com/office/powerpoint/2010/main" val="3095748627"/>
-      </p:ext>
-    </p:extLst>
-  </p:cSld>
-  <p:clrMapOvr>
-    <a:masterClrMapping/>
-  </p:clrMapOvr>
-</p:notes>
-</file>
-
-<file path=ppt/notesSlides/notesSlide15.xml><?xml version="1.0" encoding="utf-8"?>
-<p:notes xmlns:a="http://schemas.openxmlformats.org/drawingml/2006/main" xmlns:r="http://schemas.openxmlformats.org/officeDocument/2006/relationships" xmlns:p="http://schemas.openxmlformats.org/presentationml/2006/main">
-  <p:cSld>
-    <p:spTree>
-      <p:nvGrpSpPr>
-        <p:cNvPr id="1" name=""/>
-        <p:cNvGrpSpPr/>
-        <p:nvPr/>
-      </p:nvGrpSpPr>
-      <p:grpSpPr>
-        <a:xfrm>
-          <a:off x="0" y="0"/>
-          <a:ext cx="0" cy="0"/>
-          <a:chOff x="0" y="0"/>
-          <a:chExt cx="0" cy="0"/>
-        </a:xfrm>
-      </p:grpSpPr>
-      <p:sp>
-        <p:nvSpPr>
-          <p:cNvPr id="2" name="Slide Image Placeholder 1"/>
-          <p:cNvSpPr>
-            <a:spLocks noGrp="1" noRot="1" noChangeAspect="1"/>
-          </p:cNvSpPr>
-          <p:nvPr>
-            <p:ph type="sldImg"/>
-          </p:nvPr>
-        </p:nvSpPr>
-        <p:spPr/>
-      </p:sp>
-      <p:sp>
-        <p:nvSpPr>
-          <p:cNvPr id="3" name="Notes Placeholder 2"/>
-          <p:cNvSpPr>
-            <a:spLocks noGrp="1"/>
-          </p:cNvSpPr>
-          <p:nvPr>
-            <p:ph type="body" idx="1"/>
-          </p:nvPr>
-        </p:nvSpPr>
-        <p:spPr/>
-        <p:txBody>
-          <a:bodyPr>
-            <a:normAutofit/>
-          </a:bodyPr>
-          <a:lstStyle/>
-          <a:p>
-            <a:endParaRPr lang="en-US"/>
-          </a:p>
-        </p:txBody>
-      </p:sp>
-      <p:sp>
-        <p:nvSpPr>
-          <p:cNvPr id="4" name="Header Placeholder 3"/>
-          <p:cNvSpPr>
-            <a:spLocks noGrp="1"/>
-          </p:cNvSpPr>
-          <p:nvPr>
-            <p:ph type="hdr" sz="quarter" idx="10"/>
-          </p:nvPr>
-        </p:nvSpPr>
-        <p:spPr/>
-        <p:txBody>
-          <a:bodyPr/>
-          <a:lstStyle/>
-          <a:p>
-            <a:endParaRPr lang="en-US" dirty="0"/>
-          </a:p>
-        </p:txBody>
-      </p:sp>
-      <p:sp>
-        <p:nvSpPr>
-          <p:cNvPr id="5" name="Date Placeholder 4"/>
-          <p:cNvSpPr>
-            <a:spLocks noGrp="1"/>
-          </p:cNvSpPr>
-          <p:nvPr>
-            <p:ph type="dt" idx="11"/>
-          </p:nvPr>
-        </p:nvSpPr>
-        <p:spPr/>
-        <p:txBody>
-          <a:bodyPr/>
-          <a:lstStyle/>
-          <a:p>
-            <a:fld id="{81331B57-0BE5-4F82-AA58-76F53EFF3ADA}" type="datetime8">
-              <a:rPr lang="en-US" smtClean="0"/>
-              <a:pPr/>
-              <a:t>11/9/2014 6:29 PM</a:t>
-            </a:fld>
-            <a:endParaRPr lang="en-US"/>
-          </a:p>
-        </p:txBody>
-      </p:sp>
-      <p:sp>
-        <p:nvSpPr>
-          <p:cNvPr id="6" name="Footer Placeholder 5"/>
-          <p:cNvSpPr>
-            <a:spLocks noGrp="1"/>
-          </p:cNvSpPr>
-          <p:nvPr>
-            <p:ph type="ftr" sz="quarter" idx="12"/>
-          </p:nvPr>
-        </p:nvSpPr>
-        <p:spPr/>
-        <p:txBody>
-          <a:bodyPr/>
-          <a:lstStyle/>
-          <a:p>
-            <a:r>
-              <a:rPr lang="en-US" smtClean="0">
-                <a:solidFill>
-                  <a:srgbClr val="000000"/>
-                </a:solidFill>
-              </a:rPr>
-              <a:t>© 2007 Microsoft Corporation. All rights reserved. Microsoft, Windows, Windows Vista and other product names are or may be registered trademarks and/or trademarks in the U.S. and/or other countries.</a:t>
-            </a:r>
-          </a:p>
-          <a:p>
-            <a:r>
-              <a:rPr lang="en-US" smtClean="0">
-                <a:solidFill>
-                  <a:srgbClr val="000000"/>
-                </a:solidFill>
-              </a:rPr>
-              <a:t>The information herein is for informational purposes only and represents the current view of Microsoft Corporation as of the date of this presentation.  Because Microsoft must respond to changing market conditions, it should not be interpreted to be a commitment on the part of Microsoft, and Microsoft cannot guarantee the accuracy of any information provided after the date of this presentation.  </a:t>
-            </a:r>
-            <a:br>
-              <a:rPr lang="en-US" smtClean="0">
-                <a:solidFill>
-                  <a:srgbClr val="000000"/>
-                </a:solidFill>
-              </a:rPr>
-            </a:br>
-            <a:r>
-              <a:rPr lang="en-US" smtClean="0">
-                <a:solidFill>
-                  <a:srgbClr val="000000"/>
-                </a:solidFill>
-              </a:rPr>
-              <a:t>MICROSOFT MAKES NO WARRANTIES, EXPRESS, IMPLIED OR STATUTORY, AS TO THE INFORMATION IN THIS PRESENTATION.</a:t>
-            </a:r>
-          </a:p>
-          <a:p>
-            <a:endParaRPr lang="en-US" dirty="0"/>
-          </a:p>
-        </p:txBody>
-      </p:sp>
-      <p:sp>
-        <p:nvSpPr>
-          <p:cNvPr id="7" name="Slide Number Placeholder 6"/>
-          <p:cNvSpPr>
-            <a:spLocks noGrp="1"/>
-          </p:cNvSpPr>
-          <p:nvPr>
-            <p:ph type="sldNum" sz="quarter" idx="13"/>
-          </p:nvPr>
-        </p:nvSpPr>
-        <p:spPr/>
-        <p:txBody>
-          <a:bodyPr/>
-          <a:lstStyle/>
-          <a:p>
-            <a:fld id="{EC87E0CF-87F6-4B58-B8B8-DCAB2DAAF3CA}" type="slidenum">
-              <a:rPr lang="en-US" smtClean="0"/>
-              <a:pPr/>
-              <a:t>25</a:t>
-            </a:fld>
-            <a:endParaRPr lang="en-US" dirty="0"/>
-          </a:p>
-        </p:txBody>
-      </p:sp>
-    </p:spTree>
-    <p:extLst>
-      <p:ext uri="{BB962C8B-B14F-4D97-AF65-F5344CB8AC3E}">
-        <p14:creationId xmlns:p14="http://schemas.microsoft.com/office/powerpoint/2010/main" val="4174367562"/>
-      </p:ext>
-    </p:extLst>
-  </p:cSld>
-  <p:clrMapOvr>
-    <a:masterClrMapping/>
-  </p:clrMapOvr>
-</p:notes>
-</file>
-
-<file path=ppt/notesSlides/notesSlide16.xml><?xml version="1.0" encoding="utf-8"?>
-<p:notes xmlns:a="http://schemas.openxmlformats.org/drawingml/2006/main" xmlns:r="http://schemas.openxmlformats.org/officeDocument/2006/relationships" xmlns:p="http://schemas.openxmlformats.org/presentationml/2006/main">
-  <p:cSld>
-    <p:spTree>
-      <p:nvGrpSpPr>
-        <p:cNvPr id="1" name=""/>
-        <p:cNvGrpSpPr/>
-        <p:nvPr/>
-      </p:nvGrpSpPr>
-      <p:grpSpPr>
-        <a:xfrm>
-          <a:off x="0" y="0"/>
-          <a:ext cx="0" cy="0"/>
-          <a:chOff x="0" y="0"/>
-          <a:chExt cx="0" cy="0"/>
-        </a:xfrm>
-      </p:grpSpPr>
-      <p:sp>
-        <p:nvSpPr>
-          <p:cNvPr id="2" name="Slide Image Placeholder 1"/>
-          <p:cNvSpPr>
-            <a:spLocks noGrp="1" noRot="1" noChangeAspect="1"/>
-          </p:cNvSpPr>
-          <p:nvPr>
-            <p:ph type="sldImg"/>
-          </p:nvPr>
-        </p:nvSpPr>
-        <p:spPr/>
-      </p:sp>
-      <p:sp>
-        <p:nvSpPr>
-          <p:cNvPr id="3" name="Notes Placeholder 2"/>
-          <p:cNvSpPr>
-            <a:spLocks noGrp="1"/>
-          </p:cNvSpPr>
-          <p:nvPr>
-            <p:ph type="body" idx="1"/>
-          </p:nvPr>
-        </p:nvSpPr>
-        <p:spPr/>
-        <p:txBody>
-          <a:bodyPr>
-            <a:normAutofit/>
-          </a:bodyPr>
-          <a:lstStyle/>
-          <a:p>
-            <a:endParaRPr lang="en-US"/>
-          </a:p>
-        </p:txBody>
-      </p:sp>
-      <p:sp>
-        <p:nvSpPr>
-          <p:cNvPr id="4" name="Header Placeholder 3"/>
-          <p:cNvSpPr>
-            <a:spLocks noGrp="1"/>
-          </p:cNvSpPr>
-          <p:nvPr>
-            <p:ph type="hdr" sz="quarter" idx="10"/>
-          </p:nvPr>
-        </p:nvSpPr>
-        <p:spPr/>
-        <p:txBody>
-          <a:bodyPr/>
-          <a:lstStyle/>
-          <a:p>
-            <a:endParaRPr lang="en-US" dirty="0"/>
-          </a:p>
-        </p:txBody>
-      </p:sp>
-      <p:sp>
-        <p:nvSpPr>
-          <p:cNvPr id="5" name="Date Placeholder 4"/>
-          <p:cNvSpPr>
-            <a:spLocks noGrp="1"/>
-          </p:cNvSpPr>
-          <p:nvPr>
-            <p:ph type="dt" idx="11"/>
-          </p:nvPr>
-        </p:nvSpPr>
-        <p:spPr/>
-        <p:txBody>
-          <a:bodyPr/>
-          <a:lstStyle/>
-          <a:p>
-            <a:fld id="{81331B57-0BE5-4F82-AA58-76F53EFF3ADA}" type="datetime8">
-              <a:rPr lang="en-US" smtClean="0"/>
-              <a:pPr/>
-              <a:t>11/9/2014 6:29 PM</a:t>
-            </a:fld>
-            <a:endParaRPr lang="en-US"/>
-          </a:p>
-        </p:txBody>
-      </p:sp>
-      <p:sp>
-        <p:nvSpPr>
-          <p:cNvPr id="6" name="Footer Placeholder 5"/>
-          <p:cNvSpPr>
-            <a:spLocks noGrp="1"/>
-          </p:cNvSpPr>
-          <p:nvPr>
-            <p:ph type="ftr" sz="quarter" idx="12"/>
-          </p:nvPr>
-        </p:nvSpPr>
-        <p:spPr/>
-        <p:txBody>
-          <a:bodyPr/>
-          <a:lstStyle/>
-          <a:p>
-            <a:r>
-              <a:rPr lang="en-US" smtClean="0">
-                <a:solidFill>
-                  <a:srgbClr val="000000"/>
-                </a:solidFill>
-              </a:rPr>
-              <a:t>© 2007 Microsoft Corporation. All rights reserved. Microsoft, Windows, Windows Vista and other product names are or may be registered trademarks and/or trademarks in the U.S. and/or other countries.</a:t>
-            </a:r>
-          </a:p>
-          <a:p>
-            <a:r>
-              <a:rPr lang="en-US" smtClean="0">
-                <a:solidFill>
-                  <a:srgbClr val="000000"/>
-                </a:solidFill>
-              </a:rPr>
-              <a:t>The information herein is for informational purposes only and represents the current view of Microsoft Corporation as of the date of this presentation.  Because Microsoft must respond to changing market conditions, it should not be interpreted to be a commitment on the part of Microsoft, and Microsoft cannot guarantee the accuracy of any information provided after the date of this presentation.  </a:t>
-            </a:r>
-            <a:br>
-              <a:rPr lang="en-US" smtClean="0">
-                <a:solidFill>
-                  <a:srgbClr val="000000"/>
-                </a:solidFill>
-              </a:rPr>
-            </a:br>
-            <a:r>
-              <a:rPr lang="en-US" smtClean="0">
-                <a:solidFill>
-                  <a:srgbClr val="000000"/>
-                </a:solidFill>
-              </a:rPr>
-              <a:t>MICROSOFT MAKES NO WARRANTIES, EXPRESS, IMPLIED OR STATUTORY, AS TO THE INFORMATION IN THIS PRESENTATION.</a:t>
-            </a:r>
-          </a:p>
-          <a:p>
-            <a:endParaRPr lang="en-US" dirty="0"/>
-          </a:p>
-        </p:txBody>
-      </p:sp>
-      <p:sp>
-        <p:nvSpPr>
-          <p:cNvPr id="7" name="Slide Number Placeholder 6"/>
-          <p:cNvSpPr>
-            <a:spLocks noGrp="1"/>
-          </p:cNvSpPr>
-          <p:nvPr>
-            <p:ph type="sldNum" sz="quarter" idx="13"/>
-          </p:nvPr>
-        </p:nvSpPr>
-        <p:spPr/>
-        <p:txBody>
-          <a:bodyPr/>
-          <a:lstStyle/>
-          <a:p>
-            <a:fld id="{EC87E0CF-87F6-4B58-B8B8-DCAB2DAAF3CA}" type="slidenum">
-              <a:rPr lang="en-US" smtClean="0"/>
-              <a:pPr/>
-              <a:t>26</a:t>
-            </a:fld>
-            <a:endParaRPr lang="en-US" dirty="0"/>
-          </a:p>
-        </p:txBody>
-      </p:sp>
-    </p:spTree>
-    <p:extLst>
-      <p:ext uri="{BB962C8B-B14F-4D97-AF65-F5344CB8AC3E}">
-        <p14:creationId xmlns:p14="http://schemas.microsoft.com/office/powerpoint/2010/main" val="3682224987"/>
-      </p:ext>
-    </p:extLst>
-  </p:cSld>
-  <p:clrMapOvr>
-    <a:masterClrMapping/>
-  </p:clrMapOvr>
-</p:notes>
-</file>
-
-<file path=ppt/notesSlides/notesSlide17.xml><?xml version="1.0" encoding="utf-8"?>
-<p:notes xmlns:a="http://schemas.openxmlformats.org/drawingml/2006/main" xmlns:r="http://schemas.openxmlformats.org/officeDocument/2006/relationships" xmlns:p="http://schemas.openxmlformats.org/presentationml/2006/main">
-  <p:cSld>
-    <p:spTree>
-      <p:nvGrpSpPr>
-        <p:cNvPr id="1" name=""/>
-        <p:cNvGrpSpPr/>
-        <p:nvPr/>
-      </p:nvGrpSpPr>
-      <p:grpSpPr>
-        <a:xfrm>
-          <a:off x="0" y="0"/>
-          <a:ext cx="0" cy="0"/>
-          <a:chOff x="0" y="0"/>
-          <a:chExt cx="0" cy="0"/>
-        </a:xfrm>
-      </p:grpSpPr>
-      <p:sp>
-        <p:nvSpPr>
-          <p:cNvPr id="2" name="Slide Image Placeholder 1"/>
-          <p:cNvSpPr>
-            <a:spLocks noGrp="1" noRot="1" noChangeAspect="1"/>
-          </p:cNvSpPr>
-          <p:nvPr>
-            <p:ph type="sldImg"/>
-          </p:nvPr>
-        </p:nvSpPr>
-        <p:spPr/>
-      </p:sp>
-      <p:sp>
-        <p:nvSpPr>
-          <p:cNvPr id="3" name="Notes Placeholder 2"/>
-          <p:cNvSpPr>
-            <a:spLocks noGrp="1"/>
-          </p:cNvSpPr>
-          <p:nvPr>
-            <p:ph type="body" idx="1"/>
-          </p:nvPr>
-        </p:nvSpPr>
-        <p:spPr/>
-        <p:txBody>
-          <a:bodyPr>
-            <a:normAutofit/>
-          </a:bodyPr>
-          <a:lstStyle/>
-          <a:p>
-            <a:endParaRPr lang="en-US"/>
-          </a:p>
-        </p:txBody>
-      </p:sp>
-      <p:sp>
-        <p:nvSpPr>
-          <p:cNvPr id="4" name="Header Placeholder 3"/>
-          <p:cNvSpPr>
-            <a:spLocks noGrp="1"/>
-          </p:cNvSpPr>
-          <p:nvPr>
-            <p:ph type="hdr" sz="quarter" idx="10"/>
-          </p:nvPr>
-        </p:nvSpPr>
-        <p:spPr/>
-        <p:txBody>
-          <a:bodyPr/>
-          <a:lstStyle/>
-          <a:p>
-            <a:endParaRPr lang="en-US" dirty="0"/>
-          </a:p>
-        </p:txBody>
-      </p:sp>
-      <p:sp>
-        <p:nvSpPr>
-          <p:cNvPr id="5" name="Date Placeholder 4"/>
-          <p:cNvSpPr>
-            <a:spLocks noGrp="1"/>
-          </p:cNvSpPr>
-          <p:nvPr>
-            <p:ph type="dt" idx="11"/>
-          </p:nvPr>
-        </p:nvSpPr>
-        <p:spPr/>
-        <p:txBody>
-          <a:bodyPr/>
-          <a:lstStyle/>
-          <a:p>
-            <a:fld id="{81331B57-0BE5-4F82-AA58-76F53EFF3ADA}" type="datetime8">
-              <a:rPr lang="en-US" smtClean="0"/>
-              <a:pPr/>
-              <a:t>11/9/2014 6:29 PM</a:t>
-            </a:fld>
-            <a:endParaRPr lang="en-US"/>
-          </a:p>
-        </p:txBody>
-      </p:sp>
-      <p:sp>
-        <p:nvSpPr>
-          <p:cNvPr id="6" name="Footer Placeholder 5"/>
-          <p:cNvSpPr>
-            <a:spLocks noGrp="1"/>
-          </p:cNvSpPr>
-          <p:nvPr>
-            <p:ph type="ftr" sz="quarter" idx="12"/>
-          </p:nvPr>
-        </p:nvSpPr>
-        <p:spPr/>
-        <p:txBody>
-          <a:bodyPr/>
-          <a:lstStyle/>
-          <a:p>
-            <a:r>
-              <a:rPr lang="en-US" smtClean="0">
-                <a:solidFill>
-                  <a:srgbClr val="000000"/>
-                </a:solidFill>
-              </a:rPr>
-              <a:t>© 2007 Microsoft Corporation. All rights reserved. Microsoft, Windows, Windows Vista and other product names are or may be registered trademarks and/or trademarks in the U.S. and/or other countries.</a:t>
-            </a:r>
-          </a:p>
-          <a:p>
-            <a:r>
-              <a:rPr lang="en-US" smtClean="0">
-                <a:solidFill>
-                  <a:srgbClr val="000000"/>
-                </a:solidFill>
-              </a:rPr>
-              <a:t>The information herein is for informational purposes only and represents the current view of Microsoft Corporation as of the date of this presentation.  Because Microsoft must respond to changing market conditions, it should not be interpreted to be a commitment on the part of Microsoft, and Microsoft cannot guarantee the accuracy of any information provided after the date of this presentation.  </a:t>
-            </a:r>
-            <a:br>
-              <a:rPr lang="en-US" smtClean="0">
-                <a:solidFill>
-                  <a:srgbClr val="000000"/>
-                </a:solidFill>
-              </a:rPr>
-            </a:br>
-            <a:r>
-              <a:rPr lang="en-US" smtClean="0">
-                <a:solidFill>
-                  <a:srgbClr val="000000"/>
-                </a:solidFill>
-              </a:rPr>
-              <a:t>MICROSOFT MAKES NO WARRANTIES, EXPRESS, IMPLIED OR STATUTORY, AS TO THE INFORMATION IN THIS PRESENTATION.</a:t>
-            </a:r>
-          </a:p>
-          <a:p>
-            <a:endParaRPr lang="en-US" dirty="0"/>
-          </a:p>
-        </p:txBody>
-      </p:sp>
-      <p:sp>
-        <p:nvSpPr>
-          <p:cNvPr id="7" name="Slide Number Placeholder 6"/>
-          <p:cNvSpPr>
-            <a:spLocks noGrp="1"/>
-          </p:cNvSpPr>
-          <p:nvPr>
-            <p:ph type="sldNum" sz="quarter" idx="13"/>
-          </p:nvPr>
-        </p:nvSpPr>
-        <p:spPr/>
-        <p:txBody>
-          <a:bodyPr/>
-          <a:lstStyle/>
-          <a:p>
-            <a:fld id="{EC87E0CF-87F6-4B58-B8B8-DCAB2DAAF3CA}" type="slidenum">
-              <a:rPr lang="en-US" smtClean="0"/>
-              <a:pPr/>
-              <a:t>27</a:t>
-            </a:fld>
-            <a:endParaRPr lang="en-US" dirty="0"/>
-          </a:p>
-        </p:txBody>
-      </p:sp>
-    </p:spTree>
-    <p:extLst>
-      <p:ext uri="{BB962C8B-B14F-4D97-AF65-F5344CB8AC3E}">
-        <p14:creationId xmlns:p14="http://schemas.microsoft.com/office/powerpoint/2010/main" val="229978578"/>
-      </p:ext>
-    </p:extLst>
-  </p:cSld>
-  <p:clrMapOvr>
-    <a:masterClrMapping/>
-  </p:clrMapOvr>
-</p:notes>
-</file>
-
-<file path=ppt/notesSlides/notesSlide18.xml><?xml version="1.0" encoding="utf-8"?>
-<p:notes xmlns:a="http://schemas.openxmlformats.org/drawingml/2006/main" xmlns:r="http://schemas.openxmlformats.org/officeDocument/2006/relationships" xmlns:p="http://schemas.openxmlformats.org/presentationml/2006/main">
-  <p:cSld>
-    <p:spTree>
-      <p:nvGrpSpPr>
-        <p:cNvPr id="1" name=""/>
-        <p:cNvGrpSpPr/>
-        <p:nvPr/>
-      </p:nvGrpSpPr>
-      <p:grpSpPr>
-        <a:xfrm>
-          <a:off x="0" y="0"/>
-          <a:ext cx="0" cy="0"/>
-          <a:chOff x="0" y="0"/>
-          <a:chExt cx="0" cy="0"/>
-        </a:xfrm>
-      </p:grpSpPr>
-      <p:sp>
-        <p:nvSpPr>
-          <p:cNvPr id="2" name="Slide Image Placeholder 1"/>
-          <p:cNvSpPr>
-            <a:spLocks noGrp="1" noRot="1" noChangeAspect="1"/>
-          </p:cNvSpPr>
-          <p:nvPr>
-            <p:ph type="sldImg"/>
-          </p:nvPr>
-        </p:nvSpPr>
-        <p:spPr/>
-      </p:sp>
-      <p:sp>
-        <p:nvSpPr>
-          <p:cNvPr id="3" name="Notes Placeholder 2"/>
-          <p:cNvSpPr>
-            <a:spLocks noGrp="1"/>
-          </p:cNvSpPr>
-          <p:nvPr>
-            <p:ph type="body" idx="1"/>
-          </p:nvPr>
-        </p:nvSpPr>
-        <p:spPr/>
-        <p:txBody>
-          <a:bodyPr>
-            <a:normAutofit/>
-          </a:bodyPr>
-          <a:lstStyle/>
-          <a:p>
-            <a:endParaRPr lang="en-US"/>
-          </a:p>
-        </p:txBody>
-      </p:sp>
-      <p:sp>
-        <p:nvSpPr>
-          <p:cNvPr id="4" name="Header Placeholder 3"/>
-          <p:cNvSpPr>
-            <a:spLocks noGrp="1"/>
-          </p:cNvSpPr>
-          <p:nvPr>
-            <p:ph type="hdr" sz="quarter" idx="10"/>
-          </p:nvPr>
-        </p:nvSpPr>
-        <p:spPr/>
-        <p:txBody>
-          <a:bodyPr/>
-          <a:lstStyle/>
-          <a:p>
-            <a:endParaRPr lang="en-US" dirty="0"/>
-          </a:p>
-        </p:txBody>
-      </p:sp>
-      <p:sp>
-        <p:nvSpPr>
-          <p:cNvPr id="5" name="Date Placeholder 4"/>
-          <p:cNvSpPr>
-            <a:spLocks noGrp="1"/>
-          </p:cNvSpPr>
-          <p:nvPr>
-            <p:ph type="dt" idx="11"/>
-          </p:nvPr>
-        </p:nvSpPr>
-        <p:spPr/>
-        <p:txBody>
-          <a:bodyPr/>
-          <a:lstStyle/>
-          <a:p>
-            <a:fld id="{81331B57-0BE5-4F82-AA58-76F53EFF3ADA}" type="datetime8">
-              <a:rPr lang="en-US" smtClean="0"/>
-              <a:pPr/>
-              <a:t>11/9/2014 6:29 PM</a:t>
-            </a:fld>
-            <a:endParaRPr lang="en-US"/>
-          </a:p>
-        </p:txBody>
-      </p:sp>
-      <p:sp>
-        <p:nvSpPr>
-          <p:cNvPr id="6" name="Footer Placeholder 5"/>
-          <p:cNvSpPr>
-            <a:spLocks noGrp="1"/>
-          </p:cNvSpPr>
-          <p:nvPr>
-            <p:ph type="ftr" sz="quarter" idx="12"/>
-          </p:nvPr>
-        </p:nvSpPr>
-        <p:spPr/>
-        <p:txBody>
-          <a:bodyPr/>
-          <a:lstStyle/>
-          <a:p>
-            <a:r>
-              <a:rPr lang="en-US" smtClean="0">
-                <a:solidFill>
-                  <a:srgbClr val="000000"/>
-                </a:solidFill>
-              </a:rPr>
-              <a:t>© 2007 Microsoft Corporation. All rights reserved. Microsoft, Windows, Windows Vista and other product names are or may be registered trademarks and/or trademarks in the U.S. and/or other countries.</a:t>
-            </a:r>
-          </a:p>
-          <a:p>
-            <a:r>
-              <a:rPr lang="en-US" smtClean="0">
-                <a:solidFill>
-                  <a:srgbClr val="000000"/>
-                </a:solidFill>
-              </a:rPr>
-              <a:t>The information herein is for informational purposes only and represents the current view of Microsoft Corporation as of the date of this presentation.  Because Microsoft must respond to changing market conditions, it should not be interpreted to be a commitment on the part of Microsoft, and Microsoft cannot guarantee the accuracy of any information provided after the date of this presentation.  </a:t>
-            </a:r>
-            <a:br>
-              <a:rPr lang="en-US" smtClean="0">
-                <a:solidFill>
-                  <a:srgbClr val="000000"/>
-                </a:solidFill>
-              </a:rPr>
-            </a:br>
-            <a:r>
-              <a:rPr lang="en-US" smtClean="0">
-                <a:solidFill>
-                  <a:srgbClr val="000000"/>
-                </a:solidFill>
-              </a:rPr>
-              <a:t>MICROSOFT MAKES NO WARRANTIES, EXPRESS, IMPLIED OR STATUTORY, AS TO THE INFORMATION IN THIS PRESENTATION.</a:t>
-            </a:r>
-          </a:p>
-          <a:p>
-            <a:endParaRPr lang="en-US" dirty="0"/>
-          </a:p>
-        </p:txBody>
-      </p:sp>
-      <p:sp>
-        <p:nvSpPr>
-          <p:cNvPr id="7" name="Slide Number Placeholder 6"/>
-          <p:cNvSpPr>
-            <a:spLocks noGrp="1"/>
-          </p:cNvSpPr>
-          <p:nvPr>
-            <p:ph type="sldNum" sz="quarter" idx="13"/>
-          </p:nvPr>
-        </p:nvSpPr>
-        <p:spPr/>
-        <p:txBody>
-          <a:bodyPr/>
-          <a:lstStyle/>
-          <a:p>
-            <a:fld id="{EC87E0CF-87F6-4B58-B8B8-DCAB2DAAF3CA}" type="slidenum">
-              <a:rPr lang="en-US" smtClean="0"/>
-              <a:pPr/>
-              <a:t>28</a:t>
-            </a:fld>
-            <a:endParaRPr lang="en-US" dirty="0"/>
-          </a:p>
-        </p:txBody>
-      </p:sp>
-    </p:spTree>
-    <p:extLst>
-      <p:ext uri="{BB962C8B-B14F-4D97-AF65-F5344CB8AC3E}">
-        <p14:creationId xmlns:p14="http://schemas.microsoft.com/office/powerpoint/2010/main" val="13273363"/>
       </p:ext>
     </p:extLst>
   </p:cSld>
@@ -5263,374 +2138,6 @@
     <p:extLst>
       <p:ext uri="{BB962C8B-B14F-4D97-AF65-F5344CB8AC3E}">
         <p14:creationId xmlns:p14="http://schemas.microsoft.com/office/powerpoint/2010/main" val="352233646"/>
-      </p:ext>
-    </p:extLst>
-  </p:cSld>
-  <p:clrMapOvr>
-    <a:masterClrMapping/>
-  </p:clrMapOvr>
-</p:notes>
-</file>
-
-<file path=ppt/notesSlides/notesSlide8.xml><?xml version="1.0" encoding="utf-8"?>
-<p:notes xmlns:a="http://schemas.openxmlformats.org/drawingml/2006/main" xmlns:r="http://schemas.openxmlformats.org/officeDocument/2006/relationships" xmlns:p="http://schemas.openxmlformats.org/presentationml/2006/main">
-  <p:cSld>
-    <p:spTree>
-      <p:nvGrpSpPr>
-        <p:cNvPr id="1" name=""/>
-        <p:cNvGrpSpPr/>
-        <p:nvPr/>
-      </p:nvGrpSpPr>
-      <p:grpSpPr>
-        <a:xfrm>
-          <a:off x="0" y="0"/>
-          <a:ext cx="0" cy="0"/>
-          <a:chOff x="0" y="0"/>
-          <a:chExt cx="0" cy="0"/>
-        </a:xfrm>
-      </p:grpSpPr>
-      <p:sp>
-        <p:nvSpPr>
-          <p:cNvPr id="2" name="Slide Image Placeholder 1"/>
-          <p:cNvSpPr>
-            <a:spLocks noGrp="1" noRot="1" noChangeAspect="1"/>
-          </p:cNvSpPr>
-          <p:nvPr>
-            <p:ph type="sldImg"/>
-          </p:nvPr>
-        </p:nvSpPr>
-        <p:spPr/>
-      </p:sp>
-      <p:sp>
-        <p:nvSpPr>
-          <p:cNvPr id="3" name="Notes Placeholder 2"/>
-          <p:cNvSpPr>
-            <a:spLocks noGrp="1"/>
-          </p:cNvSpPr>
-          <p:nvPr>
-            <p:ph type="body" idx="1"/>
-          </p:nvPr>
-        </p:nvSpPr>
-        <p:spPr/>
-        <p:txBody>
-          <a:bodyPr>
-            <a:normAutofit/>
-          </a:bodyPr>
-          <a:lstStyle/>
-          <a:p>
-            <a:endParaRPr lang="en-US"/>
-          </a:p>
-        </p:txBody>
-      </p:sp>
-      <p:sp>
-        <p:nvSpPr>
-          <p:cNvPr id="4" name="Header Placeholder 3"/>
-          <p:cNvSpPr>
-            <a:spLocks noGrp="1"/>
-          </p:cNvSpPr>
-          <p:nvPr>
-            <p:ph type="hdr" sz="quarter" idx="10"/>
-          </p:nvPr>
-        </p:nvSpPr>
-        <p:spPr/>
-        <p:txBody>
-          <a:bodyPr/>
-          <a:lstStyle/>
-          <a:p>
-            <a:endParaRPr lang="en-US" dirty="0"/>
-          </a:p>
-        </p:txBody>
-      </p:sp>
-      <p:sp>
-        <p:nvSpPr>
-          <p:cNvPr id="5" name="Date Placeholder 4"/>
-          <p:cNvSpPr>
-            <a:spLocks noGrp="1"/>
-          </p:cNvSpPr>
-          <p:nvPr>
-            <p:ph type="dt" idx="11"/>
-          </p:nvPr>
-        </p:nvSpPr>
-        <p:spPr/>
-        <p:txBody>
-          <a:bodyPr/>
-          <a:lstStyle/>
-          <a:p>
-            <a:fld id="{81331B57-0BE5-4F82-AA58-76F53EFF3ADA}" type="datetime8">
-              <a:rPr lang="en-US" smtClean="0"/>
-              <a:pPr/>
-              <a:t>11/9/2014 6:29 PM</a:t>
-            </a:fld>
-            <a:endParaRPr lang="en-US"/>
-          </a:p>
-        </p:txBody>
-      </p:sp>
-      <p:sp>
-        <p:nvSpPr>
-          <p:cNvPr id="6" name="Footer Placeholder 5"/>
-          <p:cNvSpPr>
-            <a:spLocks noGrp="1"/>
-          </p:cNvSpPr>
-          <p:nvPr>
-            <p:ph type="ftr" sz="quarter" idx="12"/>
-          </p:nvPr>
-        </p:nvSpPr>
-        <p:spPr/>
-        <p:txBody>
-          <a:bodyPr/>
-          <a:lstStyle/>
-          <a:p>
-            <a:r>
-              <a:rPr lang="en-US" smtClean="0">
-                <a:solidFill>
-                  <a:srgbClr val="000000"/>
-                </a:solidFill>
-              </a:rPr>
-              <a:t>© 2007 Microsoft Corporation. All rights reserved. Microsoft, Windows, Windows Vista and other product names are or may be registered trademarks and/or trademarks in the U.S. and/or other countries.</a:t>
-            </a:r>
-          </a:p>
-          <a:p>
-            <a:r>
-              <a:rPr lang="en-US" smtClean="0">
-                <a:solidFill>
-                  <a:srgbClr val="000000"/>
-                </a:solidFill>
-              </a:rPr>
-              <a:t>The information herein is for informational purposes only and represents the current view of Microsoft Corporation as of the date of this presentation.  Because Microsoft must respond to changing market conditions, it should not be interpreted to be a commitment on the part of Microsoft, and Microsoft cannot guarantee the accuracy of any information provided after the date of this presentation.  </a:t>
-            </a:r>
-            <a:br>
-              <a:rPr lang="en-US" smtClean="0">
-                <a:solidFill>
-                  <a:srgbClr val="000000"/>
-                </a:solidFill>
-              </a:rPr>
-            </a:br>
-            <a:r>
-              <a:rPr lang="en-US" smtClean="0">
-                <a:solidFill>
-                  <a:srgbClr val="000000"/>
-                </a:solidFill>
-              </a:rPr>
-              <a:t>MICROSOFT MAKES NO WARRANTIES, EXPRESS, IMPLIED OR STATUTORY, AS TO THE INFORMATION IN THIS PRESENTATION.</a:t>
-            </a:r>
-          </a:p>
-          <a:p>
-            <a:endParaRPr lang="en-US" dirty="0"/>
-          </a:p>
-        </p:txBody>
-      </p:sp>
-      <p:sp>
-        <p:nvSpPr>
-          <p:cNvPr id="7" name="Slide Number Placeholder 6"/>
-          <p:cNvSpPr>
-            <a:spLocks noGrp="1"/>
-          </p:cNvSpPr>
-          <p:nvPr>
-            <p:ph type="sldNum" sz="quarter" idx="13"/>
-          </p:nvPr>
-        </p:nvSpPr>
-        <p:spPr/>
-        <p:txBody>
-          <a:bodyPr/>
-          <a:lstStyle/>
-          <a:p>
-            <a:fld id="{EC87E0CF-87F6-4B58-B8B8-DCAB2DAAF3CA}" type="slidenum">
-              <a:rPr lang="en-US" smtClean="0"/>
-              <a:pPr/>
-              <a:t>18</a:t>
-            </a:fld>
-            <a:endParaRPr lang="en-US" dirty="0"/>
-          </a:p>
-        </p:txBody>
-      </p:sp>
-    </p:spTree>
-    <p:extLst>
-      <p:ext uri="{BB962C8B-B14F-4D97-AF65-F5344CB8AC3E}">
-        <p14:creationId xmlns:p14="http://schemas.microsoft.com/office/powerpoint/2010/main" val="2178682487"/>
-      </p:ext>
-    </p:extLst>
-  </p:cSld>
-  <p:clrMapOvr>
-    <a:masterClrMapping/>
-  </p:clrMapOvr>
-</p:notes>
-</file>
-
-<file path=ppt/notesSlides/notesSlide9.xml><?xml version="1.0" encoding="utf-8"?>
-<p:notes xmlns:a="http://schemas.openxmlformats.org/drawingml/2006/main" xmlns:r="http://schemas.openxmlformats.org/officeDocument/2006/relationships" xmlns:p="http://schemas.openxmlformats.org/presentationml/2006/main">
-  <p:cSld>
-    <p:spTree>
-      <p:nvGrpSpPr>
-        <p:cNvPr id="1" name=""/>
-        <p:cNvGrpSpPr/>
-        <p:nvPr/>
-      </p:nvGrpSpPr>
-      <p:grpSpPr>
-        <a:xfrm>
-          <a:off x="0" y="0"/>
-          <a:ext cx="0" cy="0"/>
-          <a:chOff x="0" y="0"/>
-          <a:chExt cx="0" cy="0"/>
-        </a:xfrm>
-      </p:grpSpPr>
-      <p:sp>
-        <p:nvSpPr>
-          <p:cNvPr id="2" name="Slide Image Placeholder 1"/>
-          <p:cNvSpPr>
-            <a:spLocks noGrp="1" noRot="1" noChangeAspect="1"/>
-          </p:cNvSpPr>
-          <p:nvPr>
-            <p:ph type="sldImg"/>
-          </p:nvPr>
-        </p:nvSpPr>
-        <p:spPr/>
-      </p:sp>
-      <p:sp>
-        <p:nvSpPr>
-          <p:cNvPr id="3" name="Notes Placeholder 2"/>
-          <p:cNvSpPr>
-            <a:spLocks noGrp="1"/>
-          </p:cNvSpPr>
-          <p:nvPr>
-            <p:ph type="body" idx="1"/>
-          </p:nvPr>
-        </p:nvSpPr>
-        <p:spPr/>
-        <p:txBody>
-          <a:bodyPr>
-            <a:normAutofit/>
-          </a:bodyPr>
-          <a:lstStyle/>
-          <a:p>
-            <a:endParaRPr lang="en-US"/>
-          </a:p>
-        </p:txBody>
-      </p:sp>
-      <p:sp>
-        <p:nvSpPr>
-          <p:cNvPr id="4" name="Header Placeholder 3"/>
-          <p:cNvSpPr>
-            <a:spLocks noGrp="1"/>
-          </p:cNvSpPr>
-          <p:nvPr>
-            <p:ph type="hdr" sz="quarter" idx="10"/>
-          </p:nvPr>
-        </p:nvSpPr>
-        <p:spPr/>
-        <p:txBody>
-          <a:bodyPr/>
-          <a:lstStyle/>
-          <a:p>
-            <a:endParaRPr lang="en-US" dirty="0"/>
-          </a:p>
-        </p:txBody>
-      </p:sp>
-      <p:sp>
-        <p:nvSpPr>
-          <p:cNvPr id="5" name="Date Placeholder 4"/>
-          <p:cNvSpPr>
-            <a:spLocks noGrp="1"/>
-          </p:cNvSpPr>
-          <p:nvPr>
-            <p:ph type="dt" idx="11"/>
-          </p:nvPr>
-        </p:nvSpPr>
-        <p:spPr/>
-        <p:txBody>
-          <a:bodyPr/>
-          <a:lstStyle/>
-          <a:p>
-            <a:fld id="{81331B57-0BE5-4F82-AA58-76F53EFF3ADA}" type="datetime8">
-              <a:rPr lang="en-US" smtClean="0"/>
-              <a:pPr/>
-              <a:t>11/9/2014 6:29 PM</a:t>
-            </a:fld>
-            <a:endParaRPr lang="en-US"/>
-          </a:p>
-        </p:txBody>
-      </p:sp>
-      <p:sp>
-        <p:nvSpPr>
-          <p:cNvPr id="6" name="Footer Placeholder 5"/>
-          <p:cNvSpPr>
-            <a:spLocks noGrp="1"/>
-          </p:cNvSpPr>
-          <p:nvPr>
-            <p:ph type="ftr" sz="quarter" idx="12"/>
-          </p:nvPr>
-        </p:nvSpPr>
-        <p:spPr/>
-        <p:txBody>
-          <a:bodyPr/>
-          <a:lstStyle/>
-          <a:p>
-            <a:r>
-              <a:rPr lang="en-US" smtClean="0">
-                <a:solidFill>
-                  <a:srgbClr val="000000"/>
-                </a:solidFill>
-              </a:rPr>
-              <a:t>© 2007 Microsoft Corporation. All rights reserved. Microsoft, Windows, Windows Vista and other product names are or may be registered trademarks and/or trademarks in the U.S. and/or other countries.</a:t>
-            </a:r>
-          </a:p>
-          <a:p>
-            <a:r>
-              <a:rPr lang="en-US" smtClean="0">
-                <a:solidFill>
-                  <a:srgbClr val="000000"/>
-                </a:solidFill>
-              </a:rPr>
-              <a:t>The information herein is for informational purposes only and represents the current view of Microsoft Corporation as of the date of this presentation.  Because Microsoft must respond to changing market conditions, it should not be interpreted to be a commitment on the part of Microsoft, and Microsoft cannot guarantee the accuracy of any information provided after the date of this presentation.  </a:t>
-            </a:r>
-            <a:br>
-              <a:rPr lang="en-US" smtClean="0">
-                <a:solidFill>
-                  <a:srgbClr val="000000"/>
-                </a:solidFill>
-              </a:rPr>
-            </a:br>
-            <a:r>
-              <a:rPr lang="en-US" smtClean="0">
-                <a:solidFill>
-                  <a:srgbClr val="000000"/>
-                </a:solidFill>
-              </a:rPr>
-              <a:t>MICROSOFT MAKES NO WARRANTIES, EXPRESS, IMPLIED OR STATUTORY, AS TO THE INFORMATION IN THIS PRESENTATION.</a:t>
-            </a:r>
-          </a:p>
-          <a:p>
-            <a:endParaRPr lang="en-US" dirty="0"/>
-          </a:p>
-        </p:txBody>
-      </p:sp>
-      <p:sp>
-        <p:nvSpPr>
-          <p:cNvPr id="7" name="Slide Number Placeholder 6"/>
-          <p:cNvSpPr>
-            <a:spLocks noGrp="1"/>
-          </p:cNvSpPr>
-          <p:nvPr>
-            <p:ph type="sldNum" sz="quarter" idx="13"/>
-          </p:nvPr>
-        </p:nvSpPr>
-        <p:spPr/>
-        <p:txBody>
-          <a:bodyPr/>
-          <a:lstStyle/>
-          <a:p>
-            <a:fld id="{EC87E0CF-87F6-4B58-B8B8-DCAB2DAAF3CA}" type="slidenum">
-              <a:rPr lang="en-US" smtClean="0"/>
-              <a:pPr/>
-              <a:t>19</a:t>
-            </a:fld>
-            <a:endParaRPr lang="en-US" dirty="0"/>
-          </a:p>
-        </p:txBody>
-      </p:sp>
-    </p:spTree>
-    <p:extLst>
-      <p:ext uri="{BB962C8B-B14F-4D97-AF65-F5344CB8AC3E}">
-        <p14:creationId xmlns:p14="http://schemas.microsoft.com/office/powerpoint/2010/main" val="1734573521"/>
       </p:ext>
     </p:extLst>
   </p:cSld>
@@ -9420,31 +5927,22 @@
             <p:ph type="title"/>
           </p:nvPr>
         </p:nvSpPr>
-        <p:spPr/>
+        <p:spPr>
+          <a:xfrm>
+            <a:off x="381000" y="2895600"/>
+            <a:ext cx="8382000" cy="1994392"/>
+          </a:xfrm>
+        </p:spPr>
         <p:txBody>
           <a:bodyPr/>
           <a:lstStyle/>
           <a:p>
-            <a:endParaRPr lang="en-US"/>
-          </a:p>
-        </p:txBody>
-      </p:sp>
-      <p:sp>
-        <p:nvSpPr>
-          <p:cNvPr id="3" name="Content Placeholder 2"/>
-          <p:cNvSpPr>
-            <a:spLocks noGrp="1"/>
-          </p:cNvSpPr>
-          <p:nvPr>
-            <p:ph idx="1"/>
-          </p:nvPr>
-        </p:nvSpPr>
-        <p:spPr/>
-        <p:txBody>
-          <a:bodyPr/>
-          <a:lstStyle/>
-          <a:p>
-            <a:endParaRPr lang="en-US"/>
+            <a:pPr algn="ctr"/>
+            <a:r>
+              <a:rPr lang="en-US" sz="7200" dirty="0"/>
+              <a:t>DEMO: Anatomy of Universal App</a:t>
+            </a:r>
+            <a:endParaRPr lang="en-US" sz="7200" dirty="0"/>
           </a:p>
         </p:txBody>
       </p:sp>
@@ -9491,38 +5989,32 @@
             <p:ph type="title"/>
           </p:nvPr>
         </p:nvSpPr>
-        <p:spPr/>
+        <p:spPr>
+          <a:xfrm>
+            <a:off x="381000" y="2895600"/>
+            <a:ext cx="8382000" cy="2991588"/>
+          </a:xfrm>
+        </p:spPr>
         <p:txBody>
           <a:bodyPr/>
           <a:lstStyle/>
           <a:p>
-            <a:endParaRPr lang="en-US"/>
-          </a:p>
-        </p:txBody>
-      </p:sp>
-      <p:sp>
-        <p:nvSpPr>
-          <p:cNvPr id="3" name="Content Placeholder 2"/>
-          <p:cNvSpPr>
-            <a:spLocks noGrp="1"/>
-          </p:cNvSpPr>
-          <p:nvPr>
-            <p:ph idx="1"/>
-          </p:nvPr>
-        </p:nvSpPr>
-        <p:spPr/>
-        <p:txBody>
-          <a:bodyPr/>
-          <a:lstStyle/>
-          <a:p>
-            <a:endParaRPr lang="en-US"/>
+            <a:pPr algn="ctr"/>
+            <a:r>
+              <a:rPr lang="en-US" sz="7200" dirty="0"/>
+              <a:t>DEMO: Platform Specific Code</a:t>
+            </a:r>
+            <a:br>
+              <a:rPr lang="en-US" sz="7200" dirty="0"/>
+            </a:br>
+            <a:endParaRPr lang="en-US" sz="7200" dirty="0"/>
           </a:p>
         </p:txBody>
       </p:sp>
     </p:spTree>
     <p:extLst>
       <p:ext uri="{BB962C8B-B14F-4D97-AF65-F5344CB8AC3E}">
-        <p14:creationId xmlns:p14="http://schemas.microsoft.com/office/powerpoint/2010/main" val="2072393108"/>
+        <p14:creationId xmlns:p14="http://schemas.microsoft.com/office/powerpoint/2010/main" val="3703279513"/>
       </p:ext>
     </p:extLst>
   </p:cSld>
@@ -9562,38 +6054,28 @@
             <p:ph type="title"/>
           </p:nvPr>
         </p:nvSpPr>
-        <p:spPr/>
+        <p:spPr>
+          <a:xfrm>
+            <a:off x="381000" y="2895600"/>
+            <a:ext cx="8382000" cy="997196"/>
+          </a:xfrm>
+        </p:spPr>
         <p:txBody>
           <a:bodyPr/>
           <a:lstStyle/>
           <a:p>
-            <a:endParaRPr lang="en-US"/>
-          </a:p>
-        </p:txBody>
-      </p:sp>
-      <p:sp>
-        <p:nvSpPr>
-          <p:cNvPr id="3" name="Content Placeholder 2"/>
-          <p:cNvSpPr>
-            <a:spLocks noGrp="1"/>
-          </p:cNvSpPr>
-          <p:nvPr>
-            <p:ph idx="1"/>
-          </p:nvPr>
-        </p:nvSpPr>
-        <p:spPr/>
-        <p:txBody>
-          <a:bodyPr/>
-          <a:lstStyle/>
-          <a:p>
-            <a:endParaRPr lang="en-US"/>
+            <a:r>
+              <a:rPr lang="en-US" sz="7200" dirty="0"/>
+              <a:t>DEMO: Shared Code</a:t>
+            </a:r>
+            <a:endParaRPr lang="en-US" sz="7200" dirty="0"/>
           </a:p>
         </p:txBody>
       </p:sp>
     </p:spTree>
     <p:extLst>
       <p:ext uri="{BB962C8B-B14F-4D97-AF65-F5344CB8AC3E}">
-        <p14:creationId xmlns:p14="http://schemas.microsoft.com/office/powerpoint/2010/main" val="2989410102"/>
+        <p14:creationId xmlns:p14="http://schemas.microsoft.com/office/powerpoint/2010/main" val="3632541782"/>
       </p:ext>
     </p:extLst>
   </p:cSld>
@@ -9633,38 +6115,28 @@
             <p:ph type="title"/>
           </p:nvPr>
         </p:nvSpPr>
-        <p:spPr/>
+        <p:spPr>
+          <a:xfrm>
+            <a:off x="381000" y="2895600"/>
+            <a:ext cx="8382000" cy="1994392"/>
+          </a:xfrm>
+        </p:spPr>
         <p:txBody>
           <a:bodyPr/>
           <a:lstStyle/>
           <a:p>
-            <a:endParaRPr lang="en-US"/>
-          </a:p>
-        </p:txBody>
-      </p:sp>
-      <p:sp>
-        <p:nvSpPr>
-          <p:cNvPr id="3" name="Content Placeholder 2"/>
-          <p:cNvSpPr>
-            <a:spLocks noGrp="1"/>
-          </p:cNvSpPr>
-          <p:nvPr>
-            <p:ph idx="1"/>
-          </p:nvPr>
-        </p:nvSpPr>
-        <p:spPr/>
-        <p:txBody>
-          <a:bodyPr/>
-          <a:lstStyle/>
-          <a:p>
-            <a:endParaRPr lang="en-US"/>
+            <a:r>
+              <a:rPr lang="en-US" sz="7200" dirty="0"/>
+              <a:t>DEMO: Implementing Portable Class Libraries</a:t>
+            </a:r>
+            <a:endParaRPr lang="en-US" sz="7200" dirty="0"/>
           </a:p>
         </p:txBody>
       </p:sp>
     </p:spTree>
     <p:extLst>
       <p:ext uri="{BB962C8B-B14F-4D97-AF65-F5344CB8AC3E}">
-        <p14:creationId xmlns:p14="http://schemas.microsoft.com/office/powerpoint/2010/main" val="381999815"/>
+        <p14:creationId xmlns:p14="http://schemas.microsoft.com/office/powerpoint/2010/main" val="78523174"/>
       </p:ext>
     </p:extLst>
   </p:cSld>
@@ -9735,7 +6207,7 @@
     </p:spTree>
     <p:extLst>
       <p:ext uri="{BB962C8B-B14F-4D97-AF65-F5344CB8AC3E}">
-        <p14:creationId xmlns:p14="http://schemas.microsoft.com/office/powerpoint/2010/main" val="2593128978"/>
+        <p14:creationId xmlns:p14="http://schemas.microsoft.com/office/powerpoint/2010/main" val="2989410102"/>
       </p:ext>
     </p:extLst>
   </p:cSld>
@@ -9806,7 +6278,7 @@
     </p:spTree>
     <p:extLst>
       <p:ext uri="{BB962C8B-B14F-4D97-AF65-F5344CB8AC3E}">
-        <p14:creationId xmlns:p14="http://schemas.microsoft.com/office/powerpoint/2010/main" val="1981810332"/>
+        <p14:creationId xmlns:p14="http://schemas.microsoft.com/office/powerpoint/2010/main" val="2593128978"/>
       </p:ext>
     </p:extLst>
   </p:cSld>
@@ -9851,470 +6323,35 @@
           <a:bodyPr/>
           <a:lstStyle/>
           <a:p>
-            <a:r>
-              <a:rPr lang="en-US" dirty="0" smtClean="0"/>
-              <a:t>PowerPoint Guidelines</a:t>
-            </a:r>
-            <a:endParaRPr lang="en-US" dirty="0"/>
+            <a:endParaRPr lang="en-US"/>
           </a:p>
         </p:txBody>
       </p:sp>
       <p:sp>
         <p:nvSpPr>
-          <p:cNvPr id="3" name="Text Placeholder 2"/>
+          <p:cNvPr id="3" name="Content Placeholder 2"/>
           <p:cNvSpPr>
             <a:spLocks noGrp="1"/>
           </p:cNvSpPr>
           <p:nvPr>
-            <p:ph type="body" sz="quarter" idx="10"/>
+            <p:ph idx="1"/>
           </p:nvPr>
         </p:nvSpPr>
-        <p:spPr>
-          <a:xfrm>
-            <a:off x="381000" y="1411552"/>
-            <a:ext cx="8382000" cy="2703248"/>
-          </a:xfrm>
-        </p:spPr>
+        <p:spPr/>
         <p:txBody>
           <a:bodyPr/>
           <a:lstStyle/>
           <a:p>
-            <a:r>
-              <a:rPr lang="en-US" dirty="0" smtClean="0"/>
-              <a:t>Font, size, and color for text have been formatted for you in the Slide Master</a:t>
-            </a:r>
-          </a:p>
-          <a:p>
-            <a:r>
-              <a:rPr lang="en-US" dirty="0" smtClean="0"/>
-              <a:t>Use the color palette shown below</a:t>
-            </a:r>
-          </a:p>
-          <a:p>
-            <a:r>
-              <a:rPr lang="en-US" dirty="0" smtClean="0"/>
-              <a:t>See next slide for additional guidelines</a:t>
-            </a:r>
-          </a:p>
-          <a:p>
-            <a:r>
-              <a:rPr lang="en-US" dirty="0" smtClean="0"/>
-              <a:t>Hyperlink color: </a:t>
-            </a:r>
-            <a:r>
-              <a:rPr lang="en-US" dirty="0" smtClean="0">
-                <a:hlinkClick r:id="rId3"/>
-              </a:rPr>
-              <a:t>www.microsoft.com</a:t>
-            </a:r>
-            <a:r>
-              <a:rPr lang="en-US" dirty="0" smtClean="0"/>
-              <a:t> </a:t>
-            </a:r>
-          </a:p>
-        </p:txBody>
-      </p:sp>
-      <p:sp>
-        <p:nvSpPr>
-          <p:cNvPr id="4" name="Rounded Rectangle 3"/>
-          <p:cNvSpPr/>
-          <p:nvPr/>
-        </p:nvSpPr>
-        <p:spPr bwMode="auto">
-          <a:xfrm>
-            <a:off x="6216952" y="4381500"/>
-            <a:ext cx="2201333" cy="882953"/>
-          </a:xfrm>
-          <a:prstGeom prst="roundRect">
-            <a:avLst>
-              <a:gd name="adj" fmla="val 9033"/>
-            </a:avLst>
-          </a:prstGeom>
-          <a:ln>
-            <a:headEnd type="none" w="med" len="med"/>
-            <a:tailEnd type="none" w="med" len="med"/>
-          </a:ln>
-        </p:spPr>
-        <p:style>
-          <a:lnRef idx="0">
-            <a:schemeClr val="accent3"/>
-          </a:lnRef>
-          <a:fillRef idx="3">
-            <a:schemeClr val="accent3"/>
-          </a:fillRef>
-          <a:effectRef idx="3">
-            <a:schemeClr val="accent3"/>
-          </a:effectRef>
-          <a:fontRef idx="minor">
-            <a:schemeClr val="lt1"/>
-          </a:fontRef>
-        </p:style>
-        <p:txBody>
-          <a:bodyPr vert="horz" wrap="square" lIns="91436" tIns="45718" rIns="91436" bIns="45718" numCol="1" rtlCol="0" anchor="ctr" anchorCtr="0" compatLnSpc="1">
-            <a:prstTxWarp prst="textNoShape">
-              <a:avLst/>
-            </a:prstTxWarp>
-          </a:bodyPr>
-          <a:lstStyle/>
-          <a:p>
-            <a:pPr algn="ctr" defTabSz="914099" fontAlgn="base">
-              <a:spcBef>
-                <a:spcPct val="0"/>
-              </a:spcBef>
-              <a:spcAft>
-                <a:spcPct val="0"/>
-              </a:spcAft>
-            </a:pPr>
-            <a:r>
-              <a:rPr lang="en-US" sz="2400" dirty="0" smtClean="0">
-                <a:solidFill>
-                  <a:srgbClr val="FFFFFF"/>
-                </a:solidFill>
-                <a:effectLst>
-                  <a:outerShdw blurRad="38100" dist="38100" dir="2700000" algn="tl">
-                    <a:srgbClr val="000000">
-                      <a:alpha val="43137"/>
-                    </a:srgbClr>
-                  </a:outerShdw>
-                </a:effectLst>
-              </a:rPr>
-              <a:t>Sample Fill</a:t>
-            </a:r>
-          </a:p>
-        </p:txBody>
-      </p:sp>
-      <p:sp>
-        <p:nvSpPr>
-          <p:cNvPr id="5" name="Rounded Rectangle 4"/>
-          <p:cNvSpPr/>
-          <p:nvPr/>
-        </p:nvSpPr>
-        <p:spPr bwMode="auto">
-          <a:xfrm>
-            <a:off x="3556000" y="4381500"/>
-            <a:ext cx="2201333" cy="882953"/>
-          </a:xfrm>
-          <a:prstGeom prst="roundRect">
-            <a:avLst>
-              <a:gd name="adj" fmla="val 9033"/>
-            </a:avLst>
-          </a:prstGeom>
-          <a:ln>
-            <a:headEnd type="none" w="med" len="med"/>
-            <a:tailEnd type="none" w="med" len="med"/>
-          </a:ln>
-        </p:spPr>
-        <p:style>
-          <a:lnRef idx="0">
-            <a:schemeClr val="accent2"/>
-          </a:lnRef>
-          <a:fillRef idx="3">
-            <a:schemeClr val="accent2"/>
-          </a:fillRef>
-          <a:effectRef idx="3">
-            <a:schemeClr val="accent2"/>
-          </a:effectRef>
-          <a:fontRef idx="minor">
-            <a:schemeClr val="lt1"/>
-          </a:fontRef>
-        </p:style>
-        <p:txBody>
-          <a:bodyPr vert="horz" wrap="square" lIns="91436" tIns="45718" rIns="91436" bIns="45718" numCol="1" rtlCol="0" anchor="ctr" anchorCtr="0" compatLnSpc="1">
-            <a:prstTxWarp prst="textNoShape">
-              <a:avLst/>
-            </a:prstTxWarp>
-          </a:bodyPr>
-          <a:lstStyle/>
-          <a:p>
-            <a:pPr algn="ctr" defTabSz="914099" fontAlgn="base">
-              <a:spcBef>
-                <a:spcPct val="0"/>
-              </a:spcBef>
-              <a:spcAft>
-                <a:spcPct val="0"/>
-              </a:spcAft>
-            </a:pPr>
-            <a:r>
-              <a:rPr lang="en-US" sz="2400" dirty="0" smtClean="0">
-                <a:solidFill>
-                  <a:srgbClr val="FFFFFF"/>
-                </a:solidFill>
-                <a:effectLst>
-                  <a:outerShdw blurRad="38100" dist="38100" dir="2700000" algn="tl">
-                    <a:srgbClr val="000000">
-                      <a:alpha val="43137"/>
-                    </a:srgbClr>
-                  </a:outerShdw>
-                </a:effectLst>
-              </a:rPr>
-              <a:t>Sample Fill</a:t>
-            </a:r>
-          </a:p>
-        </p:txBody>
-      </p:sp>
-      <p:sp>
-        <p:nvSpPr>
-          <p:cNvPr id="6" name="Rounded Rectangle 5"/>
-          <p:cNvSpPr/>
-          <p:nvPr/>
-        </p:nvSpPr>
-        <p:spPr bwMode="auto">
-          <a:xfrm>
-            <a:off x="825500" y="4381500"/>
-            <a:ext cx="2201333" cy="882953"/>
-          </a:xfrm>
-          <a:prstGeom prst="roundRect">
-            <a:avLst>
-              <a:gd name="adj" fmla="val 9033"/>
-            </a:avLst>
-          </a:prstGeom>
-          <a:ln>
-            <a:headEnd type="none" w="med" len="med"/>
-            <a:tailEnd type="none" w="med" len="med"/>
-          </a:ln>
-        </p:spPr>
-        <p:style>
-          <a:lnRef idx="0">
-            <a:schemeClr val="accent1"/>
-          </a:lnRef>
-          <a:fillRef idx="3">
-            <a:schemeClr val="accent1"/>
-          </a:fillRef>
-          <a:effectRef idx="3">
-            <a:schemeClr val="accent1"/>
-          </a:effectRef>
-          <a:fontRef idx="minor">
-            <a:schemeClr val="lt1"/>
-          </a:fontRef>
-        </p:style>
-        <p:txBody>
-          <a:bodyPr vert="horz" wrap="square" lIns="91436" tIns="45718" rIns="91436" bIns="45718" numCol="1" rtlCol="0" anchor="ctr" anchorCtr="0" compatLnSpc="1">
-            <a:prstTxWarp prst="textNoShape">
-              <a:avLst/>
-            </a:prstTxWarp>
-          </a:bodyPr>
-          <a:lstStyle/>
-          <a:p>
-            <a:pPr algn="ctr" defTabSz="914099"/>
-            <a:r>
-              <a:rPr lang="en-US" sz="2400" dirty="0" smtClean="0">
-                <a:solidFill>
-                  <a:srgbClr val="FFFFFF"/>
-                </a:solidFill>
-                <a:effectLst>
-                  <a:outerShdw blurRad="38100" dist="38100" dir="2700000" algn="tl">
-                    <a:srgbClr val="000000">
-                      <a:alpha val="43137"/>
-                    </a:srgbClr>
-                  </a:outerShdw>
-                </a:effectLst>
-              </a:rPr>
-              <a:t>Sample Fill</a:t>
-            </a:r>
-          </a:p>
-        </p:txBody>
-      </p:sp>
-      <p:sp>
-        <p:nvSpPr>
-          <p:cNvPr id="7" name="Rounded Rectangle 6"/>
-          <p:cNvSpPr/>
-          <p:nvPr/>
-        </p:nvSpPr>
-        <p:spPr bwMode="auto">
-          <a:xfrm>
-            <a:off x="6216952" y="5539619"/>
-            <a:ext cx="2201333" cy="882953"/>
-          </a:xfrm>
-          <a:prstGeom prst="roundRect">
-            <a:avLst>
-              <a:gd name="adj" fmla="val 9033"/>
-            </a:avLst>
-          </a:prstGeom>
-          <a:ln>
-            <a:headEnd type="none" w="med" len="med"/>
-            <a:tailEnd type="none" w="med" len="med"/>
-          </a:ln>
-        </p:spPr>
-        <p:style>
-          <a:lnRef idx="0">
-            <a:schemeClr val="accent6"/>
-          </a:lnRef>
-          <a:fillRef idx="3">
-            <a:schemeClr val="accent6"/>
-          </a:fillRef>
-          <a:effectRef idx="3">
-            <a:schemeClr val="accent6"/>
-          </a:effectRef>
-          <a:fontRef idx="minor">
-            <a:schemeClr val="lt1"/>
-          </a:fontRef>
-        </p:style>
-        <p:txBody>
-          <a:bodyPr vert="horz" wrap="square" lIns="91436" tIns="45718" rIns="91436" bIns="45718" numCol="1" rtlCol="0" anchor="ctr" anchorCtr="0" compatLnSpc="1">
-            <a:prstTxWarp prst="textNoShape">
-              <a:avLst/>
-            </a:prstTxWarp>
-          </a:bodyPr>
-          <a:lstStyle/>
-          <a:p>
-            <a:pPr algn="ctr" defTabSz="914099" fontAlgn="base">
-              <a:spcBef>
-                <a:spcPct val="0"/>
-              </a:spcBef>
-              <a:spcAft>
-                <a:spcPct val="0"/>
-              </a:spcAft>
-            </a:pPr>
-            <a:r>
-              <a:rPr lang="en-US" sz="2400" dirty="0" smtClean="0">
-                <a:solidFill>
-                  <a:srgbClr val="FFFFFF"/>
-                </a:solidFill>
-                <a:effectLst>
-                  <a:outerShdw blurRad="38100" dist="38100" dir="2700000" algn="tl">
-                    <a:srgbClr val="000000">
-                      <a:alpha val="43137"/>
-                    </a:srgbClr>
-                  </a:outerShdw>
-                </a:effectLst>
-              </a:rPr>
-              <a:t>Sample Fill</a:t>
-            </a:r>
-          </a:p>
-        </p:txBody>
-      </p:sp>
-      <p:sp>
-        <p:nvSpPr>
-          <p:cNvPr id="8" name="Rounded Rectangle 7"/>
-          <p:cNvSpPr/>
-          <p:nvPr/>
-        </p:nvSpPr>
-        <p:spPr bwMode="auto">
-          <a:xfrm>
-            <a:off x="3556000" y="5539619"/>
-            <a:ext cx="2201333" cy="882953"/>
-          </a:xfrm>
-          <a:prstGeom prst="roundRect">
-            <a:avLst>
-              <a:gd name="adj" fmla="val 9033"/>
-            </a:avLst>
-          </a:prstGeom>
-          <a:ln>
-            <a:headEnd type="none" w="med" len="med"/>
-            <a:tailEnd type="none" w="med" len="med"/>
-          </a:ln>
-        </p:spPr>
-        <p:style>
-          <a:lnRef idx="0">
-            <a:schemeClr val="accent5"/>
-          </a:lnRef>
-          <a:fillRef idx="3">
-            <a:schemeClr val="accent5"/>
-          </a:fillRef>
-          <a:effectRef idx="3">
-            <a:schemeClr val="accent5"/>
-          </a:effectRef>
-          <a:fontRef idx="minor">
-            <a:schemeClr val="lt1"/>
-          </a:fontRef>
-        </p:style>
-        <p:txBody>
-          <a:bodyPr vert="horz" wrap="square" lIns="91436" tIns="45718" rIns="91436" bIns="45718" numCol="1" rtlCol="0" anchor="ctr" anchorCtr="0" compatLnSpc="1">
-            <a:prstTxWarp prst="textNoShape">
-              <a:avLst/>
-            </a:prstTxWarp>
-          </a:bodyPr>
-          <a:lstStyle/>
-          <a:p>
-            <a:pPr algn="ctr" defTabSz="914099" fontAlgn="base">
-              <a:spcBef>
-                <a:spcPct val="0"/>
-              </a:spcBef>
-              <a:spcAft>
-                <a:spcPct val="0"/>
-              </a:spcAft>
-            </a:pPr>
-            <a:r>
-              <a:rPr lang="en-US" sz="2400" dirty="0" smtClean="0">
-                <a:solidFill>
-                  <a:srgbClr val="FFFFFF"/>
-                </a:solidFill>
-                <a:effectLst>
-                  <a:outerShdw blurRad="38100" dist="38100" dir="2700000" algn="tl">
-                    <a:srgbClr val="000000">
-                      <a:alpha val="43137"/>
-                    </a:srgbClr>
-                  </a:outerShdw>
-                </a:effectLst>
-              </a:rPr>
-              <a:t>Sample Fill</a:t>
-            </a:r>
-          </a:p>
-        </p:txBody>
-      </p:sp>
-      <p:sp>
-        <p:nvSpPr>
-          <p:cNvPr id="9" name="Rounded Rectangle 8"/>
-          <p:cNvSpPr/>
-          <p:nvPr/>
-        </p:nvSpPr>
-        <p:spPr bwMode="auto">
-          <a:xfrm>
-            <a:off x="825500" y="5539619"/>
-            <a:ext cx="2201333" cy="882953"/>
-          </a:xfrm>
-          <a:prstGeom prst="roundRect">
-            <a:avLst>
-              <a:gd name="adj" fmla="val 9033"/>
-            </a:avLst>
-          </a:prstGeom>
-          <a:ln>
-            <a:headEnd type="none" w="med" len="med"/>
-            <a:tailEnd type="none" w="med" len="med"/>
-          </a:ln>
-        </p:spPr>
-        <p:style>
-          <a:lnRef idx="0">
-            <a:schemeClr val="accent4"/>
-          </a:lnRef>
-          <a:fillRef idx="3">
-            <a:schemeClr val="accent4"/>
-          </a:fillRef>
-          <a:effectRef idx="3">
-            <a:schemeClr val="accent4"/>
-          </a:effectRef>
-          <a:fontRef idx="minor">
-            <a:schemeClr val="lt1"/>
-          </a:fontRef>
-        </p:style>
-        <p:txBody>
-          <a:bodyPr vert="horz" wrap="square" lIns="91436" tIns="45718" rIns="91436" bIns="45718" numCol="1" rtlCol="0" anchor="ctr" anchorCtr="0" compatLnSpc="1">
-            <a:prstTxWarp prst="textNoShape">
-              <a:avLst/>
-            </a:prstTxWarp>
-          </a:bodyPr>
-          <a:lstStyle/>
-          <a:p>
-            <a:pPr algn="ctr" defTabSz="914099"/>
-            <a:r>
-              <a:rPr lang="en-US" sz="2400" dirty="0" smtClean="0">
-                <a:solidFill>
-                  <a:srgbClr val="FFFFFF"/>
-                </a:solidFill>
-                <a:effectLst>
-                  <a:outerShdw blurRad="38100" dist="38100" dir="2700000" algn="tl">
-                    <a:srgbClr val="000000">
-                      <a:alpha val="43137"/>
-                    </a:srgbClr>
-                  </a:outerShdw>
-                </a:effectLst>
-              </a:rPr>
-              <a:t>Sample Fill</a:t>
-            </a:r>
+            <a:endParaRPr lang="en-US"/>
           </a:p>
         </p:txBody>
       </p:sp>
     </p:spTree>
+    <p:extLst>
+      <p:ext uri="{BB962C8B-B14F-4D97-AF65-F5344CB8AC3E}">
+        <p14:creationId xmlns:p14="http://schemas.microsoft.com/office/powerpoint/2010/main" val="1981810332"/>
+      </p:ext>
+    </p:extLst>
   </p:cSld>
   <p:clrMapOvr>
     <a:masterClrMapping/>
@@ -10322,150 +6359,6 @@
   <p:transition>
     <p:fade/>
   </p:transition>
-  <p:timing>
-    <p:tnLst>
-      <p:par>
-        <p:cTn id="1" dur="indefinite" restart="never" nodeType="tmRoot"/>
-      </p:par>
-    </p:tnLst>
-  </p:timing>
-</p:sld>
-</file>
-
-<file path=ppt/slides/slide19.xml><?xml version="1.0" encoding="utf-8"?>
-<p:sld xmlns:a="http://schemas.openxmlformats.org/drawingml/2006/main" xmlns:r="http://schemas.openxmlformats.org/officeDocument/2006/relationships" xmlns:p="http://schemas.openxmlformats.org/presentationml/2006/main">
-  <p:cSld>
-    <p:spTree>
-      <p:nvGrpSpPr>
-        <p:cNvPr id="1" name=""/>
-        <p:cNvGrpSpPr/>
-        <p:nvPr/>
-      </p:nvGrpSpPr>
-      <p:grpSpPr>
-        <a:xfrm>
-          <a:off x="0" y="0"/>
-          <a:ext cx="0" cy="0"/>
-          <a:chOff x="0" y="0"/>
-          <a:chExt cx="0" cy="0"/>
-        </a:xfrm>
-      </p:grpSpPr>
-      <p:sp>
-        <p:nvSpPr>
-          <p:cNvPr id="2" name="Title 1"/>
-          <p:cNvSpPr>
-            <a:spLocks noGrp="1"/>
-          </p:cNvSpPr>
-          <p:nvPr>
-            <p:ph type="title"/>
-          </p:nvPr>
-        </p:nvSpPr>
-        <p:spPr>
-          <a:xfrm>
-            <a:off x="381000" y="230188"/>
-            <a:ext cx="8382000" cy="1163395"/>
-          </a:xfrm>
-        </p:spPr>
-        <p:txBody>
-          <a:bodyPr>
-            <a:normAutofit/>
-          </a:bodyPr>
-          <a:lstStyle/>
-          <a:p>
-            <a:r>
-              <a:rPr lang="en-US" dirty="0" smtClean="0"/>
-              <a:t>PowerPoint Template</a:t>
-            </a:r>
-            <a:br>
-              <a:rPr lang="en-US" dirty="0" smtClean="0"/>
-            </a:br>
-            <a:r>
-              <a:rPr lang="en-US" sz="3600" dirty="0" smtClean="0">
-                <a:solidFill>
-                  <a:schemeClr val="accent2"/>
-                </a:solidFill>
-              </a:rPr>
-              <a:t>Subtitle color</a:t>
-            </a:r>
-            <a:endParaRPr lang="en-US" dirty="0">
-              <a:solidFill>
-                <a:schemeClr val="accent2"/>
-              </a:solidFill>
-            </a:endParaRPr>
-          </a:p>
-        </p:txBody>
-      </p:sp>
-      <p:sp>
-        <p:nvSpPr>
-          <p:cNvPr id="3" name="Text Placeholder 2"/>
-          <p:cNvSpPr>
-            <a:spLocks noGrp="1"/>
-          </p:cNvSpPr>
-          <p:nvPr>
-            <p:ph type="body" sz="quarter" idx="10"/>
-          </p:nvPr>
-        </p:nvSpPr>
-        <p:spPr>
-          <a:xfrm>
-            <a:off x="381000" y="1905000"/>
-            <a:ext cx="8382000" cy="3502497"/>
-          </a:xfrm>
-        </p:spPr>
-        <p:txBody>
-          <a:bodyPr>
-            <a:normAutofit/>
-          </a:bodyPr>
-          <a:lstStyle/>
-          <a:p>
-            <a:r>
-              <a:rPr lang="en-US" dirty="0" smtClean="0"/>
-              <a:t>Example of a slide with a subhead</a:t>
-            </a:r>
-          </a:p>
-          <a:p>
-            <a:pPr lvl="1"/>
-            <a:r>
-              <a:rPr lang="en-US" dirty="0" smtClean="0"/>
-              <a:t>Set the slide title in “title case”</a:t>
-            </a:r>
-          </a:p>
-          <a:p>
-            <a:pPr lvl="1"/>
-            <a:r>
-              <a:rPr lang="en-US" dirty="0" smtClean="0"/>
-              <a:t>Set subheads in “sentence case”</a:t>
-            </a:r>
-          </a:p>
-          <a:p>
-            <a:pPr lvl="1"/>
-            <a:r>
-              <a:rPr lang="en-US" dirty="0" smtClean="0"/>
-              <a:t>Generally set subhead to 36pt or smaller so it will fit on a single line</a:t>
-            </a:r>
-          </a:p>
-          <a:p>
-            <a:pPr lvl="1"/>
-            <a:r>
-              <a:rPr lang="en-US" dirty="0" smtClean="0"/>
-              <a:t>The subhead color is defined for this template but must be selected. In PowerPoint 2007, it is the fourth font color from the left</a:t>
-            </a:r>
-          </a:p>
-        </p:txBody>
-      </p:sp>
-    </p:spTree>
-  </p:cSld>
-  <p:clrMapOvr>
-    <a:masterClrMapping/>
-  </p:clrMapOvr>
-  <p:transition>
-    <p:fade/>
-  </p:transition>
-  <p:timing>
-    <p:tnLst>
-      <p:par>
-        <p:cTn id="1" dur="indefinite" restart="never" nodeType="tmRoot"/>
-      </p:par>
-    </p:tnLst>
-  </p:timing>
 </p:sld>
 </file>
 
@@ -10594,864 +6487,6 @@
   <p:transition>
     <p:fade/>
   </p:transition>
-</p:sld>
-</file>
-
-<file path=ppt/slides/slide20.xml><?xml version="1.0" encoding="utf-8"?>
-<p:sld xmlns:a="http://schemas.openxmlformats.org/drawingml/2006/main" xmlns:r="http://schemas.openxmlformats.org/officeDocument/2006/relationships" xmlns:p="http://schemas.openxmlformats.org/presentationml/2006/main">
-  <p:cSld>
-    <p:spTree>
-      <p:nvGrpSpPr>
-        <p:cNvPr id="1" name=""/>
-        <p:cNvGrpSpPr/>
-        <p:nvPr/>
-      </p:nvGrpSpPr>
-      <p:grpSpPr>
-        <a:xfrm>
-          <a:off x="0" y="0"/>
-          <a:ext cx="0" cy="0"/>
-          <a:chOff x="0" y="0"/>
-          <a:chExt cx="0" cy="0"/>
-        </a:xfrm>
-      </p:grpSpPr>
-      <p:sp>
-        <p:nvSpPr>
-          <p:cNvPr id="2" name="Title 1"/>
-          <p:cNvSpPr>
-            <a:spLocks noGrp="1"/>
-          </p:cNvSpPr>
-          <p:nvPr>
-            <p:ph type="title"/>
-          </p:nvPr>
-        </p:nvSpPr>
-        <p:spPr/>
-        <p:txBody>
-          <a:bodyPr/>
-          <a:lstStyle/>
-          <a:p>
-            <a:r>
-              <a:rPr smtClean="0"/>
-              <a:t>Bar Chart Example</a:t>
-            </a:r>
-            <a:endParaRPr lang="en-US" dirty="0"/>
-          </a:p>
-        </p:txBody>
-      </p:sp>
-      <p:graphicFrame>
-        <p:nvGraphicFramePr>
-          <p:cNvPr id="3" name="Chart 2"/>
-          <p:cNvGraphicFramePr/>
-          <p:nvPr/>
-        </p:nvGraphicFramePr>
-        <p:xfrm>
-          <a:off x="381000" y="1182687"/>
-          <a:ext cx="8031428" cy="5270500"/>
-        </p:xfrm>
-        <a:graphic>
-          <a:graphicData uri="http://schemas.openxmlformats.org/drawingml/2006/chart">
-            <c:chart xmlns:c="http://schemas.openxmlformats.org/drawingml/2006/chart" xmlns:r="http://schemas.openxmlformats.org/officeDocument/2006/relationships" r:id="rId3"/>
-          </a:graphicData>
-        </a:graphic>
-      </p:graphicFrame>
-    </p:spTree>
-  </p:cSld>
-  <p:clrMapOvr>
-    <a:masterClrMapping/>
-  </p:clrMapOvr>
-  <p:transition>
-    <p:fade/>
-  </p:transition>
-  <p:timing>
-    <p:tnLst>
-      <p:par>
-        <p:cTn id="1" dur="indefinite" restart="never" nodeType="tmRoot"/>
-      </p:par>
-    </p:tnLst>
-  </p:timing>
-</p:sld>
-</file>
-
-<file path=ppt/slides/slide21.xml><?xml version="1.0" encoding="utf-8"?>
-<p:sld xmlns:a="http://schemas.openxmlformats.org/drawingml/2006/main" xmlns:r="http://schemas.openxmlformats.org/officeDocument/2006/relationships" xmlns:p="http://schemas.openxmlformats.org/presentationml/2006/main">
-  <p:cSld>
-    <p:spTree>
-      <p:nvGrpSpPr>
-        <p:cNvPr id="1" name=""/>
-        <p:cNvGrpSpPr/>
-        <p:nvPr/>
-      </p:nvGrpSpPr>
-      <p:grpSpPr>
-        <a:xfrm>
-          <a:off x="0" y="0"/>
-          <a:ext cx="0" cy="0"/>
-          <a:chOff x="0" y="0"/>
-          <a:chExt cx="0" cy="0"/>
-        </a:xfrm>
-      </p:grpSpPr>
-      <p:sp>
-        <p:nvSpPr>
-          <p:cNvPr id="3" name="Title 2"/>
-          <p:cNvSpPr>
-            <a:spLocks noGrp="1"/>
-          </p:cNvSpPr>
-          <p:nvPr>
-            <p:ph type="title"/>
-          </p:nvPr>
-        </p:nvSpPr>
-        <p:spPr/>
-        <p:txBody>
-          <a:bodyPr/>
-          <a:lstStyle/>
-          <a:p>
-            <a:r>
-              <a:rPr smtClean="0"/>
-              <a:t>Pie Chart Example</a:t>
-            </a:r>
-            <a:endParaRPr lang="en-US" dirty="0"/>
-          </a:p>
-        </p:txBody>
-      </p:sp>
-      <p:graphicFrame>
-        <p:nvGraphicFramePr>
-          <p:cNvPr id="5" name="Chart 4"/>
-          <p:cNvGraphicFramePr/>
-          <p:nvPr/>
-        </p:nvGraphicFramePr>
-        <p:xfrm>
-          <a:off x="619125" y="1293813"/>
-          <a:ext cx="7762875" cy="4889499"/>
-        </p:xfrm>
-        <a:graphic>
-          <a:graphicData uri="http://schemas.openxmlformats.org/drawingml/2006/chart">
-            <c:chart xmlns:c="http://schemas.openxmlformats.org/drawingml/2006/chart" xmlns:r="http://schemas.openxmlformats.org/officeDocument/2006/relationships" r:id="rId3"/>
-          </a:graphicData>
-        </a:graphic>
-      </p:graphicFrame>
-    </p:spTree>
-  </p:cSld>
-  <p:clrMapOvr>
-    <a:masterClrMapping/>
-  </p:clrMapOvr>
-  <p:transition>
-    <p:fade/>
-  </p:transition>
-  <p:timing>
-    <p:tnLst>
-      <p:par>
-        <p:cTn id="1" dur="indefinite" restart="never" nodeType="tmRoot"/>
-      </p:par>
-    </p:tnLst>
-  </p:timing>
-</p:sld>
-</file>
-
-<file path=ppt/slides/slide22.xml><?xml version="1.0" encoding="utf-8"?>
-<p:sld xmlns:a="http://schemas.openxmlformats.org/drawingml/2006/main" xmlns:r="http://schemas.openxmlformats.org/officeDocument/2006/relationships" xmlns:p="http://schemas.openxmlformats.org/presentationml/2006/main">
-  <p:cSld>
-    <p:spTree>
-      <p:nvGrpSpPr>
-        <p:cNvPr id="1" name=""/>
-        <p:cNvGrpSpPr/>
-        <p:nvPr/>
-      </p:nvGrpSpPr>
-      <p:grpSpPr>
-        <a:xfrm>
-          <a:off x="0" y="0"/>
-          <a:ext cx="0" cy="0"/>
-          <a:chOff x="0" y="0"/>
-          <a:chExt cx="0" cy="0"/>
-        </a:xfrm>
-      </p:grpSpPr>
-      <p:sp>
-        <p:nvSpPr>
-          <p:cNvPr id="2" name="Title 1"/>
-          <p:cNvSpPr>
-            <a:spLocks noGrp="1"/>
-          </p:cNvSpPr>
-          <p:nvPr>
-            <p:ph type="title"/>
-          </p:nvPr>
-        </p:nvSpPr>
-        <p:spPr/>
-        <p:txBody>
-          <a:bodyPr/>
-          <a:lstStyle/>
-          <a:p>
-            <a:r>
-              <a:rPr smtClean="0"/>
-              <a:t>Line Chart Example</a:t>
-            </a:r>
-            <a:endParaRPr lang="en-US" dirty="0"/>
-          </a:p>
-        </p:txBody>
-      </p:sp>
-      <p:graphicFrame>
-        <p:nvGraphicFramePr>
-          <p:cNvPr id="3" name="Chart 2"/>
-          <p:cNvGraphicFramePr/>
-          <p:nvPr/>
-        </p:nvGraphicFramePr>
-        <p:xfrm>
-          <a:off x="347579" y="1149685"/>
-          <a:ext cx="8181473" cy="5240421"/>
-        </p:xfrm>
-        <a:graphic>
-          <a:graphicData uri="http://schemas.openxmlformats.org/drawingml/2006/chart">
-            <c:chart xmlns:c="http://schemas.openxmlformats.org/drawingml/2006/chart" xmlns:r="http://schemas.openxmlformats.org/officeDocument/2006/relationships" r:id="rId3"/>
-          </a:graphicData>
-        </a:graphic>
-      </p:graphicFrame>
-    </p:spTree>
-  </p:cSld>
-  <p:clrMapOvr>
-    <a:masterClrMapping/>
-  </p:clrMapOvr>
-  <p:transition>
-    <p:fade/>
-  </p:transition>
-  <p:timing>
-    <p:tnLst>
-      <p:par>
-        <p:cTn id="1" dur="indefinite" restart="never" nodeType="tmRoot"/>
-      </p:par>
-    </p:tnLst>
-  </p:timing>
-</p:sld>
-</file>
-
-<file path=ppt/slides/slide23.xml><?xml version="1.0" encoding="utf-8"?>
-<p:sld xmlns:a="http://schemas.openxmlformats.org/drawingml/2006/main" xmlns:r="http://schemas.openxmlformats.org/officeDocument/2006/relationships" xmlns:p="http://schemas.openxmlformats.org/presentationml/2006/main">
-  <p:cSld>
-    <p:spTree>
-      <p:nvGrpSpPr>
-        <p:cNvPr id="1" name=""/>
-        <p:cNvGrpSpPr/>
-        <p:nvPr/>
-      </p:nvGrpSpPr>
-      <p:grpSpPr>
-        <a:xfrm>
-          <a:off x="0" y="0"/>
-          <a:ext cx="0" cy="0"/>
-          <a:chOff x="0" y="0"/>
-          <a:chExt cx="0" cy="0"/>
-        </a:xfrm>
-      </p:grpSpPr>
-      <p:sp>
-        <p:nvSpPr>
-          <p:cNvPr id="2" name="Title 1"/>
-          <p:cNvSpPr>
-            <a:spLocks noGrp="1"/>
-          </p:cNvSpPr>
-          <p:nvPr>
-            <p:ph type="title"/>
-          </p:nvPr>
-        </p:nvSpPr>
-        <p:spPr/>
-        <p:txBody>
-          <a:bodyPr/>
-          <a:lstStyle/>
-          <a:p>
-            <a:r>
-              <a:rPr smtClean="0"/>
-              <a:t>Area Chart Example</a:t>
-            </a:r>
-            <a:endParaRPr lang="en-US" dirty="0"/>
-          </a:p>
-        </p:txBody>
-      </p:sp>
-      <p:graphicFrame>
-        <p:nvGraphicFramePr>
-          <p:cNvPr id="3" name="Chart 2"/>
-          <p:cNvGraphicFramePr/>
-          <p:nvPr/>
-        </p:nvGraphicFramePr>
-        <p:xfrm>
-          <a:off x="508000" y="1087438"/>
-          <a:ext cx="7826375" cy="5341938"/>
-        </p:xfrm>
-        <a:graphic>
-          <a:graphicData uri="http://schemas.openxmlformats.org/drawingml/2006/chart">
-            <c:chart xmlns:c="http://schemas.openxmlformats.org/drawingml/2006/chart" xmlns:r="http://schemas.openxmlformats.org/officeDocument/2006/relationships" r:id="rId3"/>
-          </a:graphicData>
-        </a:graphic>
-      </p:graphicFrame>
-    </p:spTree>
-  </p:cSld>
-  <p:clrMapOvr>
-    <a:masterClrMapping/>
-  </p:clrMapOvr>
-  <p:transition>
-    <p:fade/>
-  </p:transition>
-  <p:timing>
-    <p:tnLst>
-      <p:par>
-        <p:cTn id="1" dur="indefinite" restart="never" nodeType="tmRoot"/>
-      </p:par>
-    </p:tnLst>
-  </p:timing>
-</p:sld>
-</file>
-
-<file path=ppt/slides/slide24.xml><?xml version="1.0" encoding="utf-8"?>
-<p:sld xmlns:a="http://schemas.openxmlformats.org/drawingml/2006/main" xmlns:r="http://schemas.openxmlformats.org/officeDocument/2006/relationships" xmlns:p="http://schemas.openxmlformats.org/presentationml/2006/main">
-  <p:cSld>
-    <p:spTree>
-      <p:nvGrpSpPr>
-        <p:cNvPr id="1" name=""/>
-        <p:cNvGrpSpPr/>
-        <p:nvPr/>
-      </p:nvGrpSpPr>
-      <p:grpSpPr>
-        <a:xfrm>
-          <a:off x="0" y="0"/>
-          <a:ext cx="0" cy="0"/>
-          <a:chOff x="0" y="0"/>
-          <a:chExt cx="0" cy="0"/>
-        </a:xfrm>
-      </p:grpSpPr>
-      <p:sp>
-        <p:nvSpPr>
-          <p:cNvPr id="2" name="Title 1"/>
-          <p:cNvSpPr>
-            <a:spLocks noGrp="1"/>
-          </p:cNvSpPr>
-          <p:nvPr>
-            <p:ph type="ctrTitle"/>
-          </p:nvPr>
-        </p:nvSpPr>
-        <p:spPr/>
-        <p:txBody>
-          <a:bodyPr/>
-          <a:lstStyle/>
-          <a:p>
-            <a:r>
-              <a:rPr lang="en-US" dirty="0" smtClean="0"/>
-              <a:t>Demo Title</a:t>
-            </a:r>
-            <a:endParaRPr lang="en-US" dirty="0"/>
-          </a:p>
-        </p:txBody>
-      </p:sp>
-      <p:sp>
-        <p:nvSpPr>
-          <p:cNvPr id="3" name="Subtitle 2"/>
-          <p:cNvSpPr>
-            <a:spLocks noGrp="1"/>
-          </p:cNvSpPr>
-          <p:nvPr>
-            <p:ph type="subTitle" idx="1"/>
-          </p:nvPr>
-        </p:nvSpPr>
-        <p:spPr>
-          <a:xfrm>
-            <a:off x="381000" y="3048000"/>
-            <a:ext cx="7043208" cy="1371600"/>
-          </a:xfrm>
-        </p:spPr>
-        <p:txBody>
-          <a:bodyPr/>
-          <a:lstStyle/>
-          <a:p>
-            <a:r>
-              <a:rPr lang="en-US" dirty="0" smtClean="0"/>
-              <a:t>Name</a:t>
-            </a:r>
-          </a:p>
-          <a:p>
-            <a:r>
-              <a:rPr lang="en-US" dirty="0" smtClean="0"/>
-              <a:t>Title</a:t>
-            </a:r>
-          </a:p>
-          <a:p>
-            <a:r>
-              <a:rPr lang="en-US" dirty="0" smtClean="0"/>
-              <a:t>Group</a:t>
-            </a:r>
-            <a:endParaRPr lang="en-US" dirty="0"/>
-          </a:p>
-        </p:txBody>
-      </p:sp>
-      <p:sp>
-        <p:nvSpPr>
-          <p:cNvPr id="4" name="Text Placeholder 3"/>
-          <p:cNvSpPr>
-            <a:spLocks noGrp="1"/>
-          </p:cNvSpPr>
-          <p:nvPr>
-            <p:ph type="body" sz="quarter" idx="4294967295"/>
-          </p:nvPr>
-        </p:nvSpPr>
-        <p:spPr>
-          <a:xfrm>
-            <a:off x="1454150" y="4572000"/>
-            <a:ext cx="7689850" cy="1066800"/>
-          </a:xfrm>
-        </p:spPr>
-        <p:txBody>
-          <a:bodyPr/>
-          <a:lstStyle/>
-          <a:p>
-            <a:r>
-              <a:rPr lang="en-US" smtClean="0"/>
-              <a:t>demo </a:t>
-            </a:r>
-            <a:endParaRPr lang="en-US" dirty="0"/>
-          </a:p>
-        </p:txBody>
-      </p:sp>
-    </p:spTree>
-  </p:cSld>
-  <p:clrMapOvr>
-    <a:masterClrMapping/>
-  </p:clrMapOvr>
-  <p:transition>
-    <p:fade/>
-  </p:transition>
-  <p:timing>
-    <p:tnLst>
-      <p:par>
-        <p:cTn id="1" dur="indefinite" restart="never" nodeType="tmRoot"/>
-      </p:par>
-    </p:tnLst>
-  </p:timing>
-</p:sld>
-</file>
-
-<file path=ppt/slides/slide25.xml><?xml version="1.0" encoding="utf-8"?>
-<p:sld xmlns:a="http://schemas.openxmlformats.org/drawingml/2006/main" xmlns:r="http://schemas.openxmlformats.org/officeDocument/2006/relationships" xmlns:p="http://schemas.openxmlformats.org/presentationml/2006/main">
-  <p:cSld>
-    <p:spTree>
-      <p:nvGrpSpPr>
-        <p:cNvPr id="1" name=""/>
-        <p:cNvGrpSpPr/>
-        <p:nvPr/>
-      </p:nvGrpSpPr>
-      <p:grpSpPr>
-        <a:xfrm>
-          <a:off x="0" y="0"/>
-          <a:ext cx="0" cy="0"/>
-          <a:chOff x="0" y="0"/>
-          <a:chExt cx="0" cy="0"/>
-        </a:xfrm>
-      </p:grpSpPr>
-      <p:sp>
-        <p:nvSpPr>
-          <p:cNvPr id="2" name="Title 1"/>
-          <p:cNvSpPr>
-            <a:spLocks noGrp="1"/>
-          </p:cNvSpPr>
-          <p:nvPr>
-            <p:ph type="ctrTitle"/>
-          </p:nvPr>
-        </p:nvSpPr>
-        <p:spPr/>
-        <p:txBody>
-          <a:bodyPr/>
-          <a:lstStyle/>
-          <a:p>
-            <a:r>
-              <a:rPr smtClean="0"/>
-              <a:t>Video Title</a:t>
-            </a:r>
-            <a:endParaRPr lang="en-US" dirty="0"/>
-          </a:p>
-        </p:txBody>
-      </p:sp>
-      <p:sp>
-        <p:nvSpPr>
-          <p:cNvPr id="4" name="Text Placeholder 3"/>
-          <p:cNvSpPr>
-            <a:spLocks noGrp="1"/>
-          </p:cNvSpPr>
-          <p:nvPr>
-            <p:ph type="subTitle" idx="1"/>
-          </p:nvPr>
-        </p:nvSpPr>
-        <p:spPr>
-          <a:xfrm>
-            <a:off x="1072886" y="4572000"/>
-            <a:ext cx="7690114" cy="1066800"/>
-          </a:xfrm>
-        </p:spPr>
-        <p:txBody>
-          <a:bodyPr/>
-          <a:lstStyle/>
-          <a:p>
-            <a:r>
-              <a:rPr smtClean="0"/>
-              <a:t>video</a:t>
-            </a:r>
-            <a:endParaRPr lang="en-US" dirty="0"/>
-          </a:p>
-        </p:txBody>
-      </p:sp>
-    </p:spTree>
-  </p:cSld>
-  <p:clrMapOvr>
-    <a:masterClrMapping/>
-  </p:clrMapOvr>
-  <p:transition>
-    <p:fade/>
-  </p:transition>
-  <p:timing>
-    <p:tnLst>
-      <p:par>
-        <p:cTn id="1" dur="indefinite" restart="never" nodeType="tmRoot"/>
-      </p:par>
-    </p:tnLst>
-  </p:timing>
-</p:sld>
-</file>
-
-<file path=ppt/slides/slide26.xml><?xml version="1.0" encoding="utf-8"?>
-<p:sld xmlns:a="http://schemas.openxmlformats.org/drawingml/2006/main" xmlns:r="http://schemas.openxmlformats.org/officeDocument/2006/relationships" xmlns:p="http://schemas.openxmlformats.org/presentationml/2006/main">
-  <p:cSld>
-    <p:spTree>
-      <p:nvGrpSpPr>
-        <p:cNvPr id="1" name=""/>
-        <p:cNvGrpSpPr/>
-        <p:nvPr/>
-      </p:nvGrpSpPr>
-      <p:grpSpPr>
-        <a:xfrm>
-          <a:off x="0" y="0"/>
-          <a:ext cx="0" cy="0"/>
-          <a:chOff x="0" y="0"/>
-          <a:chExt cx="0" cy="0"/>
-        </a:xfrm>
-      </p:grpSpPr>
-      <p:sp>
-        <p:nvSpPr>
-          <p:cNvPr id="2" name="Title 1"/>
-          <p:cNvSpPr>
-            <a:spLocks noGrp="1"/>
-          </p:cNvSpPr>
-          <p:nvPr>
-            <p:ph type="ctrTitle"/>
-          </p:nvPr>
-        </p:nvSpPr>
-        <p:spPr/>
-        <p:txBody>
-          <a:bodyPr/>
-          <a:lstStyle/>
-          <a:p>
-            <a:r>
-              <a:rPr smtClean="0"/>
-              <a:t>Partner Title</a:t>
-            </a:r>
-            <a:endParaRPr lang="en-US" dirty="0"/>
-          </a:p>
-        </p:txBody>
-      </p:sp>
-      <p:sp>
-        <p:nvSpPr>
-          <p:cNvPr id="3" name="Subtitle 2"/>
-          <p:cNvSpPr>
-            <a:spLocks noGrp="1"/>
-          </p:cNvSpPr>
-          <p:nvPr>
-            <p:ph type="subTitle" idx="1"/>
-          </p:nvPr>
-        </p:nvSpPr>
-        <p:spPr>
-          <a:xfrm>
-            <a:off x="381000" y="3048000"/>
-            <a:ext cx="7043208" cy="1447800"/>
-          </a:xfrm>
-        </p:spPr>
-        <p:txBody>
-          <a:bodyPr/>
-          <a:lstStyle/>
-          <a:p>
-            <a:r>
-              <a:rPr lang="en-US" dirty="0" smtClean="0"/>
-              <a:t>Name</a:t>
-            </a:r>
-          </a:p>
-          <a:p>
-            <a:r>
-              <a:rPr lang="en-US" dirty="0" smtClean="0"/>
-              <a:t>Title</a:t>
-            </a:r>
-          </a:p>
-          <a:p>
-            <a:r>
-              <a:rPr lang="en-US" dirty="0" smtClean="0"/>
-              <a:t>Company</a:t>
-            </a:r>
-            <a:endParaRPr lang="en-US" dirty="0"/>
-          </a:p>
-        </p:txBody>
-      </p:sp>
-      <p:sp>
-        <p:nvSpPr>
-          <p:cNvPr id="4" name="Text Placeholder 3"/>
-          <p:cNvSpPr>
-            <a:spLocks noGrp="1"/>
-          </p:cNvSpPr>
-          <p:nvPr>
-            <p:ph type="body" sz="quarter" idx="4294967295"/>
-          </p:nvPr>
-        </p:nvSpPr>
-        <p:spPr>
-          <a:xfrm>
-            <a:off x="1454150" y="4572000"/>
-            <a:ext cx="7689850" cy="1066800"/>
-          </a:xfrm>
-        </p:spPr>
-        <p:txBody>
-          <a:bodyPr/>
-          <a:lstStyle/>
-          <a:p>
-            <a:r>
-              <a:rPr lang="en-US" dirty="0" smtClean="0"/>
-              <a:t>p</a:t>
-            </a:r>
-            <a:r>
-              <a:rPr smtClean="0"/>
-              <a:t>a</a:t>
-            </a:r>
-            <a:r>
-              <a:rPr spc="-333"/>
-              <a:t>r</a:t>
-            </a:r>
-            <a:r>
-              <a:rPr smtClean="0"/>
-              <a:t>tner </a:t>
-            </a:r>
-            <a:endParaRPr lang="en-US" dirty="0"/>
-          </a:p>
-        </p:txBody>
-      </p:sp>
-    </p:spTree>
-  </p:cSld>
-  <p:clrMapOvr>
-    <a:masterClrMapping/>
-  </p:clrMapOvr>
-  <p:transition>
-    <p:fade/>
-  </p:transition>
-  <p:timing>
-    <p:tnLst>
-      <p:par>
-        <p:cTn id="1" dur="indefinite" restart="never" nodeType="tmRoot"/>
-      </p:par>
-    </p:tnLst>
-  </p:timing>
-</p:sld>
-</file>
-
-<file path=ppt/slides/slide27.xml><?xml version="1.0" encoding="utf-8"?>
-<p:sld xmlns:a="http://schemas.openxmlformats.org/drawingml/2006/main" xmlns:r="http://schemas.openxmlformats.org/officeDocument/2006/relationships" xmlns:p="http://schemas.openxmlformats.org/presentationml/2006/main">
-  <p:cSld>
-    <p:spTree>
-      <p:nvGrpSpPr>
-        <p:cNvPr id="1" name=""/>
-        <p:cNvGrpSpPr/>
-        <p:nvPr/>
-      </p:nvGrpSpPr>
-      <p:grpSpPr>
-        <a:xfrm>
-          <a:off x="0" y="0"/>
-          <a:ext cx="0" cy="0"/>
-          <a:chOff x="0" y="0"/>
-          <a:chExt cx="0" cy="0"/>
-        </a:xfrm>
-      </p:grpSpPr>
-      <p:sp>
-        <p:nvSpPr>
-          <p:cNvPr id="2" name="Title 1"/>
-          <p:cNvSpPr>
-            <a:spLocks noGrp="1"/>
-          </p:cNvSpPr>
-          <p:nvPr>
-            <p:ph type="ctrTitle"/>
-          </p:nvPr>
-        </p:nvSpPr>
-        <p:spPr/>
-        <p:txBody>
-          <a:bodyPr/>
-          <a:lstStyle/>
-          <a:p>
-            <a:r>
-              <a:rPr smtClean="0"/>
-              <a:t>Customer Title</a:t>
-            </a:r>
-            <a:endParaRPr lang="en-US" dirty="0"/>
-          </a:p>
-        </p:txBody>
-      </p:sp>
-      <p:sp>
-        <p:nvSpPr>
-          <p:cNvPr id="3" name="Subtitle 2"/>
-          <p:cNvSpPr>
-            <a:spLocks noGrp="1"/>
-          </p:cNvSpPr>
-          <p:nvPr>
-            <p:ph type="subTitle" idx="1"/>
-          </p:nvPr>
-        </p:nvSpPr>
-        <p:spPr>
-          <a:xfrm>
-            <a:off x="381000" y="3048000"/>
-            <a:ext cx="7043208" cy="1371600"/>
-          </a:xfrm>
-        </p:spPr>
-        <p:txBody>
-          <a:bodyPr/>
-          <a:lstStyle/>
-          <a:p>
-            <a:r>
-              <a:rPr lang="en-US" dirty="0" smtClean="0"/>
-              <a:t>Name</a:t>
-            </a:r>
-          </a:p>
-          <a:p>
-            <a:r>
-              <a:rPr lang="en-US" dirty="0" smtClean="0"/>
-              <a:t>Title</a:t>
-            </a:r>
-          </a:p>
-          <a:p>
-            <a:r>
-              <a:rPr lang="en-US" dirty="0" smtClean="0"/>
-              <a:t>Company</a:t>
-            </a:r>
-            <a:endParaRPr lang="en-US" dirty="0"/>
-          </a:p>
-        </p:txBody>
-      </p:sp>
-      <p:sp>
-        <p:nvSpPr>
-          <p:cNvPr id="4" name="Text Placeholder 3"/>
-          <p:cNvSpPr>
-            <a:spLocks noGrp="1"/>
-          </p:cNvSpPr>
-          <p:nvPr>
-            <p:ph type="body" sz="quarter" idx="4294967295"/>
-          </p:nvPr>
-        </p:nvSpPr>
-        <p:spPr>
-          <a:xfrm>
-            <a:off x="1454150" y="4572000"/>
-            <a:ext cx="7689850" cy="1066800"/>
-          </a:xfrm>
-        </p:spPr>
-        <p:txBody>
-          <a:bodyPr/>
-          <a:lstStyle/>
-          <a:p>
-            <a:r>
-              <a:rPr smtClean="0"/>
-              <a:t>customer</a:t>
-            </a:r>
-            <a:endParaRPr lang="en-US" dirty="0"/>
-          </a:p>
-        </p:txBody>
-      </p:sp>
-    </p:spTree>
-  </p:cSld>
-  <p:clrMapOvr>
-    <a:masterClrMapping/>
-  </p:clrMapOvr>
-  <p:transition>
-    <p:fade/>
-  </p:transition>
-  <p:timing>
-    <p:tnLst>
-      <p:par>
-        <p:cTn id="1" dur="indefinite" restart="never" nodeType="tmRoot"/>
-      </p:par>
-    </p:tnLst>
-  </p:timing>
-</p:sld>
-</file>
-
-<file path=ppt/slides/slide28.xml><?xml version="1.0" encoding="utf-8"?>
-<p:sld xmlns:a="http://schemas.openxmlformats.org/drawingml/2006/main" xmlns:r="http://schemas.openxmlformats.org/officeDocument/2006/relationships" xmlns:p="http://schemas.openxmlformats.org/presentationml/2006/main">
-  <p:cSld>
-    <p:spTree>
-      <p:nvGrpSpPr>
-        <p:cNvPr id="1" name=""/>
-        <p:cNvGrpSpPr/>
-        <p:nvPr/>
-      </p:nvGrpSpPr>
-      <p:grpSpPr>
-        <a:xfrm>
-          <a:off x="0" y="0"/>
-          <a:ext cx="0" cy="0"/>
-          <a:chOff x="0" y="0"/>
-          <a:chExt cx="0" cy="0"/>
-        </a:xfrm>
-      </p:grpSpPr>
-      <p:sp>
-        <p:nvSpPr>
-          <p:cNvPr id="2" name="Title 1"/>
-          <p:cNvSpPr>
-            <a:spLocks noGrp="1"/>
-          </p:cNvSpPr>
-          <p:nvPr>
-            <p:ph type="ctrTitle"/>
-          </p:nvPr>
-        </p:nvSpPr>
-        <p:spPr/>
-        <p:txBody>
-          <a:bodyPr/>
-          <a:lstStyle/>
-          <a:p>
-            <a:r>
-              <a:rPr smtClean="0"/>
-              <a:t>Announcement Title</a:t>
-            </a:r>
-            <a:endParaRPr lang="en-US" dirty="0"/>
-          </a:p>
-        </p:txBody>
-      </p:sp>
-      <p:sp>
-        <p:nvSpPr>
-          <p:cNvPr id="4" name="Text Placeholder 3"/>
-          <p:cNvSpPr>
-            <a:spLocks noGrp="1"/>
-          </p:cNvSpPr>
-          <p:nvPr>
-            <p:ph type="subTitle" idx="1"/>
-          </p:nvPr>
-        </p:nvSpPr>
-        <p:spPr>
-          <a:xfrm>
-            <a:off x="1072886" y="4572000"/>
-            <a:ext cx="7690114" cy="1066800"/>
-          </a:xfrm>
-        </p:spPr>
-        <p:txBody>
-          <a:bodyPr/>
-          <a:lstStyle/>
-          <a:p>
-            <a:r>
-              <a:rPr smtClean="0"/>
-              <a:t>announcing</a:t>
-            </a:r>
-            <a:endParaRPr lang="en-US" dirty="0"/>
-          </a:p>
-        </p:txBody>
-      </p:sp>
-    </p:spTree>
-  </p:cSld>
-  <p:clrMapOvr>
-    <a:masterClrMapping/>
-  </p:clrMapOvr>
-  <p:transition>
-    <p:fade/>
-  </p:transition>
-  <p:timing>
-    <p:tnLst>
-      <p:par>
-        <p:cTn id="1" dur="indefinite" restart="never" nodeType="tmRoot"/>
-      </p:par>
-    </p:tnLst>
-  </p:timing>
 </p:sld>
 </file>
 
@@ -13991,15 +9026,6 @@
 </file>
 
 <file path=customXml/item1.xml><?xml version="1.0" encoding="utf-8"?>
-<?mso-contentType ?>
-<FormTemplates xmlns="http://schemas.microsoft.com/sharepoint/v3/contenttype/forms">
-  <Display>DocumentLibraryForm</Display>
-  <Edit>DocumentLibraryForm</Edit>
-  <New>DocumentLibraryForm</New>
-</FormTemplates>
-</file>
-
-<file path=customXml/item2.xml><?xml version="1.0" encoding="utf-8"?>
 <ct:contentTypeSchema xmlns:ct="http://schemas.microsoft.com/office/2006/metadata/contentType" xmlns:ma="http://schemas.microsoft.com/office/2006/metadata/properties/metaAttributes" ct:_="" ma:_="" ma:contentTypeName="Document" ma:contentTypeID="0x010100417CBF7B66D9DE4296D8A8E7AB564A85" ma:contentTypeVersion="1" ma:contentTypeDescription="Create a new document." ma:contentTypeScope="" ma:versionID="07e9a1a63f84d6bf7fb9acb3257adb36">
   <xsd:schema xmlns:xsd="http://www.w3.org/2001/XMLSchema" xmlns:xs="http://www.w3.org/2001/XMLSchema" xmlns:p="http://schemas.microsoft.com/office/2006/metadata/properties" xmlns:ns3="18eafb0e-613b-4e59-a9cb-b946d5de8bba" targetNamespace="http://schemas.microsoft.com/office/2006/metadata/properties" ma:root="true" ma:fieldsID="efa9d5e9236c6f6ec136b90172e2037f" ns3:_="">
     <xsd:import namespace="18eafb0e-613b-4e59-a9cb-b946d5de8bba"/>
@@ -14139,6 +9165,15 @@
 </ct:contentTypeSchema>
 </file>
 
+<file path=customXml/item2.xml><?xml version="1.0" encoding="utf-8"?>
+<?mso-contentType ?>
+<FormTemplates xmlns="http://schemas.microsoft.com/sharepoint/v3/contenttype/forms">
+  <Display>DocumentLibraryForm</Display>
+  <Edit>DocumentLibraryForm</Edit>
+  <New>DocumentLibraryForm</New>
+</FormTemplates>
+</file>
+
 <file path=customXml/item3.xml><?xml version="1.0" encoding="utf-8"?>
 <p:properties xmlns:p="http://schemas.microsoft.com/office/2006/metadata/properties" xmlns:xsi="http://www.w3.org/2001/XMLSchema-instance" xmlns:pc="http://schemas.microsoft.com/office/infopath/2007/PartnerControls">
   <documentManagement/>
@@ -14146,14 +9181,6 @@
 </file>
 
 <file path=customXml/itemProps1.xml><?xml version="1.0" encoding="utf-8"?>
-<ds:datastoreItem xmlns:ds="http://schemas.openxmlformats.org/officeDocument/2006/customXml" ds:itemID="{98E9E10B-C666-4F77-8700-655A89FCFAF3}">
-  <ds:schemaRefs>
-    <ds:schemaRef ds:uri="http://schemas.microsoft.com/sharepoint/v3/contenttype/forms"/>
-  </ds:schemaRefs>
-</ds:datastoreItem>
-</file>
-
-<file path=customXml/itemProps2.xml><?xml version="1.0" encoding="utf-8"?>
 <ds:datastoreItem xmlns:ds="http://schemas.openxmlformats.org/officeDocument/2006/customXml" ds:itemID="{2169AC60-46C8-4518-9793-F99E4763CBD8}">
   <ds:schemaRefs>
     <ds:schemaRef ds:uri="http://schemas.microsoft.com/office/2006/metadata/contentType"/>
@@ -14167,6 +9194,14 @@
     <ds:schemaRef ds:uri="http://purl.org/dc/elements/1.1/"/>
     <ds:schemaRef ds:uri="http://purl.org/dc/terms/"/>
     <ds:schemaRef ds:uri="http://schemas.microsoft.com/internal/obd"/>
+  </ds:schemaRefs>
+</ds:datastoreItem>
+</file>
+
+<file path=customXml/itemProps2.xml><?xml version="1.0" encoding="utf-8"?>
+<ds:datastoreItem xmlns:ds="http://schemas.openxmlformats.org/officeDocument/2006/customXml" ds:itemID="{98E9E10B-C666-4F77-8700-655A89FCFAF3}">
+  <ds:schemaRefs>
+    <ds:schemaRef ds:uri="http://schemas.microsoft.com/sharepoint/v3/contenttype/forms"/>
   </ds:schemaRefs>
 </ds:datastoreItem>
 </file>

--- a/The Universe is Mine!.pptx
+++ b/The Universe is Mine!.pptx
@@ -6,7 +6,7 @@
     <p:sldMasterId id="2147483673" r:id="rId5"/>
   </p:sldMasterIdLst>
   <p:notesMasterIdLst>
-    <p:notesMasterId r:id="rId24"/>
+    <p:notesMasterId r:id="rId25"/>
   </p:notesMasterIdLst>
   <p:sldIdLst>
     <p:sldId id="257" r:id="rId6"/>
@@ -24,9 +24,10 @@
     <p:sldId id="285" r:id="rId18"/>
     <p:sldId id="286" r:id="rId19"/>
     <p:sldId id="287" r:id="rId20"/>
-    <p:sldId id="282" r:id="rId21"/>
-    <p:sldId id="279" r:id="rId22"/>
-    <p:sldId id="280" r:id="rId23"/>
+    <p:sldId id="288" r:id="rId21"/>
+    <p:sldId id="282" r:id="rId22"/>
+    <p:sldId id="279" r:id="rId23"/>
+    <p:sldId id="280" r:id="rId24"/>
   </p:sldIdLst>
   <p:sldSz cx="9144000" cy="6858000" type="screen4x3"/>
   <p:notesSz cx="6858000" cy="9144000"/>
@@ -586,7 +587,7 @@
             <a:fld id="{81331B57-0BE5-4F82-AA58-76F53EFF3ADA}" type="datetime8">
               <a:rPr lang="en-US" smtClean="0"/>
               <a:pPr/>
-              <a:t>11/14/2014 12:35 PM</a:t>
+              <a:t>11/14/2014 4:08 PM</a:t>
             </a:fld>
             <a:endParaRPr lang="en-US" dirty="0"/>
           </a:p>
@@ -5942,7 +5943,6 @@
               <a:rPr lang="en-US" sz="7200" dirty="0"/>
               <a:t>DEMO: Anatomy of Universal App</a:t>
             </a:r>
-            <a:endParaRPr lang="en-US" sz="7200" dirty="0"/>
           </a:p>
         </p:txBody>
       </p:sp>
@@ -6068,7 +6068,6 @@
               <a:rPr lang="en-US" sz="7200" dirty="0"/>
               <a:t>DEMO: Shared Code</a:t>
             </a:r>
-            <a:endParaRPr lang="en-US" sz="7200" dirty="0"/>
           </a:p>
         </p:txBody>
       </p:sp>
@@ -6129,7 +6128,6 @@
               <a:rPr lang="en-US" sz="7200" dirty="0"/>
               <a:t>DEMO: Implementing Portable Class Libraries</a:t>
             </a:r>
-            <a:endParaRPr lang="en-US" sz="7200" dirty="0"/>
           </a:p>
         </p:txBody>
       </p:sp>
@@ -6176,38 +6174,29 @@
             <p:ph type="title"/>
           </p:nvPr>
         </p:nvSpPr>
-        <p:spPr/>
+        <p:spPr>
+          <a:xfrm>
+            <a:off x="381000" y="2895600"/>
+            <a:ext cx="8382000" cy="997196"/>
+          </a:xfrm>
+        </p:spPr>
         <p:txBody>
           <a:bodyPr/>
           <a:lstStyle/>
           <a:p>
-            <a:endParaRPr lang="en-US"/>
-          </a:p>
-        </p:txBody>
-      </p:sp>
-      <p:sp>
-        <p:nvSpPr>
-          <p:cNvPr id="3" name="Content Placeholder 2"/>
-          <p:cNvSpPr>
-            <a:spLocks noGrp="1"/>
-          </p:cNvSpPr>
-          <p:nvPr>
-            <p:ph idx="1"/>
-          </p:nvPr>
-        </p:nvSpPr>
-        <p:spPr/>
-        <p:txBody>
-          <a:bodyPr/>
-          <a:lstStyle/>
-          <a:p>
-            <a:endParaRPr lang="en-US"/>
+            <a:pPr algn="ctr"/>
+            <a:r>
+              <a:rPr lang="en-US" sz="7200" dirty="0" smtClean="0"/>
+              <a:t>Questions?</a:t>
+            </a:r>
+            <a:endParaRPr lang="en-US" sz="7200" dirty="0"/>
           </a:p>
         </p:txBody>
       </p:sp>
     </p:spTree>
     <p:extLst>
       <p:ext uri="{BB962C8B-B14F-4D97-AF65-F5344CB8AC3E}">
-        <p14:creationId xmlns:p14="http://schemas.microsoft.com/office/powerpoint/2010/main" val="2989410102"/>
+        <p14:creationId xmlns:p14="http://schemas.microsoft.com/office/powerpoint/2010/main" val="2562062953"/>
       </p:ext>
     </p:extLst>
   </p:cSld>
@@ -6278,6 +6267,77 @@
     </p:spTree>
     <p:extLst>
       <p:ext uri="{BB962C8B-B14F-4D97-AF65-F5344CB8AC3E}">
+        <p14:creationId xmlns:p14="http://schemas.microsoft.com/office/powerpoint/2010/main" val="2989410102"/>
+      </p:ext>
+    </p:extLst>
+  </p:cSld>
+  <p:clrMapOvr>
+    <a:masterClrMapping/>
+  </p:clrMapOvr>
+  <p:transition>
+    <p:fade/>
+  </p:transition>
+</p:sld>
+</file>
+
+<file path=ppt/slides/slide18.xml><?xml version="1.0" encoding="utf-8"?>
+<p:sld xmlns:a="http://schemas.openxmlformats.org/drawingml/2006/main" xmlns:r="http://schemas.openxmlformats.org/officeDocument/2006/relationships" xmlns:p="http://schemas.openxmlformats.org/presentationml/2006/main">
+  <p:cSld>
+    <p:spTree>
+      <p:nvGrpSpPr>
+        <p:cNvPr id="1" name=""/>
+        <p:cNvGrpSpPr/>
+        <p:nvPr/>
+      </p:nvGrpSpPr>
+      <p:grpSpPr>
+        <a:xfrm>
+          <a:off x="0" y="0"/>
+          <a:ext cx="0" cy="0"/>
+          <a:chOff x="0" y="0"/>
+          <a:chExt cx="0" cy="0"/>
+        </a:xfrm>
+      </p:grpSpPr>
+      <p:sp>
+        <p:nvSpPr>
+          <p:cNvPr id="2" name="Title 1"/>
+          <p:cNvSpPr>
+            <a:spLocks noGrp="1"/>
+          </p:cNvSpPr>
+          <p:nvPr>
+            <p:ph type="title"/>
+          </p:nvPr>
+        </p:nvSpPr>
+        <p:spPr/>
+        <p:txBody>
+          <a:bodyPr/>
+          <a:lstStyle/>
+          <a:p>
+            <a:endParaRPr lang="en-US"/>
+          </a:p>
+        </p:txBody>
+      </p:sp>
+      <p:sp>
+        <p:nvSpPr>
+          <p:cNvPr id="3" name="Content Placeholder 2"/>
+          <p:cNvSpPr>
+            <a:spLocks noGrp="1"/>
+          </p:cNvSpPr>
+          <p:nvPr>
+            <p:ph idx="1"/>
+          </p:nvPr>
+        </p:nvSpPr>
+        <p:spPr/>
+        <p:txBody>
+          <a:bodyPr/>
+          <a:lstStyle/>
+          <a:p>
+            <a:endParaRPr lang="en-US"/>
+          </a:p>
+        </p:txBody>
+      </p:sp>
+    </p:spTree>
+    <p:extLst>
+      <p:ext uri="{BB962C8B-B14F-4D97-AF65-F5344CB8AC3E}">
         <p14:creationId xmlns:p14="http://schemas.microsoft.com/office/powerpoint/2010/main" val="2593128978"/>
       </p:ext>
     </p:extLst>
@@ -6291,7 +6351,7 @@
 </p:sld>
 </file>
 
-<file path=ppt/slides/slide18.xml><?xml version="1.0" encoding="utf-8"?>
+<file path=ppt/slides/slide19.xml><?xml version="1.0" encoding="utf-8"?>
 <p:sld xmlns:a="http://schemas.openxmlformats.org/drawingml/2006/main" xmlns:r="http://schemas.openxmlformats.org/officeDocument/2006/relationships" xmlns:p="http://schemas.openxmlformats.org/presentationml/2006/main">
   <p:cSld>
     <p:spTree>
@@ -9026,6 +9086,15 @@
 </file>
 
 <file path=customXml/item1.xml><?xml version="1.0" encoding="utf-8"?>
+<?mso-contentType ?>
+<FormTemplates xmlns="http://schemas.microsoft.com/sharepoint/v3/contenttype/forms">
+  <Display>DocumentLibraryForm</Display>
+  <Edit>DocumentLibraryForm</Edit>
+  <New>DocumentLibraryForm</New>
+</FormTemplates>
+</file>
+
+<file path=customXml/item2.xml><?xml version="1.0" encoding="utf-8"?>
 <ct:contentTypeSchema xmlns:ct="http://schemas.microsoft.com/office/2006/metadata/contentType" xmlns:ma="http://schemas.microsoft.com/office/2006/metadata/properties/metaAttributes" ct:_="" ma:_="" ma:contentTypeName="Document" ma:contentTypeID="0x010100417CBF7B66D9DE4296D8A8E7AB564A85" ma:contentTypeVersion="1" ma:contentTypeDescription="Create a new document." ma:contentTypeScope="" ma:versionID="07e9a1a63f84d6bf7fb9acb3257adb36">
   <xsd:schema xmlns:xsd="http://www.w3.org/2001/XMLSchema" xmlns:xs="http://www.w3.org/2001/XMLSchema" xmlns:p="http://schemas.microsoft.com/office/2006/metadata/properties" xmlns:ns3="18eafb0e-613b-4e59-a9cb-b946d5de8bba" targetNamespace="http://schemas.microsoft.com/office/2006/metadata/properties" ma:root="true" ma:fieldsID="efa9d5e9236c6f6ec136b90172e2037f" ns3:_="">
     <xsd:import namespace="18eafb0e-613b-4e59-a9cb-b946d5de8bba"/>
@@ -9165,15 +9234,6 @@
 </ct:contentTypeSchema>
 </file>
 
-<file path=customXml/item2.xml><?xml version="1.0" encoding="utf-8"?>
-<?mso-contentType ?>
-<FormTemplates xmlns="http://schemas.microsoft.com/sharepoint/v3/contenttype/forms">
-  <Display>DocumentLibraryForm</Display>
-  <Edit>DocumentLibraryForm</Edit>
-  <New>DocumentLibraryForm</New>
-</FormTemplates>
-</file>
-
 <file path=customXml/item3.xml><?xml version="1.0" encoding="utf-8"?>
 <p:properties xmlns:p="http://schemas.microsoft.com/office/2006/metadata/properties" xmlns:xsi="http://www.w3.org/2001/XMLSchema-instance" xmlns:pc="http://schemas.microsoft.com/office/infopath/2007/PartnerControls">
   <documentManagement/>
@@ -9181,6 +9241,14 @@
 </file>
 
 <file path=customXml/itemProps1.xml><?xml version="1.0" encoding="utf-8"?>
+<ds:datastoreItem xmlns:ds="http://schemas.openxmlformats.org/officeDocument/2006/customXml" ds:itemID="{98E9E10B-C666-4F77-8700-655A89FCFAF3}">
+  <ds:schemaRefs>
+    <ds:schemaRef ds:uri="http://schemas.microsoft.com/sharepoint/v3/contenttype/forms"/>
+  </ds:schemaRefs>
+</ds:datastoreItem>
+</file>
+
+<file path=customXml/itemProps2.xml><?xml version="1.0" encoding="utf-8"?>
 <ds:datastoreItem xmlns:ds="http://schemas.openxmlformats.org/officeDocument/2006/customXml" ds:itemID="{2169AC60-46C8-4518-9793-F99E4763CBD8}">
   <ds:schemaRefs>
     <ds:schemaRef ds:uri="http://schemas.microsoft.com/office/2006/metadata/contentType"/>
@@ -9194,14 +9262,6 @@
     <ds:schemaRef ds:uri="http://purl.org/dc/elements/1.1/"/>
     <ds:schemaRef ds:uri="http://purl.org/dc/terms/"/>
     <ds:schemaRef ds:uri="http://schemas.microsoft.com/internal/obd"/>
-  </ds:schemaRefs>
-</ds:datastoreItem>
-</file>
-
-<file path=customXml/itemProps2.xml><?xml version="1.0" encoding="utf-8"?>
-<ds:datastoreItem xmlns:ds="http://schemas.openxmlformats.org/officeDocument/2006/customXml" ds:itemID="{98E9E10B-C666-4F77-8700-655A89FCFAF3}">
-  <ds:schemaRefs>
-    <ds:schemaRef ds:uri="http://schemas.microsoft.com/sharepoint/v3/contenttype/forms"/>
   </ds:schemaRefs>
 </ds:datastoreItem>
 </file>

--- a/The Universe is Mine!.pptx
+++ b/The Universe is Mine!.pptx
@@ -6,28 +6,32 @@
     <p:sldMasterId id="2147483673" r:id="rId5"/>
   </p:sldMasterIdLst>
   <p:notesMasterIdLst>
-    <p:notesMasterId r:id="rId25"/>
+    <p:notesMasterId r:id="rId29"/>
   </p:notesMasterIdLst>
   <p:sldIdLst>
     <p:sldId id="257" r:id="rId6"/>
-    <p:sldId id="271" r:id="rId7"/>
-    <p:sldId id="269" r:id="rId8"/>
-    <p:sldId id="272" r:id="rId9"/>
-    <p:sldId id="270" r:id="rId10"/>
-    <p:sldId id="276" r:id="rId11"/>
-    <p:sldId id="277" r:id="rId12"/>
-    <p:sldId id="273" r:id="rId13"/>
-    <p:sldId id="284" r:id="rId14"/>
-    <p:sldId id="274" r:id="rId15"/>
-    <p:sldId id="275" r:id="rId16"/>
-    <p:sldId id="278" r:id="rId17"/>
-    <p:sldId id="285" r:id="rId18"/>
-    <p:sldId id="286" r:id="rId19"/>
-    <p:sldId id="287" r:id="rId20"/>
-    <p:sldId id="288" r:id="rId21"/>
-    <p:sldId id="282" r:id="rId22"/>
-    <p:sldId id="279" r:id="rId23"/>
-    <p:sldId id="280" r:id="rId24"/>
+    <p:sldId id="269" r:id="rId7"/>
+    <p:sldId id="271" r:id="rId8"/>
+    <p:sldId id="289" r:id="rId9"/>
+    <p:sldId id="272" r:id="rId10"/>
+    <p:sldId id="270" r:id="rId11"/>
+    <p:sldId id="290" r:id="rId12"/>
+    <p:sldId id="276" r:id="rId13"/>
+    <p:sldId id="277" r:id="rId14"/>
+    <p:sldId id="291" r:id="rId15"/>
+    <p:sldId id="273" r:id="rId16"/>
+    <p:sldId id="284" r:id="rId17"/>
+    <p:sldId id="292" r:id="rId18"/>
+    <p:sldId id="274" r:id="rId19"/>
+    <p:sldId id="278" r:id="rId20"/>
+    <p:sldId id="275" r:id="rId21"/>
+    <p:sldId id="285" r:id="rId22"/>
+    <p:sldId id="286" r:id="rId23"/>
+    <p:sldId id="287" r:id="rId24"/>
+    <p:sldId id="288" r:id="rId25"/>
+    <p:sldId id="282" r:id="rId26"/>
+    <p:sldId id="279" r:id="rId27"/>
+    <p:sldId id="280" r:id="rId28"/>
   </p:sldIdLst>
   <p:sldSz cx="9144000" cy="6858000" type="screen4x3"/>
   <p:notesSz cx="6858000" cy="9144000"/>
@@ -230,7 +234,7 @@
           <a:p>
             <a:fld id="{CF3F5894-05B6-43ED-843F-1D2686926947}" type="datetimeFigureOut">
               <a:rPr lang="en-US" smtClean="0"/>
-              <a:t>11/14/2014</a:t>
+              <a:t>11/15/2014</a:t>
             </a:fld>
             <a:endParaRPr lang="en-US"/>
           </a:p>
@@ -587,7 +591,7 @@
             <a:fld id="{81331B57-0BE5-4F82-AA58-76F53EFF3ADA}" type="datetime8">
               <a:rPr lang="en-US" smtClean="0"/>
               <a:pPr/>
-              <a:t>11/14/2014 4:08 PM</a:t>
+              <a:t>11/15/2014 2:15 PM</a:t>
             </a:fld>
             <a:endParaRPr lang="en-US" dirty="0"/>
           </a:p>
@@ -685,6 +689,290 @@
     <p:extLst>
       <p:ext uri="{BB962C8B-B14F-4D97-AF65-F5344CB8AC3E}">
         <p14:creationId xmlns:p14="http://schemas.microsoft.com/office/powerpoint/2010/main" val="4158425499"/>
+      </p:ext>
+    </p:extLst>
+  </p:cSld>
+  <p:clrMapOvr>
+    <a:masterClrMapping/>
+  </p:clrMapOvr>
+</p:notes>
+</file>
+
+<file path=ppt/notesSlides/notesSlide10.xml><?xml version="1.0" encoding="utf-8"?>
+<p:notes xmlns:a="http://schemas.openxmlformats.org/drawingml/2006/main" xmlns:r="http://schemas.openxmlformats.org/officeDocument/2006/relationships" xmlns:p="http://schemas.openxmlformats.org/presentationml/2006/main">
+  <p:cSld>
+    <p:spTree>
+      <p:nvGrpSpPr>
+        <p:cNvPr id="1" name=""/>
+        <p:cNvGrpSpPr/>
+        <p:nvPr/>
+      </p:nvGrpSpPr>
+      <p:grpSpPr>
+        <a:xfrm>
+          <a:off x="0" y="0"/>
+          <a:ext cx="0" cy="0"/>
+          <a:chOff x="0" y="0"/>
+          <a:chExt cx="0" cy="0"/>
+        </a:xfrm>
+      </p:grpSpPr>
+      <p:sp>
+        <p:nvSpPr>
+          <p:cNvPr id="2" name="Slide Image Placeholder 1"/>
+          <p:cNvSpPr>
+            <a:spLocks noGrp="1" noRot="1" noChangeAspect="1"/>
+          </p:cNvSpPr>
+          <p:nvPr>
+            <p:ph type="sldImg"/>
+          </p:nvPr>
+        </p:nvSpPr>
+        <p:spPr/>
+      </p:sp>
+      <p:sp>
+        <p:nvSpPr>
+          <p:cNvPr id="3" name="Notes Placeholder 2"/>
+          <p:cNvSpPr>
+            <a:spLocks noGrp="1"/>
+          </p:cNvSpPr>
+          <p:nvPr>
+            <p:ph type="body" idx="1"/>
+          </p:nvPr>
+        </p:nvSpPr>
+        <p:spPr/>
+        <p:txBody>
+          <a:bodyPr/>
+          <a:lstStyle/>
+          <a:p>
+            <a:endParaRPr lang="en-US" dirty="0"/>
+          </a:p>
+        </p:txBody>
+      </p:sp>
+      <p:sp>
+        <p:nvSpPr>
+          <p:cNvPr id="4" name="Slide Number Placeholder 3"/>
+          <p:cNvSpPr>
+            <a:spLocks noGrp="1"/>
+          </p:cNvSpPr>
+          <p:nvPr>
+            <p:ph type="sldNum" sz="quarter" idx="10"/>
+          </p:nvPr>
+        </p:nvSpPr>
+        <p:spPr/>
+        <p:txBody>
+          <a:bodyPr/>
+          <a:lstStyle/>
+          <a:p>
+            <a:fld id="{39971C29-32B3-41A5-A545-371B4BCC4C0E}" type="slidenum">
+              <a:rPr lang="en-US" smtClean="0"/>
+              <a:t>10</a:t>
+            </a:fld>
+            <a:endParaRPr lang="en-US"/>
+          </a:p>
+        </p:txBody>
+      </p:sp>
+    </p:spTree>
+    <p:extLst>
+      <p:ext uri="{BB962C8B-B14F-4D97-AF65-F5344CB8AC3E}">
+        <p14:creationId xmlns:p14="http://schemas.microsoft.com/office/powerpoint/2010/main" val="596300773"/>
+      </p:ext>
+    </p:extLst>
+  </p:cSld>
+  <p:clrMapOvr>
+    <a:masterClrMapping/>
+  </p:clrMapOvr>
+</p:notes>
+</file>
+
+<file path=ppt/notesSlides/notesSlide11.xml><?xml version="1.0" encoding="utf-8"?>
+<p:notes xmlns:a="http://schemas.openxmlformats.org/drawingml/2006/main" xmlns:r="http://schemas.openxmlformats.org/officeDocument/2006/relationships" xmlns:p="http://schemas.openxmlformats.org/presentationml/2006/main">
+  <p:cSld>
+    <p:spTree>
+      <p:nvGrpSpPr>
+        <p:cNvPr id="1" name=""/>
+        <p:cNvGrpSpPr/>
+        <p:nvPr/>
+      </p:nvGrpSpPr>
+      <p:grpSpPr>
+        <a:xfrm>
+          <a:off x="0" y="0"/>
+          <a:ext cx="0" cy="0"/>
+          <a:chOff x="0" y="0"/>
+          <a:chExt cx="0" cy="0"/>
+        </a:xfrm>
+      </p:grpSpPr>
+      <p:sp>
+        <p:nvSpPr>
+          <p:cNvPr id="2" name="Slide Image Placeholder 1"/>
+          <p:cNvSpPr>
+            <a:spLocks noGrp="1" noRot="1" noChangeAspect="1"/>
+          </p:cNvSpPr>
+          <p:nvPr>
+            <p:ph type="sldImg"/>
+          </p:nvPr>
+        </p:nvSpPr>
+        <p:spPr/>
+      </p:sp>
+      <p:sp>
+        <p:nvSpPr>
+          <p:cNvPr id="3" name="Notes Placeholder 2"/>
+          <p:cNvSpPr>
+            <a:spLocks noGrp="1"/>
+          </p:cNvSpPr>
+          <p:nvPr>
+            <p:ph type="body" idx="1"/>
+          </p:nvPr>
+        </p:nvSpPr>
+        <p:spPr/>
+        <p:txBody>
+          <a:bodyPr/>
+          <a:lstStyle/>
+          <a:p>
+            <a:pPr marL="0" marR="0" indent="0" algn="l" defTabSz="914400" rtl="0" eaLnBrk="1" fontAlgn="auto" latinLnBrk="0" hangingPunct="1">
+              <a:lnSpc>
+                <a:spcPct val="100000"/>
+              </a:lnSpc>
+              <a:spcBef>
+                <a:spcPts val="0"/>
+              </a:spcBef>
+              <a:spcAft>
+                <a:spcPts val="0"/>
+              </a:spcAft>
+              <a:buClrTx/>
+              <a:buSzTx/>
+              <a:buFontTx/>
+              <a:buNone/>
+              <a:tabLst/>
+              <a:defRPr/>
+            </a:pPr>
+            <a:r>
+              <a:rPr lang="en-US" dirty="0" err="1" smtClean="0"/>
+              <a:t>MvvmCross</a:t>
+            </a:r>
+            <a:r>
+              <a:rPr lang="en-US" baseline="0" dirty="0" smtClean="0"/>
+              <a:t> supports </a:t>
+            </a:r>
+            <a:r>
+              <a:rPr lang="en-US" dirty="0" err="1" smtClean="0"/>
+              <a:t>Xamarin</a:t>
+            </a:r>
+            <a:endParaRPr lang="en-US" dirty="0" smtClean="0"/>
+          </a:p>
+          <a:p>
+            <a:endParaRPr lang="en-US" dirty="0"/>
+          </a:p>
+        </p:txBody>
+      </p:sp>
+      <p:sp>
+        <p:nvSpPr>
+          <p:cNvPr id="4" name="Slide Number Placeholder 3"/>
+          <p:cNvSpPr>
+            <a:spLocks noGrp="1"/>
+          </p:cNvSpPr>
+          <p:nvPr>
+            <p:ph type="sldNum" sz="quarter" idx="10"/>
+          </p:nvPr>
+        </p:nvSpPr>
+        <p:spPr/>
+        <p:txBody>
+          <a:bodyPr/>
+          <a:lstStyle/>
+          <a:p>
+            <a:fld id="{39971C29-32B3-41A5-A545-371B4BCC4C0E}" type="slidenum">
+              <a:rPr lang="en-US" smtClean="0"/>
+              <a:t>12</a:t>
+            </a:fld>
+            <a:endParaRPr lang="en-US"/>
+          </a:p>
+        </p:txBody>
+      </p:sp>
+    </p:spTree>
+    <p:extLst>
+      <p:ext uri="{BB962C8B-B14F-4D97-AF65-F5344CB8AC3E}">
+        <p14:creationId xmlns:p14="http://schemas.microsoft.com/office/powerpoint/2010/main" val="352233646"/>
+      </p:ext>
+    </p:extLst>
+  </p:cSld>
+  <p:clrMapOvr>
+    <a:masterClrMapping/>
+  </p:clrMapOvr>
+</p:notes>
+</file>
+
+<file path=ppt/notesSlides/notesSlide12.xml><?xml version="1.0" encoding="utf-8"?>
+<p:notes xmlns:a="http://schemas.openxmlformats.org/drawingml/2006/main" xmlns:r="http://schemas.openxmlformats.org/officeDocument/2006/relationships" xmlns:p="http://schemas.openxmlformats.org/presentationml/2006/main">
+  <p:cSld>
+    <p:spTree>
+      <p:nvGrpSpPr>
+        <p:cNvPr id="1" name=""/>
+        <p:cNvGrpSpPr/>
+        <p:nvPr/>
+      </p:nvGrpSpPr>
+      <p:grpSpPr>
+        <a:xfrm>
+          <a:off x="0" y="0"/>
+          <a:ext cx="0" cy="0"/>
+          <a:chOff x="0" y="0"/>
+          <a:chExt cx="0" cy="0"/>
+        </a:xfrm>
+      </p:grpSpPr>
+      <p:sp>
+        <p:nvSpPr>
+          <p:cNvPr id="2" name="Slide Image Placeholder 1"/>
+          <p:cNvSpPr>
+            <a:spLocks noGrp="1" noRot="1" noChangeAspect="1"/>
+          </p:cNvSpPr>
+          <p:nvPr>
+            <p:ph type="sldImg"/>
+          </p:nvPr>
+        </p:nvSpPr>
+        <p:spPr/>
+      </p:sp>
+      <p:sp>
+        <p:nvSpPr>
+          <p:cNvPr id="3" name="Notes Placeholder 2"/>
+          <p:cNvSpPr>
+            <a:spLocks noGrp="1"/>
+          </p:cNvSpPr>
+          <p:nvPr>
+            <p:ph type="body" idx="1"/>
+          </p:nvPr>
+        </p:nvSpPr>
+        <p:spPr/>
+        <p:txBody>
+          <a:bodyPr/>
+          <a:lstStyle/>
+          <a:p>
+            <a:endParaRPr lang="en-US" dirty="0"/>
+          </a:p>
+        </p:txBody>
+      </p:sp>
+      <p:sp>
+        <p:nvSpPr>
+          <p:cNvPr id="4" name="Slide Number Placeholder 3"/>
+          <p:cNvSpPr>
+            <a:spLocks noGrp="1"/>
+          </p:cNvSpPr>
+          <p:nvPr>
+            <p:ph type="sldNum" sz="quarter" idx="10"/>
+          </p:nvPr>
+        </p:nvSpPr>
+        <p:spPr/>
+        <p:txBody>
+          <a:bodyPr/>
+          <a:lstStyle/>
+          <a:p>
+            <a:fld id="{39971C29-32B3-41A5-A545-371B4BCC4C0E}" type="slidenum">
+              <a:rPr lang="en-US" smtClean="0"/>
+              <a:t>13</a:t>
+            </a:fld>
+            <a:endParaRPr lang="en-US"/>
+          </a:p>
+        </p:txBody>
+      </p:sp>
+    </p:spTree>
+    <p:extLst>
+      <p:ext uri="{BB962C8B-B14F-4D97-AF65-F5344CB8AC3E}">
+        <p14:creationId xmlns:p14="http://schemas.microsoft.com/office/powerpoint/2010/main" val="614280553"/>
       </p:ext>
     </p:extLst>
   </p:cSld>
@@ -768,7 +1056,7 @@
     </p:spTree>
     <p:extLst>
       <p:ext uri="{BB962C8B-B14F-4D97-AF65-F5344CB8AC3E}">
-        <p14:creationId xmlns:p14="http://schemas.microsoft.com/office/powerpoint/2010/main" val="568281975"/>
+        <p14:creationId xmlns:p14="http://schemas.microsoft.com/office/powerpoint/2010/main" val="1745663961"/>
       </p:ext>
     </p:extLst>
   </p:cSld>
@@ -819,68 +1107,8 @@
         </p:nvSpPr>
         <p:spPr/>
         <p:txBody>
-          <a:bodyPr>
-            <a:normAutofit fontScale="92500" lnSpcReduction="10000"/>
-          </a:bodyPr>
+          <a:bodyPr/>
           <a:lstStyle/>
-          <a:p>
-            <a:r>
-              <a:rPr lang="en-US" dirty="0" smtClean="0"/>
-              <a:t>Windows 10 convergence</a:t>
-            </a:r>
-          </a:p>
-          <a:p>
-            <a:endParaRPr lang="en-US" dirty="0" smtClean="0"/>
-          </a:p>
-          <a:p>
-            <a:r>
-              <a:rPr lang="en-US" dirty="0" smtClean="0"/>
-              <a:t>This excites me the most about the coming years.  I think MS kind of got lost when the released Vista and it flopped hard.  Windows 7 and 8 were both steps getting us to 8.1.  I really feel 8.1 is the major milestone to getting them back on track.  </a:t>
-            </a:r>
-          </a:p>
-          <a:p>
-            <a:endParaRPr lang="en-US" dirty="0" smtClean="0"/>
-          </a:p>
-          <a:p>
-            <a:r>
-              <a:rPr lang="en-US" dirty="0" smtClean="0"/>
-              <a:t>Currently Store and phone are supported and the roadmaps that have been talked about say that Xbox will also be in the list of packages you can create.</a:t>
-            </a:r>
-          </a:p>
-          <a:p>
-            <a:endParaRPr lang="en-US" dirty="0" smtClean="0"/>
-          </a:p>
-          <a:p>
-            <a:endParaRPr lang="en-US" dirty="0" smtClean="0"/>
-          </a:p>
-          <a:p>
-            <a:r>
-              <a:rPr lang="en-US" dirty="0" smtClean="0"/>
-              <a:t>Develop once for all Windows devices using a unified Windows runtime and VS tools that allow you to both support experiences unique to a device in XAML, HTML, and DirectX, and share the code that supports those experiences across all devices using C++, C#, or JavaScript. When your work is finished you can you can produce the app packages that you will submit to the Windows Store and Windows Phone Store with a single action to get your app out to customers on any Windows device.</a:t>
-            </a:r>
-          </a:p>
-          <a:p>
-            <a:r>
-              <a:rPr lang="en-US" dirty="0" smtClean="0"/>
-              <a:t>In terms of the Store experience, customers will benefit from an app identity shared across the Windows Store and the Windows Phone Store. Shared identity means that if they purchase your app from the Windows Store, they are capable of installing it on a device from the Windows Phone Store using the same Microsoft account without having to purchase the app again. Optionally, this can also include things like in-app purchases.</a:t>
-            </a:r>
-          </a:p>
-          <a:p>
-            <a:r>
-              <a:rPr lang="en-US" dirty="0" smtClean="0"/>
-              <a:t>To get you started, the following sections will identify key upgrade paths, migration paths, and other critical resources that will help you bring your ideas to the converged Windows 8.1 platform. For more information on universal Windows apps and context on Microsoft’s vision for developer opportunity on Windows devices, please see our blog post </a:t>
-            </a:r>
-            <a:r>
-              <a:rPr lang="en-US" dirty="0" smtClean="0">
-                <a:hlinkClick r:id="rId3"/>
-              </a:rPr>
-              <a:t>Introducing universal Windows apps</a:t>
-            </a:r>
-            <a:r>
-              <a:rPr lang="en-US" dirty="0" smtClean="0"/>
-              <a:t>.</a:t>
-            </a:r>
-          </a:p>
           <a:p>
             <a:endParaRPr lang="en-US" dirty="0"/>
           </a:p>
@@ -903,7 +1131,7 @@
           <a:p>
             <a:fld id="{39971C29-32B3-41A5-A545-371B4BCC4C0E}" type="slidenum">
               <a:rPr lang="en-US" smtClean="0"/>
-              <a:t>4</a:t>
+              <a:t>3</a:t>
             </a:fld>
             <a:endParaRPr lang="en-US"/>
           </a:p>
@@ -912,7 +1140,7 @@
     </p:spTree>
     <p:extLst>
       <p:ext uri="{BB962C8B-B14F-4D97-AF65-F5344CB8AC3E}">
-        <p14:creationId xmlns:p14="http://schemas.microsoft.com/office/powerpoint/2010/main" val="1106657355"/>
+        <p14:creationId xmlns:p14="http://schemas.microsoft.com/office/powerpoint/2010/main" val="568281975"/>
       </p:ext>
     </p:extLst>
   </p:cSld>
@@ -963,6 +1191,234 @@
         </p:nvSpPr>
         <p:spPr/>
         <p:txBody>
+          <a:bodyPr/>
+          <a:lstStyle/>
+          <a:p>
+            <a:endParaRPr lang="en-US" dirty="0"/>
+          </a:p>
+        </p:txBody>
+      </p:sp>
+      <p:sp>
+        <p:nvSpPr>
+          <p:cNvPr id="4" name="Slide Number Placeholder 3"/>
+          <p:cNvSpPr>
+            <a:spLocks noGrp="1"/>
+          </p:cNvSpPr>
+          <p:nvPr>
+            <p:ph type="sldNum" sz="quarter" idx="10"/>
+          </p:nvPr>
+        </p:nvSpPr>
+        <p:spPr/>
+        <p:txBody>
+          <a:bodyPr/>
+          <a:lstStyle/>
+          <a:p>
+            <a:fld id="{39971C29-32B3-41A5-A545-371B4BCC4C0E}" type="slidenum">
+              <a:rPr lang="en-US" smtClean="0"/>
+              <a:t>4</a:t>
+            </a:fld>
+            <a:endParaRPr lang="en-US"/>
+          </a:p>
+        </p:txBody>
+      </p:sp>
+    </p:spTree>
+    <p:extLst>
+      <p:ext uri="{BB962C8B-B14F-4D97-AF65-F5344CB8AC3E}">
+        <p14:creationId xmlns:p14="http://schemas.microsoft.com/office/powerpoint/2010/main" val="2855952381"/>
+      </p:ext>
+    </p:extLst>
+  </p:cSld>
+  <p:clrMapOvr>
+    <a:masterClrMapping/>
+  </p:clrMapOvr>
+</p:notes>
+</file>
+
+<file path=ppt/notesSlides/notesSlide5.xml><?xml version="1.0" encoding="utf-8"?>
+<p:notes xmlns:a="http://schemas.openxmlformats.org/drawingml/2006/main" xmlns:r="http://schemas.openxmlformats.org/officeDocument/2006/relationships" xmlns:p="http://schemas.openxmlformats.org/presentationml/2006/main">
+  <p:cSld>
+    <p:spTree>
+      <p:nvGrpSpPr>
+        <p:cNvPr id="1" name=""/>
+        <p:cNvGrpSpPr/>
+        <p:nvPr/>
+      </p:nvGrpSpPr>
+      <p:grpSpPr>
+        <a:xfrm>
+          <a:off x="0" y="0"/>
+          <a:ext cx="0" cy="0"/>
+          <a:chOff x="0" y="0"/>
+          <a:chExt cx="0" cy="0"/>
+        </a:xfrm>
+      </p:grpSpPr>
+      <p:sp>
+        <p:nvSpPr>
+          <p:cNvPr id="2" name="Slide Image Placeholder 1"/>
+          <p:cNvSpPr>
+            <a:spLocks noGrp="1" noRot="1" noChangeAspect="1"/>
+          </p:cNvSpPr>
+          <p:nvPr>
+            <p:ph type="sldImg"/>
+          </p:nvPr>
+        </p:nvSpPr>
+        <p:spPr/>
+      </p:sp>
+      <p:sp>
+        <p:nvSpPr>
+          <p:cNvPr id="3" name="Notes Placeholder 2"/>
+          <p:cNvSpPr>
+            <a:spLocks noGrp="1"/>
+          </p:cNvSpPr>
+          <p:nvPr>
+            <p:ph type="body" idx="1"/>
+          </p:nvPr>
+        </p:nvSpPr>
+        <p:spPr/>
+        <p:txBody>
+          <a:bodyPr>
+            <a:normAutofit fontScale="92500" lnSpcReduction="10000"/>
+          </a:bodyPr>
+          <a:lstStyle/>
+          <a:p>
+            <a:r>
+              <a:rPr lang="en-US" dirty="0" smtClean="0"/>
+              <a:t>Windows 10 convergence</a:t>
+            </a:r>
+          </a:p>
+          <a:p>
+            <a:endParaRPr lang="en-US" dirty="0" smtClean="0"/>
+          </a:p>
+          <a:p>
+            <a:r>
+              <a:rPr lang="en-US" dirty="0" smtClean="0"/>
+              <a:t>This excites me the most about the coming years.  I think MS kind of got lost when the released Vista and it flopped hard.  Windows 7 and 8 were both steps getting us to 8.1.  I really feel 8.1 is the major milestone to getting them back on track.  </a:t>
+            </a:r>
+          </a:p>
+          <a:p>
+            <a:endParaRPr lang="en-US" dirty="0" smtClean="0"/>
+          </a:p>
+          <a:p>
+            <a:r>
+              <a:rPr lang="en-US" dirty="0" smtClean="0"/>
+              <a:t>Currently Store and phone are supported and the roadmaps that have been talked about say that Xbox will also be in the list of packages you can create.</a:t>
+            </a:r>
+          </a:p>
+          <a:p>
+            <a:endParaRPr lang="en-US" dirty="0" smtClean="0"/>
+          </a:p>
+          <a:p>
+            <a:endParaRPr lang="en-US" dirty="0" smtClean="0"/>
+          </a:p>
+          <a:p>
+            <a:r>
+              <a:rPr lang="en-US" dirty="0" smtClean="0"/>
+              <a:t>Develop once for all Windows devices using a unified Windows runtime and VS tools that allow you to both support experiences unique to a device in XAML, HTML, and DirectX, and share the code that supports those experiences across all devices using C++, C#, or JavaScript. When your work is finished you can you can produce the app packages that you will submit to the Windows Store and Windows Phone Store with a single action to get your app out to customers on any Windows device.</a:t>
+            </a:r>
+          </a:p>
+          <a:p>
+            <a:r>
+              <a:rPr lang="en-US" dirty="0" smtClean="0"/>
+              <a:t>In terms of the Store experience, customers will benefit from an app identity shared across the Windows Store and the Windows Phone Store. Shared identity means that if they purchase your app from the Windows Store, they are capable of installing it on a device from the Windows Phone Store using the same Microsoft account without having to purchase the app again. Optionally, this can also include things like in-app purchases.</a:t>
+            </a:r>
+          </a:p>
+          <a:p>
+            <a:r>
+              <a:rPr lang="en-US" dirty="0" smtClean="0"/>
+              <a:t>To get you started, the following sections will identify key upgrade paths, migration paths, and other critical resources that will help you bring your ideas to the converged Windows 8.1 platform. For more information on universal Windows apps and context on Microsoft’s vision for developer opportunity on Windows devices, please see our blog post </a:t>
+            </a:r>
+            <a:r>
+              <a:rPr lang="en-US" dirty="0" smtClean="0">
+                <a:hlinkClick r:id="rId3"/>
+              </a:rPr>
+              <a:t>Introducing universal Windows apps</a:t>
+            </a:r>
+            <a:r>
+              <a:rPr lang="en-US" dirty="0" smtClean="0"/>
+              <a:t>.</a:t>
+            </a:r>
+          </a:p>
+          <a:p>
+            <a:endParaRPr lang="en-US" dirty="0"/>
+          </a:p>
+        </p:txBody>
+      </p:sp>
+      <p:sp>
+        <p:nvSpPr>
+          <p:cNvPr id="4" name="Slide Number Placeholder 3"/>
+          <p:cNvSpPr>
+            <a:spLocks noGrp="1"/>
+          </p:cNvSpPr>
+          <p:nvPr>
+            <p:ph type="sldNum" sz="quarter" idx="10"/>
+          </p:nvPr>
+        </p:nvSpPr>
+        <p:spPr/>
+        <p:txBody>
+          <a:bodyPr/>
+          <a:lstStyle/>
+          <a:p>
+            <a:fld id="{39971C29-32B3-41A5-A545-371B4BCC4C0E}" type="slidenum">
+              <a:rPr lang="en-US" smtClean="0"/>
+              <a:t>5</a:t>
+            </a:fld>
+            <a:endParaRPr lang="en-US"/>
+          </a:p>
+        </p:txBody>
+      </p:sp>
+    </p:spTree>
+    <p:extLst>
+      <p:ext uri="{BB962C8B-B14F-4D97-AF65-F5344CB8AC3E}">
+        <p14:creationId xmlns:p14="http://schemas.microsoft.com/office/powerpoint/2010/main" val="1106657355"/>
+      </p:ext>
+    </p:extLst>
+  </p:cSld>
+  <p:clrMapOvr>
+    <a:masterClrMapping/>
+  </p:clrMapOvr>
+</p:notes>
+</file>
+
+<file path=ppt/notesSlides/notesSlide6.xml><?xml version="1.0" encoding="utf-8"?>
+<p:notes xmlns:a="http://schemas.openxmlformats.org/drawingml/2006/main" xmlns:r="http://schemas.openxmlformats.org/officeDocument/2006/relationships" xmlns:p="http://schemas.openxmlformats.org/presentationml/2006/main">
+  <p:cSld>
+    <p:spTree>
+      <p:nvGrpSpPr>
+        <p:cNvPr id="1" name=""/>
+        <p:cNvGrpSpPr/>
+        <p:nvPr/>
+      </p:nvGrpSpPr>
+      <p:grpSpPr>
+        <a:xfrm>
+          <a:off x="0" y="0"/>
+          <a:ext cx="0" cy="0"/>
+          <a:chOff x="0" y="0"/>
+          <a:chExt cx="0" cy="0"/>
+        </a:xfrm>
+      </p:grpSpPr>
+      <p:sp>
+        <p:nvSpPr>
+          <p:cNvPr id="2" name="Slide Image Placeholder 1"/>
+          <p:cNvSpPr>
+            <a:spLocks noGrp="1" noRot="1" noChangeAspect="1"/>
+          </p:cNvSpPr>
+          <p:nvPr>
+            <p:ph type="sldImg"/>
+          </p:nvPr>
+        </p:nvSpPr>
+        <p:spPr/>
+      </p:sp>
+      <p:sp>
+        <p:nvSpPr>
+          <p:cNvPr id="3" name="Notes Placeholder 2"/>
+          <p:cNvSpPr>
+            <a:spLocks noGrp="1"/>
+          </p:cNvSpPr>
+          <p:nvPr>
+            <p:ph type="body" idx="1"/>
+          </p:nvPr>
+        </p:nvSpPr>
+        <p:spPr/>
+        <p:txBody>
           <a:bodyPr>
             <a:normAutofit/>
           </a:bodyPr>
@@ -1047,7 +1503,7 @@
           <a:p>
             <a:fld id="{39971C29-32B3-41A5-A545-371B4BCC4C0E}" type="slidenum">
               <a:rPr lang="en-US" smtClean="0"/>
-              <a:t>5</a:t>
+              <a:t>6</a:t>
             </a:fld>
             <a:endParaRPr lang="en-US"/>
           </a:p>
@@ -1066,7 +1522,91 @@
 </p:notes>
 </file>
 
-<file path=ppt/notesSlides/notesSlide5.xml><?xml version="1.0" encoding="utf-8"?>
+<file path=ppt/notesSlides/notesSlide7.xml><?xml version="1.0" encoding="utf-8"?>
+<p:notes xmlns:a="http://schemas.openxmlformats.org/drawingml/2006/main" xmlns:r="http://schemas.openxmlformats.org/officeDocument/2006/relationships" xmlns:p="http://schemas.openxmlformats.org/presentationml/2006/main">
+  <p:cSld>
+    <p:spTree>
+      <p:nvGrpSpPr>
+        <p:cNvPr id="1" name=""/>
+        <p:cNvGrpSpPr/>
+        <p:nvPr/>
+      </p:nvGrpSpPr>
+      <p:grpSpPr>
+        <a:xfrm>
+          <a:off x="0" y="0"/>
+          <a:ext cx="0" cy="0"/>
+          <a:chOff x="0" y="0"/>
+          <a:chExt cx="0" cy="0"/>
+        </a:xfrm>
+      </p:grpSpPr>
+      <p:sp>
+        <p:nvSpPr>
+          <p:cNvPr id="2" name="Slide Image Placeholder 1"/>
+          <p:cNvSpPr>
+            <a:spLocks noGrp="1" noRot="1" noChangeAspect="1"/>
+          </p:cNvSpPr>
+          <p:nvPr>
+            <p:ph type="sldImg"/>
+          </p:nvPr>
+        </p:nvSpPr>
+        <p:spPr/>
+      </p:sp>
+      <p:sp>
+        <p:nvSpPr>
+          <p:cNvPr id="3" name="Notes Placeholder 2"/>
+          <p:cNvSpPr>
+            <a:spLocks noGrp="1"/>
+          </p:cNvSpPr>
+          <p:nvPr>
+            <p:ph type="body" idx="1"/>
+          </p:nvPr>
+        </p:nvSpPr>
+        <p:spPr/>
+        <p:txBody>
+          <a:bodyPr/>
+          <a:lstStyle/>
+          <a:p>
+            <a:endParaRPr lang="en-US" dirty="0"/>
+          </a:p>
+        </p:txBody>
+      </p:sp>
+      <p:sp>
+        <p:nvSpPr>
+          <p:cNvPr id="4" name="Slide Number Placeholder 3"/>
+          <p:cNvSpPr>
+            <a:spLocks noGrp="1"/>
+          </p:cNvSpPr>
+          <p:nvPr>
+            <p:ph type="sldNum" sz="quarter" idx="10"/>
+          </p:nvPr>
+        </p:nvSpPr>
+        <p:spPr/>
+        <p:txBody>
+          <a:bodyPr/>
+          <a:lstStyle/>
+          <a:p>
+            <a:fld id="{39971C29-32B3-41A5-A545-371B4BCC4C0E}" type="slidenum">
+              <a:rPr lang="en-US" smtClean="0"/>
+              <a:t>7</a:t>
+            </a:fld>
+            <a:endParaRPr lang="en-US"/>
+          </a:p>
+        </p:txBody>
+      </p:sp>
+    </p:spTree>
+    <p:extLst>
+      <p:ext uri="{BB962C8B-B14F-4D97-AF65-F5344CB8AC3E}">
+        <p14:creationId xmlns:p14="http://schemas.microsoft.com/office/powerpoint/2010/main" val="1965310861"/>
+      </p:ext>
+    </p:extLst>
+  </p:cSld>
+  <p:clrMapOvr>
+    <a:masterClrMapping/>
+  </p:clrMapOvr>
+</p:notes>
+</file>
+
+<file path=ppt/notesSlides/notesSlide8.xml><?xml version="1.0" encoding="utf-8"?>
 <p:notes xmlns:a="http://schemas.openxmlformats.org/drawingml/2006/main" xmlns:r="http://schemas.openxmlformats.org/officeDocument/2006/relationships" xmlns:p="http://schemas.openxmlformats.org/presentationml/2006/main">
   <p:cSld>
     <p:spTree>
@@ -1604,7 +2144,7 @@
           <a:p>
             <a:fld id="{39971C29-32B3-41A5-A545-371B4BCC4C0E}" type="slidenum">
               <a:rPr lang="en-US" smtClean="0"/>
-              <a:t>6</a:t>
+              <a:t>8</a:t>
             </a:fld>
             <a:endParaRPr lang="en-US"/>
           </a:p>
@@ -1623,7 +2163,7 @@
 </p:notes>
 </file>
 
-<file path=ppt/notesSlides/notesSlide6.xml><?xml version="1.0" encoding="utf-8"?>
+<file path=ppt/notesSlides/notesSlide9.xml><?xml version="1.0" encoding="utf-8"?>
 <p:notes xmlns:a="http://schemas.openxmlformats.org/drawingml/2006/main" xmlns:r="http://schemas.openxmlformats.org/officeDocument/2006/relationships" xmlns:p="http://schemas.openxmlformats.org/presentationml/2006/main">
   <p:cSld>
     <p:spTree>
@@ -2013,7 +2553,7 @@
           <a:p>
             <a:fld id="{39971C29-32B3-41A5-A545-371B4BCC4C0E}" type="slidenum">
               <a:rPr lang="en-US" smtClean="0"/>
-              <a:t>7</a:t>
+              <a:t>9</a:t>
             </a:fld>
             <a:endParaRPr lang="en-US"/>
           </a:p>
@@ -2023,122 +2563,6 @@
     <p:extLst>
       <p:ext uri="{BB962C8B-B14F-4D97-AF65-F5344CB8AC3E}">
         <p14:creationId xmlns:p14="http://schemas.microsoft.com/office/powerpoint/2010/main" val="2610966022"/>
-      </p:ext>
-    </p:extLst>
-  </p:cSld>
-  <p:clrMapOvr>
-    <a:masterClrMapping/>
-  </p:clrMapOvr>
-</p:notes>
-</file>
-
-<file path=ppt/notesSlides/notesSlide7.xml><?xml version="1.0" encoding="utf-8"?>
-<p:notes xmlns:a="http://schemas.openxmlformats.org/drawingml/2006/main" xmlns:r="http://schemas.openxmlformats.org/officeDocument/2006/relationships" xmlns:p="http://schemas.openxmlformats.org/presentationml/2006/main">
-  <p:cSld>
-    <p:spTree>
-      <p:nvGrpSpPr>
-        <p:cNvPr id="1" name=""/>
-        <p:cNvGrpSpPr/>
-        <p:nvPr/>
-      </p:nvGrpSpPr>
-      <p:grpSpPr>
-        <a:xfrm>
-          <a:off x="0" y="0"/>
-          <a:ext cx="0" cy="0"/>
-          <a:chOff x="0" y="0"/>
-          <a:chExt cx="0" cy="0"/>
-        </a:xfrm>
-      </p:grpSpPr>
-      <p:sp>
-        <p:nvSpPr>
-          <p:cNvPr id="2" name="Slide Image Placeholder 1"/>
-          <p:cNvSpPr>
-            <a:spLocks noGrp="1" noRot="1" noChangeAspect="1"/>
-          </p:cNvSpPr>
-          <p:nvPr>
-            <p:ph type="sldImg"/>
-          </p:nvPr>
-        </p:nvSpPr>
-        <p:spPr/>
-      </p:sp>
-      <p:sp>
-        <p:nvSpPr>
-          <p:cNvPr id="3" name="Notes Placeholder 2"/>
-          <p:cNvSpPr>
-            <a:spLocks noGrp="1"/>
-          </p:cNvSpPr>
-          <p:nvPr>
-            <p:ph type="body" idx="1"/>
-          </p:nvPr>
-        </p:nvSpPr>
-        <p:spPr/>
-        <p:txBody>
-          <a:bodyPr/>
-          <a:lstStyle/>
-          <a:p>
-            <a:pPr marL="0" marR="0" indent="0" algn="l" defTabSz="914400" rtl="0" eaLnBrk="1" fontAlgn="auto" latinLnBrk="0" hangingPunct="1">
-              <a:lnSpc>
-                <a:spcPct val="100000"/>
-              </a:lnSpc>
-              <a:spcBef>
-                <a:spcPts val="0"/>
-              </a:spcBef>
-              <a:spcAft>
-                <a:spcPts val="0"/>
-              </a:spcAft>
-              <a:buClrTx/>
-              <a:buSzTx/>
-              <a:buFontTx/>
-              <a:buNone/>
-              <a:tabLst/>
-              <a:defRPr/>
-            </a:pPr>
-            <a:r>
-              <a:rPr lang="en-US" dirty="0" err="1" smtClean="0"/>
-              <a:t>MvvmCross</a:t>
-            </a:r>
-            <a:r>
-              <a:rPr lang="en-US" baseline="0" dirty="0" smtClean="0"/>
-              <a:t> supports </a:t>
-            </a:r>
-            <a:r>
-              <a:rPr lang="en-US" dirty="0" err="1" smtClean="0"/>
-              <a:t>Xamarin</a:t>
-            </a:r>
-            <a:endParaRPr lang="en-US" dirty="0" smtClean="0"/>
-          </a:p>
-          <a:p>
-            <a:endParaRPr lang="en-US" dirty="0"/>
-          </a:p>
-        </p:txBody>
-      </p:sp>
-      <p:sp>
-        <p:nvSpPr>
-          <p:cNvPr id="4" name="Slide Number Placeholder 3"/>
-          <p:cNvSpPr>
-            <a:spLocks noGrp="1"/>
-          </p:cNvSpPr>
-          <p:nvPr>
-            <p:ph type="sldNum" sz="quarter" idx="10"/>
-          </p:nvPr>
-        </p:nvSpPr>
-        <p:spPr/>
-        <p:txBody>
-          <a:bodyPr/>
-          <a:lstStyle/>
-          <a:p>
-            <a:fld id="{39971C29-32B3-41A5-A545-371B4BCC4C0E}" type="slidenum">
-              <a:rPr lang="en-US" smtClean="0"/>
-              <a:t>9</a:t>
-            </a:fld>
-            <a:endParaRPr lang="en-US"/>
-          </a:p>
-        </p:txBody>
-      </p:sp>
-    </p:spTree>
-    <p:extLst>
-      <p:ext uri="{BB962C8B-B14F-4D97-AF65-F5344CB8AC3E}">
-        <p14:creationId xmlns:p14="http://schemas.microsoft.com/office/powerpoint/2010/main" val="352233646"/>
       </p:ext>
     </p:extLst>
   </p:cSld>
@@ -5370,7 +5794,12 @@
             <p:ph type="ctrTitle"/>
           </p:nvPr>
         </p:nvSpPr>
-        <p:spPr/>
+        <p:spPr>
+          <a:xfrm>
+            <a:off x="745671" y="838452"/>
+            <a:ext cx="7681913" cy="1523495"/>
+          </a:xfrm>
+        </p:spPr>
         <p:txBody>
           <a:bodyPr/>
           <a:lstStyle/>
@@ -5402,7 +5831,7 @@
         </p:nvSpPr>
         <p:spPr>
           <a:xfrm>
-            <a:off x="762001" y="3881735"/>
+            <a:off x="745671" y="2286000"/>
             <a:ext cx="2971800" cy="1299865"/>
           </a:xfrm>
         </p:spPr>
@@ -5442,8 +5871,8 @@
         </p:nvSpPr>
         <p:spPr>
           <a:xfrm>
-            <a:off x="4205287" y="3881734"/>
-            <a:ext cx="5091113" cy="1528466"/>
+            <a:off x="745671" y="3809495"/>
+            <a:ext cx="7714570" cy="1909465"/>
           </a:xfrm>
           <a:prstGeom prst="rect">
             <a:avLst/>
@@ -5451,7 +5880,7 @@
         </p:spPr>
         <p:txBody>
           <a:bodyPr vert="horz" lIns="0" tIns="0" rIns="0" bIns="0" rtlCol="0">
-            <a:normAutofit fontScale="47500" lnSpcReduction="20000"/>
+            <a:normAutofit fontScale="77500" lnSpcReduction="20000"/>
           </a:bodyPr>
           <a:lstStyle>
             <a:lvl1pPr marL="0" indent="0" algn="l" defTabSz="914363" rtl="0" eaLnBrk="1" latinLnBrk="0" hangingPunct="1">
@@ -5755,6 +6184,580 @@
           <a:lstStyle/>
           <a:p>
             <a:r>
+              <a:rPr lang="en-US" dirty="0" smtClean="0"/>
+              <a:t>Agenda</a:t>
+            </a:r>
+            <a:endParaRPr lang="en-US" dirty="0"/>
+          </a:p>
+        </p:txBody>
+      </p:sp>
+      <p:sp>
+        <p:nvSpPr>
+          <p:cNvPr id="3" name="Content Placeholder 2"/>
+          <p:cNvSpPr>
+            <a:spLocks noGrp="1"/>
+          </p:cNvSpPr>
+          <p:nvPr>
+            <p:ph idx="1"/>
+          </p:nvPr>
+        </p:nvSpPr>
+        <p:spPr>
+          <a:xfrm>
+            <a:off x="381000" y="1412875"/>
+            <a:ext cx="8382000" cy="4179606"/>
+          </a:xfrm>
+        </p:spPr>
+        <p:txBody>
+          <a:bodyPr/>
+          <a:lstStyle/>
+          <a:p>
+            <a:r>
+              <a:rPr lang="en-US" sz="2800" dirty="0"/>
+              <a:t>About me</a:t>
+            </a:r>
+          </a:p>
+          <a:p>
+            <a:r>
+              <a:rPr lang="en-US" sz="2800" dirty="0"/>
+              <a:t>What is a Universal App and how to get started</a:t>
+            </a:r>
+          </a:p>
+          <a:p>
+            <a:r>
+              <a:rPr lang="en-US" sz="2800" dirty="0"/>
+              <a:t>API Documentation</a:t>
+            </a:r>
+          </a:p>
+          <a:p>
+            <a:r>
+              <a:rPr lang="en-US" sz="2800" b="1" dirty="0">
+                <a:solidFill>
+                  <a:schemeClr val="bg2">
+                    <a:lumMod val="60000"/>
+                    <a:lumOff val="40000"/>
+                  </a:schemeClr>
+                </a:solidFill>
+              </a:rPr>
+              <a:t>Tools that can help</a:t>
+            </a:r>
+          </a:p>
+          <a:p>
+            <a:r>
+              <a:rPr lang="en-US" sz="2800" dirty="0"/>
+              <a:t>Anatomy of a Universal App</a:t>
+            </a:r>
+          </a:p>
+          <a:p>
+            <a:r>
+              <a:rPr lang="en-US" sz="2800" dirty="0"/>
+              <a:t>Platform Specific Code</a:t>
+            </a:r>
+          </a:p>
+          <a:p>
+            <a:r>
+              <a:rPr lang="en-US" sz="2800" dirty="0"/>
+              <a:t>Shared Code</a:t>
+            </a:r>
+          </a:p>
+          <a:p>
+            <a:r>
+              <a:rPr lang="en-US" sz="2800" dirty="0"/>
+              <a:t>Implementing Portable Class Libraries</a:t>
+            </a:r>
+          </a:p>
+          <a:p>
+            <a:r>
+              <a:rPr lang="en-US" sz="2800" dirty="0"/>
+              <a:t>Some ways to share code with Desktop</a:t>
+            </a:r>
+          </a:p>
+        </p:txBody>
+      </p:sp>
+    </p:spTree>
+    <p:extLst>
+      <p:ext uri="{BB962C8B-B14F-4D97-AF65-F5344CB8AC3E}">
+        <p14:creationId xmlns:p14="http://schemas.microsoft.com/office/powerpoint/2010/main" val="337634174"/>
+      </p:ext>
+    </p:extLst>
+  </p:cSld>
+  <p:clrMapOvr>
+    <a:masterClrMapping/>
+  </p:clrMapOvr>
+  <p:transition>
+    <p:fade/>
+  </p:transition>
+  <p:timing>
+    <p:tnLst>
+      <p:par>
+        <p:cTn id="1" dur="indefinite" restart="never" nodeType="tmRoot"/>
+      </p:par>
+    </p:tnLst>
+  </p:timing>
+</p:sld>
+</file>
+
+<file path=ppt/slides/slide11.xml><?xml version="1.0" encoding="utf-8"?>
+<p:sld xmlns:a="http://schemas.openxmlformats.org/drawingml/2006/main" xmlns:r="http://schemas.openxmlformats.org/officeDocument/2006/relationships" xmlns:p="http://schemas.openxmlformats.org/presentationml/2006/main">
+  <p:cSld>
+    <p:spTree>
+      <p:nvGrpSpPr>
+        <p:cNvPr id="1" name=""/>
+        <p:cNvGrpSpPr/>
+        <p:nvPr/>
+      </p:nvGrpSpPr>
+      <p:grpSpPr>
+        <a:xfrm>
+          <a:off x="0" y="0"/>
+          <a:ext cx="0" cy="0"/>
+          <a:chOff x="0" y="0"/>
+          <a:chExt cx="0" cy="0"/>
+        </a:xfrm>
+      </p:grpSpPr>
+      <p:sp>
+        <p:nvSpPr>
+          <p:cNvPr id="2" name="Title 1"/>
+          <p:cNvSpPr>
+            <a:spLocks noGrp="1"/>
+          </p:cNvSpPr>
+          <p:nvPr>
+            <p:ph type="title"/>
+          </p:nvPr>
+        </p:nvSpPr>
+        <p:spPr/>
+        <p:txBody>
+          <a:bodyPr/>
+          <a:lstStyle/>
+          <a:p>
+            <a:r>
+              <a:rPr lang="en-US" b="1" dirty="0"/>
+              <a:t>Tools for Phone development</a:t>
+            </a:r>
+            <a:endParaRPr lang="en-US" dirty="0"/>
+          </a:p>
+        </p:txBody>
+      </p:sp>
+      <p:sp>
+        <p:nvSpPr>
+          <p:cNvPr id="3" name="Content Placeholder 2"/>
+          <p:cNvSpPr>
+            <a:spLocks noGrp="1"/>
+          </p:cNvSpPr>
+          <p:nvPr>
+            <p:ph idx="1"/>
+          </p:nvPr>
+        </p:nvSpPr>
+        <p:spPr>
+          <a:xfrm>
+            <a:off x="381000" y="1412875"/>
+            <a:ext cx="8382000" cy="4924425"/>
+          </a:xfrm>
+        </p:spPr>
+        <p:txBody>
+          <a:bodyPr/>
+          <a:lstStyle/>
+          <a:p>
+            <a:r>
+              <a:rPr lang="en-US" b="1" dirty="0"/>
+              <a:t>Windows phone Power tools - </a:t>
+            </a:r>
+            <a:r>
+              <a:rPr lang="en-US" u="sng" dirty="0">
+                <a:hlinkClick r:id="rId2"/>
+              </a:rPr>
+              <a:t>http://wptools.codeplex.com/</a:t>
+            </a:r>
+            <a:endParaRPr lang="en-US" dirty="0"/>
+          </a:p>
+          <a:p>
+            <a:r>
+              <a:rPr lang="en-US" b="1" dirty="0" err="1"/>
+              <a:t>Iso</a:t>
+            </a:r>
+            <a:r>
+              <a:rPr lang="en-US" b="1" dirty="0"/>
+              <a:t> Store Spy - </a:t>
+            </a:r>
+            <a:r>
+              <a:rPr lang="en-US" u="sng" dirty="0">
+                <a:hlinkClick r:id="rId3"/>
+              </a:rPr>
+              <a:t>https://isostorespy.codeplex.com/</a:t>
+            </a:r>
+            <a:endParaRPr lang="en-US" u="sng" dirty="0"/>
+          </a:p>
+          <a:p>
+            <a:r>
+              <a:rPr lang="en-US" b="1" dirty="0"/>
+              <a:t>Project My Screen App </a:t>
+            </a:r>
+            <a:r>
+              <a:rPr lang="en-US" dirty="0"/>
+              <a:t>-</a:t>
+            </a:r>
+            <a:r>
+              <a:rPr lang="en-US" dirty="0">
+                <a:hlinkClick r:id="rId4"/>
+              </a:rPr>
+              <a:t>http://</a:t>
+            </a:r>
+            <a:r>
+              <a:rPr lang="en-US" dirty="0" smtClean="0">
+                <a:hlinkClick r:id="rId4"/>
+              </a:rPr>
+              <a:t>www.microsoft.com/en-us/download/details.aspx?id=42536</a:t>
+            </a:r>
+            <a:endParaRPr lang="en-US" dirty="0" smtClean="0"/>
+          </a:p>
+          <a:p>
+            <a:r>
+              <a:rPr lang="en-US" dirty="0" smtClean="0"/>
+              <a:t>Visual Studio Performance and Diagnostics</a:t>
+            </a:r>
+          </a:p>
+          <a:p>
+            <a:r>
+              <a:rPr lang="en-US" dirty="0" smtClean="0"/>
+              <a:t>Windows Phone Developer Power Tools (8.1)</a:t>
+            </a:r>
+            <a:endParaRPr lang="en-US" dirty="0"/>
+          </a:p>
+          <a:p>
+            <a:pPr marL="0" indent="0">
+              <a:buNone/>
+            </a:pPr>
+            <a:endParaRPr lang="en-US" dirty="0"/>
+          </a:p>
+        </p:txBody>
+      </p:sp>
+    </p:spTree>
+    <p:extLst>
+      <p:ext uri="{BB962C8B-B14F-4D97-AF65-F5344CB8AC3E}">
+        <p14:creationId xmlns:p14="http://schemas.microsoft.com/office/powerpoint/2010/main" val="3543964158"/>
+      </p:ext>
+    </p:extLst>
+  </p:cSld>
+  <p:clrMapOvr>
+    <a:masterClrMapping/>
+  </p:clrMapOvr>
+  <p:transition>
+    <p:fade/>
+  </p:transition>
+  <p:timing>
+    <p:tnLst>
+      <p:par>
+        <p:cTn id="1" dur="indefinite" restart="never" nodeType="tmRoot"/>
+      </p:par>
+    </p:tnLst>
+  </p:timing>
+</p:sld>
+</file>
+
+<file path=ppt/slides/slide12.xml><?xml version="1.0" encoding="utf-8"?>
+<p:sld xmlns:a="http://schemas.openxmlformats.org/drawingml/2006/main" xmlns:r="http://schemas.openxmlformats.org/officeDocument/2006/relationships" xmlns:p="http://schemas.openxmlformats.org/presentationml/2006/main">
+  <p:cSld>
+    <p:spTree>
+      <p:nvGrpSpPr>
+        <p:cNvPr id="1" name=""/>
+        <p:cNvGrpSpPr/>
+        <p:nvPr/>
+      </p:nvGrpSpPr>
+      <p:grpSpPr>
+        <a:xfrm>
+          <a:off x="0" y="0"/>
+          <a:ext cx="0" cy="0"/>
+          <a:chOff x="0" y="0"/>
+          <a:chExt cx="0" cy="0"/>
+        </a:xfrm>
+      </p:grpSpPr>
+      <p:sp>
+        <p:nvSpPr>
+          <p:cNvPr id="2" name="Title 1"/>
+          <p:cNvSpPr>
+            <a:spLocks noGrp="1"/>
+          </p:cNvSpPr>
+          <p:nvPr>
+            <p:ph type="title"/>
+          </p:nvPr>
+        </p:nvSpPr>
+        <p:spPr/>
+        <p:txBody>
+          <a:bodyPr/>
+          <a:lstStyle/>
+          <a:p>
+            <a:r>
+              <a:rPr lang="en-US" dirty="0"/>
+              <a:t>MVVM Libraries</a:t>
+            </a:r>
+          </a:p>
+        </p:txBody>
+      </p:sp>
+      <p:sp>
+        <p:nvSpPr>
+          <p:cNvPr id="3" name="Content Placeholder 2"/>
+          <p:cNvSpPr>
+            <a:spLocks noGrp="1"/>
+          </p:cNvSpPr>
+          <p:nvPr>
+            <p:ph idx="1"/>
+          </p:nvPr>
+        </p:nvSpPr>
+        <p:spPr>
+          <a:xfrm>
+            <a:off x="381000" y="1412875"/>
+            <a:ext cx="8382000" cy="2609945"/>
+          </a:xfrm>
+        </p:spPr>
+        <p:txBody>
+          <a:bodyPr/>
+          <a:lstStyle/>
+          <a:p>
+            <a:r>
+              <a:rPr lang="en-US" dirty="0"/>
+              <a:t>MVVM Light</a:t>
+            </a:r>
+          </a:p>
+          <a:p>
+            <a:r>
+              <a:rPr lang="en-US" dirty="0"/>
+              <a:t>Prism</a:t>
+            </a:r>
+          </a:p>
+          <a:p>
+            <a:r>
+              <a:rPr lang="en-US" dirty="0" err="1" smtClean="0"/>
+              <a:t>MvvmCross</a:t>
+            </a:r>
+            <a:r>
+              <a:rPr lang="en-US" dirty="0" smtClean="0"/>
+              <a:t> (Supports </a:t>
+            </a:r>
+            <a:r>
+              <a:rPr lang="en-US" dirty="0" err="1" smtClean="0"/>
+              <a:t>Xamarin</a:t>
+            </a:r>
+            <a:r>
+              <a:rPr lang="en-US" dirty="0" smtClean="0"/>
+              <a:t>)</a:t>
+            </a:r>
+            <a:endParaRPr lang="en-US" dirty="0"/>
+          </a:p>
+          <a:p>
+            <a:r>
+              <a:rPr lang="en-US" dirty="0" err="1"/>
+              <a:t>Catel.MVVM</a:t>
+            </a:r>
+            <a:endParaRPr lang="en-US" dirty="0"/>
+          </a:p>
+          <a:p>
+            <a:r>
+              <a:rPr lang="en-US" dirty="0" err="1" smtClean="0"/>
+              <a:t>Caliburn.Micro</a:t>
+            </a:r>
+            <a:endParaRPr lang="en-US" dirty="0"/>
+          </a:p>
+        </p:txBody>
+      </p:sp>
+    </p:spTree>
+    <p:extLst>
+      <p:ext uri="{BB962C8B-B14F-4D97-AF65-F5344CB8AC3E}">
+        <p14:creationId xmlns:p14="http://schemas.microsoft.com/office/powerpoint/2010/main" val="3494800141"/>
+      </p:ext>
+    </p:extLst>
+  </p:cSld>
+  <p:clrMapOvr>
+    <a:masterClrMapping/>
+  </p:clrMapOvr>
+  <p:transition>
+    <p:fade/>
+  </p:transition>
+  <p:timing>
+    <p:tnLst>
+      <p:par>
+        <p:cTn id="1" dur="indefinite" restart="never" nodeType="tmRoot"/>
+      </p:par>
+    </p:tnLst>
+  </p:timing>
+</p:sld>
+</file>
+
+<file path=ppt/slides/slide13.xml><?xml version="1.0" encoding="utf-8"?>
+<p:sld xmlns:a="http://schemas.openxmlformats.org/drawingml/2006/main" xmlns:r="http://schemas.openxmlformats.org/officeDocument/2006/relationships" xmlns:p="http://schemas.openxmlformats.org/presentationml/2006/main">
+  <p:cSld>
+    <p:spTree>
+      <p:nvGrpSpPr>
+        <p:cNvPr id="1" name=""/>
+        <p:cNvGrpSpPr/>
+        <p:nvPr/>
+      </p:nvGrpSpPr>
+      <p:grpSpPr>
+        <a:xfrm>
+          <a:off x="0" y="0"/>
+          <a:ext cx="0" cy="0"/>
+          <a:chOff x="0" y="0"/>
+          <a:chExt cx="0" cy="0"/>
+        </a:xfrm>
+      </p:grpSpPr>
+      <p:sp>
+        <p:nvSpPr>
+          <p:cNvPr id="2" name="Title 1"/>
+          <p:cNvSpPr>
+            <a:spLocks noGrp="1"/>
+          </p:cNvSpPr>
+          <p:nvPr>
+            <p:ph type="title"/>
+          </p:nvPr>
+        </p:nvSpPr>
+        <p:spPr/>
+        <p:txBody>
+          <a:bodyPr/>
+          <a:lstStyle/>
+          <a:p>
+            <a:r>
+              <a:rPr lang="en-US" dirty="0" smtClean="0"/>
+              <a:t>Agenda</a:t>
+            </a:r>
+            <a:endParaRPr lang="en-US" dirty="0"/>
+          </a:p>
+        </p:txBody>
+      </p:sp>
+      <p:sp>
+        <p:nvSpPr>
+          <p:cNvPr id="3" name="Content Placeholder 2"/>
+          <p:cNvSpPr>
+            <a:spLocks noGrp="1"/>
+          </p:cNvSpPr>
+          <p:nvPr>
+            <p:ph idx="1"/>
+          </p:nvPr>
+        </p:nvSpPr>
+        <p:spPr>
+          <a:xfrm>
+            <a:off x="381000" y="1412875"/>
+            <a:ext cx="8382000" cy="4179606"/>
+          </a:xfrm>
+        </p:spPr>
+        <p:txBody>
+          <a:bodyPr/>
+          <a:lstStyle/>
+          <a:p>
+            <a:r>
+              <a:rPr lang="en-US" sz="2800" dirty="0"/>
+              <a:t>About me</a:t>
+            </a:r>
+          </a:p>
+          <a:p>
+            <a:r>
+              <a:rPr lang="en-US" sz="2800" dirty="0"/>
+              <a:t>What is a Universal App and how to get started</a:t>
+            </a:r>
+          </a:p>
+          <a:p>
+            <a:r>
+              <a:rPr lang="en-US" sz="2800" dirty="0"/>
+              <a:t>API Documentation</a:t>
+            </a:r>
+          </a:p>
+          <a:p>
+            <a:r>
+              <a:rPr lang="en-US" sz="2800" dirty="0"/>
+              <a:t>Tools that can help</a:t>
+            </a:r>
+          </a:p>
+          <a:p>
+            <a:r>
+              <a:rPr lang="en-US" sz="2800" b="1" dirty="0">
+                <a:solidFill>
+                  <a:schemeClr val="bg2">
+                    <a:lumMod val="60000"/>
+                    <a:lumOff val="40000"/>
+                  </a:schemeClr>
+                </a:solidFill>
+              </a:rPr>
+              <a:t>Anatomy of a Universal App</a:t>
+            </a:r>
+          </a:p>
+          <a:p>
+            <a:r>
+              <a:rPr lang="en-US" sz="2800" dirty="0"/>
+              <a:t>Platform Specific Code</a:t>
+            </a:r>
+          </a:p>
+          <a:p>
+            <a:r>
+              <a:rPr lang="en-US" sz="2800" dirty="0"/>
+              <a:t>Shared Code</a:t>
+            </a:r>
+          </a:p>
+          <a:p>
+            <a:r>
+              <a:rPr lang="en-US" sz="2800" dirty="0"/>
+              <a:t>Implementing Portable Class Libraries</a:t>
+            </a:r>
+          </a:p>
+          <a:p>
+            <a:r>
+              <a:rPr lang="en-US" sz="2800" dirty="0"/>
+              <a:t>Some ways to share code with Desktop</a:t>
+            </a:r>
+          </a:p>
+        </p:txBody>
+      </p:sp>
+    </p:spTree>
+    <p:extLst>
+      <p:ext uri="{BB962C8B-B14F-4D97-AF65-F5344CB8AC3E}">
+        <p14:creationId xmlns:p14="http://schemas.microsoft.com/office/powerpoint/2010/main" val="975745204"/>
+      </p:ext>
+    </p:extLst>
+  </p:cSld>
+  <p:clrMapOvr>
+    <a:masterClrMapping/>
+  </p:clrMapOvr>
+  <p:transition>
+    <p:fade/>
+  </p:transition>
+  <p:timing>
+    <p:tnLst>
+      <p:par>
+        <p:cTn id="1" dur="indefinite" restart="never" nodeType="tmRoot"/>
+      </p:par>
+    </p:tnLst>
+  </p:timing>
+</p:sld>
+</file>
+
+<file path=ppt/slides/slide14.xml><?xml version="1.0" encoding="utf-8"?>
+<p:sld xmlns:a="http://schemas.openxmlformats.org/drawingml/2006/main" xmlns:r="http://schemas.openxmlformats.org/officeDocument/2006/relationships" xmlns:p="http://schemas.openxmlformats.org/presentationml/2006/main">
+  <p:cSld>
+    <p:spTree>
+      <p:nvGrpSpPr>
+        <p:cNvPr id="1" name=""/>
+        <p:cNvGrpSpPr/>
+        <p:nvPr/>
+      </p:nvGrpSpPr>
+      <p:grpSpPr>
+        <a:xfrm>
+          <a:off x="0" y="0"/>
+          <a:ext cx="0" cy="0"/>
+          <a:chOff x="0" y="0"/>
+          <a:chExt cx="0" cy="0"/>
+        </a:xfrm>
+      </p:grpSpPr>
+      <p:sp>
+        <p:nvSpPr>
+          <p:cNvPr id="2" name="Title 1"/>
+          <p:cNvSpPr>
+            <a:spLocks noGrp="1"/>
+          </p:cNvSpPr>
+          <p:nvPr>
+            <p:ph type="title"/>
+          </p:nvPr>
+        </p:nvSpPr>
+        <p:spPr/>
+        <p:txBody>
+          <a:bodyPr/>
+          <a:lstStyle/>
+          <a:p>
+            <a:r>
               <a:rPr lang="en-US" dirty="0"/>
               <a:t>Anatomy of a Universal App</a:t>
             </a:r>
@@ -5817,10 +6820,85 @@
   <p:transition>
     <p:fade/>
   </p:transition>
+  <p:timing>
+    <p:tnLst>
+      <p:par>
+        <p:cTn id="1" dur="indefinite" restart="never" nodeType="tmRoot"/>
+      </p:par>
+    </p:tnLst>
+  </p:timing>
 </p:sld>
 </file>
 
-<file path=ppt/slides/slide11.xml><?xml version="1.0" encoding="utf-8"?>
+<file path=ppt/slides/slide15.xml><?xml version="1.0" encoding="utf-8"?>
+<p:sld xmlns:a="http://schemas.openxmlformats.org/drawingml/2006/main" xmlns:r="http://schemas.openxmlformats.org/officeDocument/2006/relationships" xmlns:p="http://schemas.openxmlformats.org/presentationml/2006/main" show="0">
+  <p:cSld>
+    <p:spTree>
+      <p:nvGrpSpPr>
+        <p:cNvPr id="1" name=""/>
+        <p:cNvGrpSpPr/>
+        <p:nvPr/>
+      </p:nvGrpSpPr>
+      <p:grpSpPr>
+        <a:xfrm>
+          <a:off x="0" y="0"/>
+          <a:ext cx="0" cy="0"/>
+          <a:chOff x="0" y="0"/>
+          <a:chExt cx="0" cy="0"/>
+        </a:xfrm>
+      </p:grpSpPr>
+      <p:sp>
+        <p:nvSpPr>
+          <p:cNvPr id="2" name="Title 1"/>
+          <p:cNvSpPr>
+            <a:spLocks noGrp="1"/>
+          </p:cNvSpPr>
+          <p:nvPr>
+            <p:ph type="title"/>
+          </p:nvPr>
+        </p:nvSpPr>
+        <p:spPr>
+          <a:xfrm>
+            <a:off x="381000" y="2895600"/>
+            <a:ext cx="8382000" cy="1994392"/>
+          </a:xfrm>
+        </p:spPr>
+        <p:txBody>
+          <a:bodyPr/>
+          <a:lstStyle/>
+          <a:p>
+            <a:pPr algn="ctr"/>
+            <a:r>
+              <a:rPr lang="en-US" sz="7200" dirty="0"/>
+              <a:t>DEMO: Anatomy of Universal App</a:t>
+            </a:r>
+          </a:p>
+        </p:txBody>
+      </p:sp>
+    </p:spTree>
+    <p:extLst>
+      <p:ext uri="{BB962C8B-B14F-4D97-AF65-F5344CB8AC3E}">
+        <p14:creationId xmlns:p14="http://schemas.microsoft.com/office/powerpoint/2010/main" val="436290107"/>
+      </p:ext>
+    </p:extLst>
+  </p:cSld>
+  <p:clrMapOvr>
+    <a:masterClrMapping/>
+  </p:clrMapOvr>
+  <p:transition>
+    <p:fade/>
+  </p:transition>
+  <p:timing>
+    <p:tnLst>
+      <p:par>
+        <p:cTn id="1" dur="indefinite" restart="never" nodeType="tmRoot"/>
+      </p:par>
+    </p:tnLst>
+  </p:timing>
+</p:sld>
+</file>
+
+<file path=ppt/slides/slide16.xml><?xml version="1.0" encoding="utf-8"?>
 <p:sld xmlns:a="http://schemas.openxmlformats.org/drawingml/2006/main" xmlns:r="http://schemas.openxmlformats.org/officeDocument/2006/relationships" xmlns:p="http://schemas.openxmlformats.org/presentationml/2006/main">
   <p:cSld>
     <p:spTree>
@@ -5898,314 +6976,13 @@
   <p:transition>
     <p:fade/>
   </p:transition>
-</p:sld>
-</file>
-
-<file path=ppt/slides/slide12.xml><?xml version="1.0" encoding="utf-8"?>
-<p:sld xmlns:a="http://schemas.openxmlformats.org/drawingml/2006/main" xmlns:r="http://schemas.openxmlformats.org/officeDocument/2006/relationships" xmlns:p="http://schemas.openxmlformats.org/presentationml/2006/main">
-  <p:cSld>
-    <p:spTree>
-      <p:nvGrpSpPr>
-        <p:cNvPr id="1" name=""/>
-        <p:cNvGrpSpPr/>
-        <p:nvPr/>
-      </p:nvGrpSpPr>
-      <p:grpSpPr>
-        <a:xfrm>
-          <a:off x="0" y="0"/>
-          <a:ext cx="0" cy="0"/>
-          <a:chOff x="0" y="0"/>
-          <a:chExt cx="0" cy="0"/>
-        </a:xfrm>
-      </p:grpSpPr>
-      <p:sp>
-        <p:nvSpPr>
-          <p:cNvPr id="2" name="Title 1"/>
-          <p:cNvSpPr>
-            <a:spLocks noGrp="1"/>
-          </p:cNvSpPr>
-          <p:nvPr>
-            <p:ph type="title"/>
-          </p:nvPr>
-        </p:nvSpPr>
-        <p:spPr>
-          <a:xfrm>
-            <a:off x="381000" y="2895600"/>
-            <a:ext cx="8382000" cy="1994392"/>
-          </a:xfrm>
-        </p:spPr>
-        <p:txBody>
-          <a:bodyPr/>
-          <a:lstStyle/>
-          <a:p>
-            <a:pPr algn="ctr"/>
-            <a:r>
-              <a:rPr lang="en-US" sz="7200" dirty="0"/>
-              <a:t>DEMO: Anatomy of Universal App</a:t>
-            </a:r>
-          </a:p>
-        </p:txBody>
-      </p:sp>
-    </p:spTree>
-    <p:extLst>
-      <p:ext uri="{BB962C8B-B14F-4D97-AF65-F5344CB8AC3E}">
-        <p14:creationId xmlns:p14="http://schemas.microsoft.com/office/powerpoint/2010/main" val="436290107"/>
-      </p:ext>
-    </p:extLst>
-  </p:cSld>
-  <p:clrMapOvr>
-    <a:masterClrMapping/>
-  </p:clrMapOvr>
-  <p:transition>
-    <p:fade/>
-  </p:transition>
-</p:sld>
-</file>
-
-<file path=ppt/slides/slide13.xml><?xml version="1.0" encoding="utf-8"?>
-<p:sld xmlns:a="http://schemas.openxmlformats.org/drawingml/2006/main" xmlns:r="http://schemas.openxmlformats.org/officeDocument/2006/relationships" xmlns:p="http://schemas.openxmlformats.org/presentationml/2006/main">
-  <p:cSld>
-    <p:spTree>
-      <p:nvGrpSpPr>
-        <p:cNvPr id="1" name=""/>
-        <p:cNvGrpSpPr/>
-        <p:nvPr/>
-      </p:nvGrpSpPr>
-      <p:grpSpPr>
-        <a:xfrm>
-          <a:off x="0" y="0"/>
-          <a:ext cx="0" cy="0"/>
-          <a:chOff x="0" y="0"/>
-          <a:chExt cx="0" cy="0"/>
-        </a:xfrm>
-      </p:grpSpPr>
-      <p:sp>
-        <p:nvSpPr>
-          <p:cNvPr id="2" name="Title 1"/>
-          <p:cNvSpPr>
-            <a:spLocks noGrp="1"/>
-          </p:cNvSpPr>
-          <p:nvPr>
-            <p:ph type="title"/>
-          </p:nvPr>
-        </p:nvSpPr>
-        <p:spPr>
-          <a:xfrm>
-            <a:off x="381000" y="2895600"/>
-            <a:ext cx="8382000" cy="2991588"/>
-          </a:xfrm>
-        </p:spPr>
-        <p:txBody>
-          <a:bodyPr/>
-          <a:lstStyle/>
-          <a:p>
-            <a:pPr algn="ctr"/>
-            <a:r>
-              <a:rPr lang="en-US" sz="7200" dirty="0"/>
-              <a:t>DEMO: Platform Specific Code</a:t>
-            </a:r>
-            <a:br>
-              <a:rPr lang="en-US" sz="7200" dirty="0"/>
-            </a:br>
-            <a:endParaRPr lang="en-US" sz="7200" dirty="0"/>
-          </a:p>
-        </p:txBody>
-      </p:sp>
-    </p:spTree>
-    <p:extLst>
-      <p:ext uri="{BB962C8B-B14F-4D97-AF65-F5344CB8AC3E}">
-        <p14:creationId xmlns:p14="http://schemas.microsoft.com/office/powerpoint/2010/main" val="3703279513"/>
-      </p:ext>
-    </p:extLst>
-  </p:cSld>
-  <p:clrMapOvr>
-    <a:masterClrMapping/>
-  </p:clrMapOvr>
-  <p:transition>
-    <p:fade/>
-  </p:transition>
-</p:sld>
-</file>
-
-<file path=ppt/slides/slide14.xml><?xml version="1.0" encoding="utf-8"?>
-<p:sld xmlns:a="http://schemas.openxmlformats.org/drawingml/2006/main" xmlns:r="http://schemas.openxmlformats.org/officeDocument/2006/relationships" xmlns:p="http://schemas.openxmlformats.org/presentationml/2006/main">
-  <p:cSld>
-    <p:spTree>
-      <p:nvGrpSpPr>
-        <p:cNvPr id="1" name=""/>
-        <p:cNvGrpSpPr/>
-        <p:nvPr/>
-      </p:nvGrpSpPr>
-      <p:grpSpPr>
-        <a:xfrm>
-          <a:off x="0" y="0"/>
-          <a:ext cx="0" cy="0"/>
-          <a:chOff x="0" y="0"/>
-          <a:chExt cx="0" cy="0"/>
-        </a:xfrm>
-      </p:grpSpPr>
-      <p:sp>
-        <p:nvSpPr>
-          <p:cNvPr id="2" name="Title 1"/>
-          <p:cNvSpPr>
-            <a:spLocks noGrp="1"/>
-          </p:cNvSpPr>
-          <p:nvPr>
-            <p:ph type="title"/>
-          </p:nvPr>
-        </p:nvSpPr>
-        <p:spPr>
-          <a:xfrm>
-            <a:off x="381000" y="2895600"/>
-            <a:ext cx="8382000" cy="997196"/>
-          </a:xfrm>
-        </p:spPr>
-        <p:txBody>
-          <a:bodyPr/>
-          <a:lstStyle/>
-          <a:p>
-            <a:r>
-              <a:rPr lang="en-US" sz="7200" dirty="0"/>
-              <a:t>DEMO: Shared Code</a:t>
-            </a:r>
-          </a:p>
-        </p:txBody>
-      </p:sp>
-    </p:spTree>
-    <p:extLst>
-      <p:ext uri="{BB962C8B-B14F-4D97-AF65-F5344CB8AC3E}">
-        <p14:creationId xmlns:p14="http://schemas.microsoft.com/office/powerpoint/2010/main" val="3632541782"/>
-      </p:ext>
-    </p:extLst>
-  </p:cSld>
-  <p:clrMapOvr>
-    <a:masterClrMapping/>
-  </p:clrMapOvr>
-  <p:transition>
-    <p:fade/>
-  </p:transition>
-</p:sld>
-</file>
-
-<file path=ppt/slides/slide15.xml><?xml version="1.0" encoding="utf-8"?>
-<p:sld xmlns:a="http://schemas.openxmlformats.org/drawingml/2006/main" xmlns:r="http://schemas.openxmlformats.org/officeDocument/2006/relationships" xmlns:p="http://schemas.openxmlformats.org/presentationml/2006/main">
-  <p:cSld>
-    <p:spTree>
-      <p:nvGrpSpPr>
-        <p:cNvPr id="1" name=""/>
-        <p:cNvGrpSpPr/>
-        <p:nvPr/>
-      </p:nvGrpSpPr>
-      <p:grpSpPr>
-        <a:xfrm>
-          <a:off x="0" y="0"/>
-          <a:ext cx="0" cy="0"/>
-          <a:chOff x="0" y="0"/>
-          <a:chExt cx="0" cy="0"/>
-        </a:xfrm>
-      </p:grpSpPr>
-      <p:sp>
-        <p:nvSpPr>
-          <p:cNvPr id="2" name="Title 1"/>
-          <p:cNvSpPr>
-            <a:spLocks noGrp="1"/>
-          </p:cNvSpPr>
-          <p:nvPr>
-            <p:ph type="title"/>
-          </p:nvPr>
-        </p:nvSpPr>
-        <p:spPr>
-          <a:xfrm>
-            <a:off x="381000" y="2895600"/>
-            <a:ext cx="8382000" cy="1994392"/>
-          </a:xfrm>
-        </p:spPr>
-        <p:txBody>
-          <a:bodyPr/>
-          <a:lstStyle/>
-          <a:p>
-            <a:r>
-              <a:rPr lang="en-US" sz="7200" dirty="0"/>
-              <a:t>DEMO: Implementing Portable Class Libraries</a:t>
-            </a:r>
-          </a:p>
-        </p:txBody>
-      </p:sp>
-    </p:spTree>
-    <p:extLst>
-      <p:ext uri="{BB962C8B-B14F-4D97-AF65-F5344CB8AC3E}">
-        <p14:creationId xmlns:p14="http://schemas.microsoft.com/office/powerpoint/2010/main" val="78523174"/>
-      </p:ext>
-    </p:extLst>
-  </p:cSld>
-  <p:clrMapOvr>
-    <a:masterClrMapping/>
-  </p:clrMapOvr>
-  <p:transition>
-    <p:fade/>
-  </p:transition>
-</p:sld>
-</file>
-
-<file path=ppt/slides/slide16.xml><?xml version="1.0" encoding="utf-8"?>
-<p:sld xmlns:a="http://schemas.openxmlformats.org/drawingml/2006/main" xmlns:r="http://schemas.openxmlformats.org/officeDocument/2006/relationships" xmlns:p="http://schemas.openxmlformats.org/presentationml/2006/main">
-  <p:cSld>
-    <p:spTree>
-      <p:nvGrpSpPr>
-        <p:cNvPr id="1" name=""/>
-        <p:cNvGrpSpPr/>
-        <p:nvPr/>
-      </p:nvGrpSpPr>
-      <p:grpSpPr>
-        <a:xfrm>
-          <a:off x="0" y="0"/>
-          <a:ext cx="0" cy="0"/>
-          <a:chOff x="0" y="0"/>
-          <a:chExt cx="0" cy="0"/>
-        </a:xfrm>
-      </p:grpSpPr>
-      <p:sp>
-        <p:nvSpPr>
-          <p:cNvPr id="2" name="Title 1"/>
-          <p:cNvSpPr>
-            <a:spLocks noGrp="1"/>
-          </p:cNvSpPr>
-          <p:nvPr>
-            <p:ph type="title"/>
-          </p:nvPr>
-        </p:nvSpPr>
-        <p:spPr>
-          <a:xfrm>
-            <a:off x="381000" y="2895600"/>
-            <a:ext cx="8382000" cy="997196"/>
-          </a:xfrm>
-        </p:spPr>
-        <p:txBody>
-          <a:bodyPr/>
-          <a:lstStyle/>
-          <a:p>
-            <a:pPr algn="ctr"/>
-            <a:r>
-              <a:rPr lang="en-US" sz="7200" dirty="0" smtClean="0"/>
-              <a:t>Questions?</a:t>
-            </a:r>
-            <a:endParaRPr lang="en-US" sz="7200" dirty="0"/>
-          </a:p>
-        </p:txBody>
-      </p:sp>
-    </p:spTree>
-    <p:extLst>
-      <p:ext uri="{BB962C8B-B14F-4D97-AF65-F5344CB8AC3E}">
-        <p14:creationId xmlns:p14="http://schemas.microsoft.com/office/powerpoint/2010/main" val="2562062953"/>
-      </p:ext>
-    </p:extLst>
-  </p:cSld>
-  <p:clrMapOvr>
-    <a:masterClrMapping/>
-  </p:clrMapOvr>
-  <p:transition>
-    <p:fade/>
-  </p:transition>
+  <p:timing>
+    <p:tnLst>
+      <p:par>
+        <p:cTn id="1" dur="indefinite" restart="never" nodeType="tmRoot"/>
+      </p:par>
+    </p:tnLst>
+  </p:timing>
 </p:sld>
 </file>
 
@@ -6236,38 +7013,32 @@
             <p:ph type="title"/>
           </p:nvPr>
         </p:nvSpPr>
-        <p:spPr/>
+        <p:spPr>
+          <a:xfrm>
+            <a:off x="381000" y="2895600"/>
+            <a:ext cx="8382000" cy="2991588"/>
+          </a:xfrm>
+        </p:spPr>
         <p:txBody>
           <a:bodyPr/>
           <a:lstStyle/>
           <a:p>
-            <a:endParaRPr lang="en-US"/>
-          </a:p>
-        </p:txBody>
-      </p:sp>
-      <p:sp>
-        <p:nvSpPr>
-          <p:cNvPr id="3" name="Content Placeholder 2"/>
-          <p:cNvSpPr>
-            <a:spLocks noGrp="1"/>
-          </p:cNvSpPr>
-          <p:nvPr>
-            <p:ph idx="1"/>
-          </p:nvPr>
-        </p:nvSpPr>
-        <p:spPr/>
-        <p:txBody>
-          <a:bodyPr/>
-          <a:lstStyle/>
-          <a:p>
-            <a:endParaRPr lang="en-US"/>
+            <a:pPr algn="ctr"/>
+            <a:r>
+              <a:rPr lang="en-US" sz="7200" dirty="0"/>
+              <a:t>DEMO: Platform Specific Code</a:t>
+            </a:r>
+            <a:br>
+              <a:rPr lang="en-US" sz="7200" dirty="0"/>
+            </a:br>
+            <a:endParaRPr lang="en-US" sz="7200" dirty="0"/>
           </a:p>
         </p:txBody>
       </p:sp>
     </p:spTree>
     <p:extLst>
       <p:ext uri="{BB962C8B-B14F-4D97-AF65-F5344CB8AC3E}">
-        <p14:creationId xmlns:p14="http://schemas.microsoft.com/office/powerpoint/2010/main" val="2989410102"/>
+        <p14:creationId xmlns:p14="http://schemas.microsoft.com/office/powerpoint/2010/main" val="3703279513"/>
       </p:ext>
     </p:extLst>
   </p:cSld>
@@ -6277,6 +7048,13 @@
   <p:transition>
     <p:fade/>
   </p:transition>
+  <p:timing>
+    <p:tnLst>
+      <p:par>
+        <p:cTn id="1" dur="indefinite" restart="never" nodeType="tmRoot"/>
+      </p:par>
+    </p:tnLst>
+  </p:timing>
 </p:sld>
 </file>
 
@@ -6307,38 +7085,27 @@
             <p:ph type="title"/>
           </p:nvPr>
         </p:nvSpPr>
-        <p:spPr/>
+        <p:spPr>
+          <a:xfrm>
+            <a:off x="381000" y="2895600"/>
+            <a:ext cx="8382000" cy="997196"/>
+          </a:xfrm>
+        </p:spPr>
         <p:txBody>
           <a:bodyPr/>
           <a:lstStyle/>
           <a:p>
-            <a:endParaRPr lang="en-US"/>
-          </a:p>
-        </p:txBody>
-      </p:sp>
-      <p:sp>
-        <p:nvSpPr>
-          <p:cNvPr id="3" name="Content Placeholder 2"/>
-          <p:cNvSpPr>
-            <a:spLocks noGrp="1"/>
-          </p:cNvSpPr>
-          <p:nvPr>
-            <p:ph idx="1"/>
-          </p:nvPr>
-        </p:nvSpPr>
-        <p:spPr/>
-        <p:txBody>
-          <a:bodyPr/>
-          <a:lstStyle/>
-          <a:p>
-            <a:endParaRPr lang="en-US"/>
+            <a:r>
+              <a:rPr lang="en-US" sz="7200" dirty="0"/>
+              <a:t>DEMO: Shared Code</a:t>
+            </a:r>
           </a:p>
         </p:txBody>
       </p:sp>
     </p:spTree>
     <p:extLst>
       <p:ext uri="{BB962C8B-B14F-4D97-AF65-F5344CB8AC3E}">
-        <p14:creationId xmlns:p14="http://schemas.microsoft.com/office/powerpoint/2010/main" val="2593128978"/>
+        <p14:creationId xmlns:p14="http://schemas.microsoft.com/office/powerpoint/2010/main" val="3632541782"/>
       </p:ext>
     </p:extLst>
   </p:cSld>
@@ -6378,38 +7145,27 @@
             <p:ph type="title"/>
           </p:nvPr>
         </p:nvSpPr>
-        <p:spPr/>
+        <p:spPr>
+          <a:xfrm>
+            <a:off x="381000" y="2895600"/>
+            <a:ext cx="8382000" cy="1994392"/>
+          </a:xfrm>
+        </p:spPr>
         <p:txBody>
           <a:bodyPr/>
           <a:lstStyle/>
           <a:p>
-            <a:endParaRPr lang="en-US"/>
-          </a:p>
-        </p:txBody>
-      </p:sp>
-      <p:sp>
-        <p:nvSpPr>
-          <p:cNvPr id="3" name="Content Placeholder 2"/>
-          <p:cNvSpPr>
-            <a:spLocks noGrp="1"/>
-          </p:cNvSpPr>
-          <p:nvPr>
-            <p:ph idx="1"/>
-          </p:nvPr>
-        </p:nvSpPr>
-        <p:spPr/>
-        <p:txBody>
-          <a:bodyPr/>
-          <a:lstStyle/>
-          <a:p>
-            <a:endParaRPr lang="en-US"/>
+            <a:r>
+              <a:rPr lang="en-US" sz="7200" dirty="0"/>
+              <a:t>DEMO: Implementing Portable Class Libraries</a:t>
+            </a:r>
           </a:p>
         </p:txBody>
       </p:sp>
     </p:spTree>
     <p:extLst>
       <p:ext uri="{BB962C8B-B14F-4D97-AF65-F5344CB8AC3E}">
-        <p14:creationId xmlns:p14="http://schemas.microsoft.com/office/powerpoint/2010/main" val="1981810332"/>
+        <p14:creationId xmlns:p14="http://schemas.microsoft.com/office/powerpoint/2010/main" val="78523174"/>
       </p:ext>
     </p:extLst>
   </p:cSld>
@@ -6456,7 +7212,7 @@
           <a:p>
             <a:r>
               <a:rPr lang="en-US" dirty="0" smtClean="0"/>
-              <a:t>Agenda</a:t>
+              <a:t>About Me</a:t>
             </a:r>
             <a:endParaRPr lang="en-US" dirty="0"/>
           </a:p>
@@ -6475,7 +7231,7 @@
         <p:spPr>
           <a:xfrm>
             <a:off x="381000" y="1412875"/>
-            <a:ext cx="8382000" cy="4776692"/>
+            <a:ext cx="8382000" cy="5324535"/>
           </a:xfrm>
         </p:spPr>
         <p:txBody>
@@ -6483,51 +7239,90 @@
           <a:lstStyle/>
           <a:p>
             <a:r>
-              <a:rPr lang="en-US" dirty="0" smtClean="0"/>
-              <a:t>About me</a:t>
-            </a:r>
-          </a:p>
-          <a:p>
-            <a:r>
-              <a:rPr lang="en-US" dirty="0" smtClean="0"/>
-              <a:t>What is a Universal App and how to get started</a:t>
-            </a:r>
-          </a:p>
-          <a:p>
-            <a:r>
-              <a:rPr lang="en-US" dirty="0" smtClean="0"/>
-              <a:t>API Documentation</a:t>
-            </a:r>
-          </a:p>
-          <a:p>
-            <a:r>
-              <a:rPr lang="en-US" dirty="0" smtClean="0"/>
-              <a:t>Tools that can help</a:t>
-            </a:r>
-          </a:p>
-          <a:p>
-            <a:r>
-              <a:rPr lang="en-US" dirty="0"/>
-              <a:t>Anatomy of a Universal App</a:t>
-            </a:r>
-          </a:p>
-          <a:p>
-            <a:r>
-              <a:rPr lang="en-US" dirty="0" smtClean="0"/>
-              <a:t>Platform Specific Code</a:t>
-            </a:r>
-          </a:p>
-          <a:p>
-            <a:r>
-              <a:rPr lang="en-US" dirty="0" smtClean="0"/>
-              <a:t>Shared Code</a:t>
-            </a:r>
-          </a:p>
-          <a:p>
-            <a:r>
-              <a:rPr lang="en-US" dirty="0" smtClean="0"/>
-              <a:t>Implementing Portable Class Libraries</a:t>
-            </a:r>
+              <a:rPr lang="en-US" sz="2800" dirty="0"/>
+              <a:t>Developer for TechSmith Corp aka the </a:t>
+            </a:r>
+            <a:r>
+              <a:rPr lang="en-US" sz="2800" dirty="0" err="1"/>
+              <a:t>Snagit</a:t>
+            </a:r>
+            <a:r>
+              <a:rPr lang="en-US" sz="2800" dirty="0"/>
+              <a:t> and Camtasia </a:t>
+            </a:r>
+            <a:r>
+              <a:rPr lang="en-US" sz="2800" dirty="0" smtClean="0"/>
+              <a:t>Studio guys </a:t>
+            </a:r>
+            <a:endParaRPr lang="en-US" sz="2800" dirty="0"/>
+          </a:p>
+          <a:p>
+            <a:r>
+              <a:rPr lang="en-US" sz="2800" dirty="0"/>
+              <a:t>Almost 20 year of professional experience</a:t>
+            </a:r>
+          </a:p>
+          <a:p>
+            <a:r>
+              <a:rPr lang="en-US" sz="2800" dirty="0"/>
+              <a:t>Another </a:t>
+            </a:r>
+            <a:r>
+              <a:rPr lang="en-US" sz="2800" dirty="0" smtClean="0"/>
+              <a:t>10+ </a:t>
+            </a:r>
+            <a:r>
+              <a:rPr lang="en-US" sz="2800" dirty="0"/>
+              <a:t>years of writing code for fun starting </a:t>
+            </a:r>
+            <a:r>
+              <a:rPr lang="en-US" sz="2800" dirty="0" smtClean="0"/>
+              <a:t>in middle school on </a:t>
+            </a:r>
+            <a:r>
+              <a:rPr lang="en-US" sz="2800" dirty="0"/>
+              <a:t>a TRS-80 Model II</a:t>
+            </a:r>
+          </a:p>
+          <a:p>
+            <a:r>
+              <a:rPr lang="en-US" sz="2800" dirty="0" smtClean="0"/>
+              <a:t>Previous </a:t>
+            </a:r>
+            <a:r>
+              <a:rPr lang="en-US" sz="2800" dirty="0"/>
+              <a:t>experience in everything from GW Basic to Cobol to C to Java on PC, Unix, and Mainframe.</a:t>
+            </a:r>
+          </a:p>
+          <a:p>
+            <a:r>
+              <a:rPr lang="en-US" sz="2800" dirty="0"/>
+              <a:t>Written code to both support </a:t>
+            </a:r>
+            <a:r>
+              <a:rPr lang="en-US" sz="2800" dirty="0" smtClean="0"/>
+              <a:t>business objectives </a:t>
+            </a:r>
+            <a:r>
+              <a:rPr lang="en-US" sz="2800" dirty="0"/>
+              <a:t>and also as a </a:t>
+            </a:r>
+            <a:r>
+              <a:rPr lang="en-US" sz="2800" dirty="0" smtClean="0"/>
+              <a:t>business</a:t>
+            </a:r>
+          </a:p>
+          <a:p>
+            <a:r>
+              <a:rPr lang="en-US" sz="2800" dirty="0"/>
+              <a:t>Most recent projects on Windows Phone and Store 8.1</a:t>
+            </a:r>
+          </a:p>
+          <a:p>
+            <a:pPr marL="0" indent="0">
+              <a:buNone/>
+            </a:pPr>
+            <a:endParaRPr lang="en-US" sz="2800" dirty="0"/>
           </a:p>
           <a:p>
             <a:endParaRPr lang="en-US" dirty="0"/>
@@ -6537,7 +7332,289 @@
     </p:spTree>
     <p:extLst>
       <p:ext uri="{BB962C8B-B14F-4D97-AF65-F5344CB8AC3E}">
-        <p14:creationId xmlns:p14="http://schemas.microsoft.com/office/powerpoint/2010/main" val="3036102824"/>
+        <p14:creationId xmlns:p14="http://schemas.microsoft.com/office/powerpoint/2010/main" val="384887856"/>
+      </p:ext>
+    </p:extLst>
+  </p:cSld>
+  <p:clrMapOvr>
+    <a:masterClrMapping/>
+  </p:clrMapOvr>
+  <p:transition>
+    <p:fade/>
+  </p:transition>
+  <p:timing>
+    <p:tnLst>
+      <p:par>
+        <p:cTn id="1" dur="indefinite" restart="never" nodeType="tmRoot"/>
+      </p:par>
+    </p:tnLst>
+  </p:timing>
+</p:sld>
+</file>
+
+<file path=ppt/slides/slide20.xml><?xml version="1.0" encoding="utf-8"?>
+<p:sld xmlns:a="http://schemas.openxmlformats.org/drawingml/2006/main" xmlns:r="http://schemas.openxmlformats.org/officeDocument/2006/relationships" xmlns:p="http://schemas.openxmlformats.org/presentationml/2006/main">
+  <p:cSld>
+    <p:spTree>
+      <p:nvGrpSpPr>
+        <p:cNvPr id="1" name=""/>
+        <p:cNvGrpSpPr/>
+        <p:nvPr/>
+      </p:nvGrpSpPr>
+      <p:grpSpPr>
+        <a:xfrm>
+          <a:off x="0" y="0"/>
+          <a:ext cx="0" cy="0"/>
+          <a:chOff x="0" y="0"/>
+          <a:chExt cx="0" cy="0"/>
+        </a:xfrm>
+      </p:grpSpPr>
+      <p:sp>
+        <p:nvSpPr>
+          <p:cNvPr id="2" name="Title 1"/>
+          <p:cNvSpPr>
+            <a:spLocks noGrp="1"/>
+          </p:cNvSpPr>
+          <p:nvPr>
+            <p:ph type="title"/>
+          </p:nvPr>
+        </p:nvSpPr>
+        <p:spPr>
+          <a:xfrm>
+            <a:off x="381000" y="2895600"/>
+            <a:ext cx="8382000" cy="997196"/>
+          </a:xfrm>
+        </p:spPr>
+        <p:txBody>
+          <a:bodyPr/>
+          <a:lstStyle/>
+          <a:p>
+            <a:pPr algn="ctr"/>
+            <a:r>
+              <a:rPr lang="en-US" sz="7200" dirty="0" smtClean="0"/>
+              <a:t>Questions?</a:t>
+            </a:r>
+            <a:endParaRPr lang="en-US" sz="7200" dirty="0"/>
+          </a:p>
+        </p:txBody>
+      </p:sp>
+    </p:spTree>
+    <p:extLst>
+      <p:ext uri="{BB962C8B-B14F-4D97-AF65-F5344CB8AC3E}">
+        <p14:creationId xmlns:p14="http://schemas.microsoft.com/office/powerpoint/2010/main" val="2562062953"/>
+      </p:ext>
+    </p:extLst>
+  </p:cSld>
+  <p:clrMapOvr>
+    <a:masterClrMapping/>
+  </p:clrMapOvr>
+  <p:transition>
+    <p:fade/>
+  </p:transition>
+</p:sld>
+</file>
+
+<file path=ppt/slides/slide21.xml><?xml version="1.0" encoding="utf-8"?>
+<p:sld xmlns:a="http://schemas.openxmlformats.org/drawingml/2006/main" xmlns:r="http://schemas.openxmlformats.org/officeDocument/2006/relationships" xmlns:p="http://schemas.openxmlformats.org/presentationml/2006/main">
+  <p:cSld>
+    <p:spTree>
+      <p:nvGrpSpPr>
+        <p:cNvPr id="1" name=""/>
+        <p:cNvGrpSpPr/>
+        <p:nvPr/>
+      </p:nvGrpSpPr>
+      <p:grpSpPr>
+        <a:xfrm>
+          <a:off x="0" y="0"/>
+          <a:ext cx="0" cy="0"/>
+          <a:chOff x="0" y="0"/>
+          <a:chExt cx="0" cy="0"/>
+        </a:xfrm>
+      </p:grpSpPr>
+      <p:sp>
+        <p:nvSpPr>
+          <p:cNvPr id="2" name="Title 1"/>
+          <p:cNvSpPr>
+            <a:spLocks noGrp="1"/>
+          </p:cNvSpPr>
+          <p:nvPr>
+            <p:ph type="title"/>
+          </p:nvPr>
+        </p:nvSpPr>
+        <p:spPr/>
+        <p:txBody>
+          <a:bodyPr/>
+          <a:lstStyle/>
+          <a:p>
+            <a:endParaRPr lang="en-US"/>
+          </a:p>
+        </p:txBody>
+      </p:sp>
+      <p:sp>
+        <p:nvSpPr>
+          <p:cNvPr id="3" name="Content Placeholder 2"/>
+          <p:cNvSpPr>
+            <a:spLocks noGrp="1"/>
+          </p:cNvSpPr>
+          <p:nvPr>
+            <p:ph idx="1"/>
+          </p:nvPr>
+        </p:nvSpPr>
+        <p:spPr/>
+        <p:txBody>
+          <a:bodyPr/>
+          <a:lstStyle/>
+          <a:p>
+            <a:endParaRPr lang="en-US"/>
+          </a:p>
+        </p:txBody>
+      </p:sp>
+    </p:spTree>
+    <p:extLst>
+      <p:ext uri="{BB962C8B-B14F-4D97-AF65-F5344CB8AC3E}">
+        <p14:creationId xmlns:p14="http://schemas.microsoft.com/office/powerpoint/2010/main" val="2989410102"/>
+      </p:ext>
+    </p:extLst>
+  </p:cSld>
+  <p:clrMapOvr>
+    <a:masterClrMapping/>
+  </p:clrMapOvr>
+  <p:transition>
+    <p:fade/>
+  </p:transition>
+</p:sld>
+</file>
+
+<file path=ppt/slides/slide22.xml><?xml version="1.0" encoding="utf-8"?>
+<p:sld xmlns:a="http://schemas.openxmlformats.org/drawingml/2006/main" xmlns:r="http://schemas.openxmlformats.org/officeDocument/2006/relationships" xmlns:p="http://schemas.openxmlformats.org/presentationml/2006/main">
+  <p:cSld>
+    <p:spTree>
+      <p:nvGrpSpPr>
+        <p:cNvPr id="1" name=""/>
+        <p:cNvGrpSpPr/>
+        <p:nvPr/>
+      </p:nvGrpSpPr>
+      <p:grpSpPr>
+        <a:xfrm>
+          <a:off x="0" y="0"/>
+          <a:ext cx="0" cy="0"/>
+          <a:chOff x="0" y="0"/>
+          <a:chExt cx="0" cy="0"/>
+        </a:xfrm>
+      </p:grpSpPr>
+      <p:sp>
+        <p:nvSpPr>
+          <p:cNvPr id="2" name="Title 1"/>
+          <p:cNvSpPr>
+            <a:spLocks noGrp="1"/>
+          </p:cNvSpPr>
+          <p:nvPr>
+            <p:ph type="title"/>
+          </p:nvPr>
+        </p:nvSpPr>
+        <p:spPr/>
+        <p:txBody>
+          <a:bodyPr/>
+          <a:lstStyle/>
+          <a:p>
+            <a:endParaRPr lang="en-US"/>
+          </a:p>
+        </p:txBody>
+      </p:sp>
+      <p:sp>
+        <p:nvSpPr>
+          <p:cNvPr id="3" name="Content Placeholder 2"/>
+          <p:cNvSpPr>
+            <a:spLocks noGrp="1"/>
+          </p:cNvSpPr>
+          <p:nvPr>
+            <p:ph idx="1"/>
+          </p:nvPr>
+        </p:nvSpPr>
+        <p:spPr/>
+        <p:txBody>
+          <a:bodyPr/>
+          <a:lstStyle/>
+          <a:p>
+            <a:endParaRPr lang="en-US"/>
+          </a:p>
+        </p:txBody>
+      </p:sp>
+    </p:spTree>
+    <p:extLst>
+      <p:ext uri="{BB962C8B-B14F-4D97-AF65-F5344CB8AC3E}">
+        <p14:creationId xmlns:p14="http://schemas.microsoft.com/office/powerpoint/2010/main" val="2593128978"/>
+      </p:ext>
+    </p:extLst>
+  </p:cSld>
+  <p:clrMapOvr>
+    <a:masterClrMapping/>
+  </p:clrMapOvr>
+  <p:transition>
+    <p:fade/>
+  </p:transition>
+</p:sld>
+</file>
+
+<file path=ppt/slides/slide23.xml><?xml version="1.0" encoding="utf-8"?>
+<p:sld xmlns:a="http://schemas.openxmlformats.org/drawingml/2006/main" xmlns:r="http://schemas.openxmlformats.org/officeDocument/2006/relationships" xmlns:p="http://schemas.openxmlformats.org/presentationml/2006/main">
+  <p:cSld>
+    <p:spTree>
+      <p:nvGrpSpPr>
+        <p:cNvPr id="1" name=""/>
+        <p:cNvGrpSpPr/>
+        <p:nvPr/>
+      </p:nvGrpSpPr>
+      <p:grpSpPr>
+        <a:xfrm>
+          <a:off x="0" y="0"/>
+          <a:ext cx="0" cy="0"/>
+          <a:chOff x="0" y="0"/>
+          <a:chExt cx="0" cy="0"/>
+        </a:xfrm>
+      </p:grpSpPr>
+      <p:sp>
+        <p:nvSpPr>
+          <p:cNvPr id="2" name="Title 1"/>
+          <p:cNvSpPr>
+            <a:spLocks noGrp="1"/>
+          </p:cNvSpPr>
+          <p:nvPr>
+            <p:ph type="title"/>
+          </p:nvPr>
+        </p:nvSpPr>
+        <p:spPr/>
+        <p:txBody>
+          <a:bodyPr/>
+          <a:lstStyle/>
+          <a:p>
+            <a:endParaRPr lang="en-US"/>
+          </a:p>
+        </p:txBody>
+      </p:sp>
+      <p:sp>
+        <p:nvSpPr>
+          <p:cNvPr id="3" name="Content Placeholder 2"/>
+          <p:cNvSpPr>
+            <a:spLocks noGrp="1"/>
+          </p:cNvSpPr>
+          <p:nvPr>
+            <p:ph idx="1"/>
+          </p:nvPr>
+        </p:nvSpPr>
+        <p:spPr/>
+        <p:txBody>
+          <a:bodyPr/>
+          <a:lstStyle/>
+          <a:p>
+            <a:endParaRPr lang="en-US"/>
+          </a:p>
+        </p:txBody>
+      </p:sp>
+    </p:spTree>
+    <p:extLst>
+      <p:ext uri="{BB962C8B-B14F-4D97-AF65-F5344CB8AC3E}">
+        <p14:creationId xmlns:p14="http://schemas.microsoft.com/office/powerpoint/2010/main" val="1981810332"/>
       </p:ext>
     </p:extLst>
   </p:cSld>
@@ -6584,7 +7661,7 @@
           <a:p>
             <a:r>
               <a:rPr lang="en-US" dirty="0" smtClean="0"/>
-              <a:t>About Me</a:t>
+              <a:t>Agenda</a:t>
             </a:r>
             <a:endParaRPr lang="en-US" dirty="0"/>
           </a:p>
@@ -6603,7 +7680,7 @@
         <p:spPr>
           <a:xfrm>
             <a:off x="381000" y="1412875"/>
-            <a:ext cx="8382000" cy="3939540"/>
+            <a:ext cx="8382000" cy="4179606"/>
           </a:xfrm>
         </p:spPr>
         <p:txBody>
@@ -6611,37 +7688,69 @@
           <a:lstStyle/>
           <a:p>
             <a:r>
-              <a:rPr lang="en-US" dirty="0" smtClean="0"/>
-              <a:t>Developer for TechSmith Corp</a:t>
-            </a:r>
-          </a:p>
-          <a:p>
-            <a:r>
-              <a:rPr lang="en-US" dirty="0" smtClean="0"/>
-              <a:t>Almost 20 year of professional experience</a:t>
-            </a:r>
-          </a:p>
-          <a:p>
-            <a:r>
-              <a:rPr lang="en-US" dirty="0" smtClean="0"/>
-              <a:t>Most recent projects on Windows Phone and Store 8.1</a:t>
-            </a:r>
-          </a:p>
-          <a:p>
-            <a:r>
-              <a:rPr lang="en-US" dirty="0" smtClean="0"/>
-              <a:t>Previous experience in everything from GW Basic to Cobol to C to Java on PC, Unix, and Mainframe.</a:t>
-            </a:r>
-          </a:p>
-          <a:p>
-            <a:endParaRPr lang="en-US" dirty="0"/>
+              <a:rPr lang="en-US" sz="2800" dirty="0"/>
+              <a:t>About me</a:t>
+            </a:r>
+          </a:p>
+          <a:p>
+            <a:r>
+              <a:rPr lang="en-US" sz="2800" dirty="0"/>
+              <a:t>What is a Universal App and how to get started</a:t>
+            </a:r>
+          </a:p>
+          <a:p>
+            <a:r>
+              <a:rPr lang="en-US" sz="2800" dirty="0"/>
+              <a:t>API Documentation</a:t>
+            </a:r>
+          </a:p>
+          <a:p>
+            <a:r>
+              <a:rPr lang="en-US" sz="2800" dirty="0"/>
+              <a:t>Tools that can help</a:t>
+            </a:r>
+          </a:p>
+          <a:p>
+            <a:r>
+              <a:rPr lang="en-US" sz="2800" dirty="0"/>
+              <a:t>Anatomy of a Universal App</a:t>
+            </a:r>
+          </a:p>
+          <a:p>
+            <a:r>
+              <a:rPr lang="en-US" sz="2800" dirty="0"/>
+              <a:t>Platform Specific Code</a:t>
+            </a:r>
+          </a:p>
+          <a:p>
+            <a:r>
+              <a:rPr lang="en-US" sz="2800" dirty="0"/>
+              <a:t>Shared Code</a:t>
+            </a:r>
+          </a:p>
+          <a:p>
+            <a:r>
+              <a:rPr lang="en-US" sz="2800" dirty="0"/>
+              <a:t>Implementing Portable Class Libraries</a:t>
+            </a:r>
+          </a:p>
+          <a:p>
+            <a:r>
+              <a:rPr lang="en-US" sz="2800" dirty="0"/>
+              <a:t>Some ways to share code with </a:t>
+            </a:r>
+            <a:r>
+              <a:rPr lang="en-US" sz="2800" dirty="0" smtClean="0"/>
+              <a:t>WPF Desktop</a:t>
+            </a:r>
+            <a:endParaRPr lang="en-US" sz="2800" dirty="0"/>
           </a:p>
         </p:txBody>
       </p:sp>
     </p:spTree>
     <p:extLst>
       <p:ext uri="{BB962C8B-B14F-4D97-AF65-F5344CB8AC3E}">
-        <p14:creationId xmlns:p14="http://schemas.microsoft.com/office/powerpoint/2010/main" val="384887856"/>
+        <p14:creationId xmlns:p14="http://schemas.microsoft.com/office/powerpoint/2010/main" val="3036102824"/>
       </p:ext>
     </p:extLst>
   </p:cSld>
@@ -6651,10 +7760,162 @@
   <p:transition>
     <p:fade/>
   </p:transition>
+  <p:timing>
+    <p:tnLst>
+      <p:par>
+        <p:cTn id="1" dur="indefinite" restart="never" nodeType="tmRoot"/>
+      </p:par>
+    </p:tnLst>
+  </p:timing>
 </p:sld>
 </file>
 
 <file path=ppt/slides/slide4.xml><?xml version="1.0" encoding="utf-8"?>
+<p:sld xmlns:a="http://schemas.openxmlformats.org/drawingml/2006/main" xmlns:r="http://schemas.openxmlformats.org/officeDocument/2006/relationships" xmlns:p="http://schemas.openxmlformats.org/presentationml/2006/main">
+  <p:cSld>
+    <p:spTree>
+      <p:nvGrpSpPr>
+        <p:cNvPr id="1" name=""/>
+        <p:cNvGrpSpPr/>
+        <p:nvPr/>
+      </p:nvGrpSpPr>
+      <p:grpSpPr>
+        <a:xfrm>
+          <a:off x="0" y="0"/>
+          <a:ext cx="0" cy="0"/>
+          <a:chOff x="0" y="0"/>
+          <a:chExt cx="0" cy="0"/>
+        </a:xfrm>
+      </p:grpSpPr>
+      <p:sp>
+        <p:nvSpPr>
+          <p:cNvPr id="2" name="Title 1"/>
+          <p:cNvSpPr>
+            <a:spLocks noGrp="1"/>
+          </p:cNvSpPr>
+          <p:nvPr>
+            <p:ph type="title"/>
+          </p:nvPr>
+        </p:nvSpPr>
+        <p:spPr/>
+        <p:txBody>
+          <a:bodyPr/>
+          <a:lstStyle/>
+          <a:p>
+            <a:r>
+              <a:rPr lang="en-US" dirty="0" smtClean="0"/>
+              <a:t>Agenda</a:t>
+            </a:r>
+            <a:endParaRPr lang="en-US" dirty="0"/>
+          </a:p>
+        </p:txBody>
+      </p:sp>
+      <p:sp>
+        <p:nvSpPr>
+          <p:cNvPr id="3" name="Content Placeholder 2"/>
+          <p:cNvSpPr>
+            <a:spLocks noGrp="1"/>
+          </p:cNvSpPr>
+          <p:nvPr>
+            <p:ph idx="1"/>
+          </p:nvPr>
+        </p:nvSpPr>
+        <p:spPr>
+          <a:xfrm>
+            <a:off x="381000" y="1412875"/>
+            <a:ext cx="8382000" cy="4179606"/>
+          </a:xfrm>
+        </p:spPr>
+        <p:txBody>
+          <a:bodyPr/>
+          <a:lstStyle/>
+          <a:p>
+            <a:r>
+              <a:rPr lang="en-US" sz="2800" dirty="0"/>
+              <a:t>About me</a:t>
+            </a:r>
+          </a:p>
+          <a:p>
+            <a:r>
+              <a:rPr lang="en-US" sz="2800" b="1" dirty="0">
+                <a:solidFill>
+                  <a:schemeClr val="bg2">
+                    <a:lumMod val="60000"/>
+                    <a:lumOff val="40000"/>
+                  </a:schemeClr>
+                </a:solidFill>
+              </a:rPr>
+              <a:t>What is a Universal App and how to get started</a:t>
+            </a:r>
+          </a:p>
+          <a:p>
+            <a:r>
+              <a:rPr lang="en-US" sz="2800" dirty="0"/>
+              <a:t>API Documentation</a:t>
+            </a:r>
+          </a:p>
+          <a:p>
+            <a:r>
+              <a:rPr lang="en-US" sz="2800" dirty="0"/>
+              <a:t>Tools that can help</a:t>
+            </a:r>
+          </a:p>
+          <a:p>
+            <a:r>
+              <a:rPr lang="en-US" sz="2800" dirty="0"/>
+              <a:t>Anatomy of a Universal App</a:t>
+            </a:r>
+          </a:p>
+          <a:p>
+            <a:r>
+              <a:rPr lang="en-US" sz="2800" dirty="0"/>
+              <a:t>Platform Specific Code</a:t>
+            </a:r>
+          </a:p>
+          <a:p>
+            <a:r>
+              <a:rPr lang="en-US" sz="2800" dirty="0"/>
+              <a:t>Shared Code</a:t>
+            </a:r>
+          </a:p>
+          <a:p>
+            <a:r>
+              <a:rPr lang="en-US" sz="2800" dirty="0"/>
+              <a:t>Implementing Portable Class Libraries</a:t>
+            </a:r>
+          </a:p>
+          <a:p>
+            <a:r>
+              <a:rPr lang="en-US" sz="2800" dirty="0"/>
+              <a:t>Some ways to share code with Desktop</a:t>
+            </a:r>
+          </a:p>
+        </p:txBody>
+      </p:sp>
+    </p:spTree>
+    <p:extLst>
+      <p:ext uri="{BB962C8B-B14F-4D97-AF65-F5344CB8AC3E}">
+        <p14:creationId xmlns:p14="http://schemas.microsoft.com/office/powerpoint/2010/main" val="618991492"/>
+      </p:ext>
+    </p:extLst>
+  </p:cSld>
+  <p:clrMapOvr>
+    <a:masterClrMapping/>
+  </p:clrMapOvr>
+  <p:transition>
+    <p:fade/>
+  </p:transition>
+  <p:timing>
+    <p:tnLst>
+      <p:par>
+        <p:cTn id="1" dur="indefinite" restart="never" nodeType="tmRoot"/>
+      </p:par>
+    </p:tnLst>
+  </p:timing>
+</p:sld>
+</file>
+
+<file path=ppt/slides/slide5.xml><?xml version="1.0" encoding="utf-8"?>
 <p:sld xmlns:a="http://schemas.openxmlformats.org/drawingml/2006/main" xmlns:r="http://schemas.openxmlformats.org/officeDocument/2006/relationships" xmlns:p="http://schemas.openxmlformats.org/presentationml/2006/main">
   <p:cSld>
     <p:spTree>
@@ -6743,10 +8004,17 @@
   <p:transition>
     <p:fade/>
   </p:transition>
+  <p:timing>
+    <p:tnLst>
+      <p:par>
+        <p:cTn id="1" dur="indefinite" restart="never" nodeType="tmRoot"/>
+      </p:par>
+    </p:tnLst>
+  </p:timing>
 </p:sld>
 </file>
 
-<file path=ppt/slides/slide5.xml><?xml version="1.0" encoding="utf-8"?>
+<file path=ppt/slides/slide6.xml><?xml version="1.0" encoding="utf-8"?>
 <p:sld xmlns:a="http://schemas.openxmlformats.org/drawingml/2006/main" xmlns:r="http://schemas.openxmlformats.org/officeDocument/2006/relationships" xmlns:p="http://schemas.openxmlformats.org/presentationml/2006/main">
   <p:cSld>
     <p:spTree>
@@ -6849,10 +8117,162 @@
   <p:transition>
     <p:fade/>
   </p:transition>
+  <p:timing>
+    <p:tnLst>
+      <p:par>
+        <p:cTn id="1" dur="indefinite" restart="never" nodeType="tmRoot"/>
+      </p:par>
+    </p:tnLst>
+  </p:timing>
 </p:sld>
 </file>
 
-<file path=ppt/slides/slide6.xml><?xml version="1.0" encoding="utf-8"?>
+<file path=ppt/slides/slide7.xml><?xml version="1.0" encoding="utf-8"?>
+<p:sld xmlns:a="http://schemas.openxmlformats.org/drawingml/2006/main" xmlns:r="http://schemas.openxmlformats.org/officeDocument/2006/relationships" xmlns:p="http://schemas.openxmlformats.org/presentationml/2006/main">
+  <p:cSld>
+    <p:spTree>
+      <p:nvGrpSpPr>
+        <p:cNvPr id="1" name=""/>
+        <p:cNvGrpSpPr/>
+        <p:nvPr/>
+      </p:nvGrpSpPr>
+      <p:grpSpPr>
+        <a:xfrm>
+          <a:off x="0" y="0"/>
+          <a:ext cx="0" cy="0"/>
+          <a:chOff x="0" y="0"/>
+          <a:chExt cx="0" cy="0"/>
+        </a:xfrm>
+      </p:grpSpPr>
+      <p:sp>
+        <p:nvSpPr>
+          <p:cNvPr id="2" name="Title 1"/>
+          <p:cNvSpPr>
+            <a:spLocks noGrp="1"/>
+          </p:cNvSpPr>
+          <p:nvPr>
+            <p:ph type="title"/>
+          </p:nvPr>
+        </p:nvSpPr>
+        <p:spPr/>
+        <p:txBody>
+          <a:bodyPr/>
+          <a:lstStyle/>
+          <a:p>
+            <a:r>
+              <a:rPr lang="en-US" dirty="0" smtClean="0"/>
+              <a:t>Agenda</a:t>
+            </a:r>
+            <a:endParaRPr lang="en-US" dirty="0"/>
+          </a:p>
+        </p:txBody>
+      </p:sp>
+      <p:sp>
+        <p:nvSpPr>
+          <p:cNvPr id="3" name="Content Placeholder 2"/>
+          <p:cNvSpPr>
+            <a:spLocks noGrp="1"/>
+          </p:cNvSpPr>
+          <p:nvPr>
+            <p:ph idx="1"/>
+          </p:nvPr>
+        </p:nvSpPr>
+        <p:spPr>
+          <a:xfrm>
+            <a:off x="381000" y="1412875"/>
+            <a:ext cx="8382000" cy="4179606"/>
+          </a:xfrm>
+        </p:spPr>
+        <p:txBody>
+          <a:bodyPr/>
+          <a:lstStyle/>
+          <a:p>
+            <a:r>
+              <a:rPr lang="en-US" sz="2800" dirty="0"/>
+              <a:t>About me</a:t>
+            </a:r>
+          </a:p>
+          <a:p>
+            <a:r>
+              <a:rPr lang="en-US" sz="2800" dirty="0"/>
+              <a:t>What is a Universal App and how to get started</a:t>
+            </a:r>
+          </a:p>
+          <a:p>
+            <a:r>
+              <a:rPr lang="en-US" sz="2800" b="1" dirty="0">
+                <a:solidFill>
+                  <a:schemeClr val="bg2">
+                    <a:lumMod val="60000"/>
+                    <a:lumOff val="40000"/>
+                  </a:schemeClr>
+                </a:solidFill>
+              </a:rPr>
+              <a:t>API Documentation</a:t>
+            </a:r>
+          </a:p>
+          <a:p>
+            <a:r>
+              <a:rPr lang="en-US" sz="2800" dirty="0"/>
+              <a:t>Tools that can help</a:t>
+            </a:r>
+          </a:p>
+          <a:p>
+            <a:r>
+              <a:rPr lang="en-US" sz="2800" dirty="0"/>
+              <a:t>Anatomy of a Universal App</a:t>
+            </a:r>
+          </a:p>
+          <a:p>
+            <a:r>
+              <a:rPr lang="en-US" sz="2800" dirty="0"/>
+              <a:t>Platform Specific Code</a:t>
+            </a:r>
+          </a:p>
+          <a:p>
+            <a:r>
+              <a:rPr lang="en-US" sz="2800" dirty="0"/>
+              <a:t>Shared Code</a:t>
+            </a:r>
+          </a:p>
+          <a:p>
+            <a:r>
+              <a:rPr lang="en-US" sz="2800" dirty="0"/>
+              <a:t>Implementing Portable Class Libraries</a:t>
+            </a:r>
+          </a:p>
+          <a:p>
+            <a:r>
+              <a:rPr lang="en-US" sz="2800" dirty="0"/>
+              <a:t>Some ways to share code with Desktop</a:t>
+            </a:r>
+          </a:p>
+        </p:txBody>
+      </p:sp>
+    </p:spTree>
+    <p:extLst>
+      <p:ext uri="{BB962C8B-B14F-4D97-AF65-F5344CB8AC3E}">
+        <p14:creationId xmlns:p14="http://schemas.microsoft.com/office/powerpoint/2010/main" val="3413303204"/>
+      </p:ext>
+    </p:extLst>
+  </p:cSld>
+  <p:clrMapOvr>
+    <a:masterClrMapping/>
+  </p:clrMapOvr>
+  <p:transition>
+    <p:fade/>
+  </p:transition>
+  <p:timing>
+    <p:tnLst>
+      <p:par>
+        <p:cTn id="1" dur="indefinite" restart="never" nodeType="tmRoot"/>
+      </p:par>
+    </p:tnLst>
+  </p:timing>
+</p:sld>
+</file>
+
+<file path=ppt/slides/slide8.xml><?xml version="1.0" encoding="utf-8"?>
 <p:sld xmlns:a="http://schemas.openxmlformats.org/drawingml/2006/main" xmlns:r="http://schemas.openxmlformats.org/officeDocument/2006/relationships" xmlns:p="http://schemas.openxmlformats.org/presentationml/2006/main">
   <p:cSld>
     <p:spTree>
@@ -7639,344 +9059,13 @@
   <p:transition>
     <p:fade/>
   </p:transition>
-</p:sld>
-</file>
-
-<file path=ppt/slides/slide7.xml><?xml version="1.0" encoding="utf-8"?>
-<p:sld xmlns:a="http://schemas.openxmlformats.org/drawingml/2006/main" xmlns:r="http://schemas.openxmlformats.org/officeDocument/2006/relationships" xmlns:p="http://schemas.openxmlformats.org/presentationml/2006/main">
-  <p:cSld>
-    <p:spTree>
-      <p:nvGrpSpPr>
-        <p:cNvPr id="1" name=""/>
-        <p:cNvGrpSpPr/>
-        <p:nvPr/>
-      </p:nvGrpSpPr>
-      <p:grpSpPr>
-        <a:xfrm>
-          <a:off x="0" y="0"/>
-          <a:ext cx="0" cy="0"/>
-          <a:chOff x="0" y="0"/>
-          <a:chExt cx="0" cy="0"/>
-        </a:xfrm>
-      </p:grpSpPr>
-      <p:sp>
-        <p:nvSpPr>
-          <p:cNvPr id="2" name="Title 1"/>
-          <p:cNvSpPr>
-            <a:spLocks noGrp="1"/>
-          </p:cNvSpPr>
-          <p:nvPr>
-            <p:ph type="title"/>
-          </p:nvPr>
-        </p:nvSpPr>
-        <p:spPr/>
-        <p:txBody>
-          <a:bodyPr/>
-          <a:lstStyle/>
-          <a:p>
-            <a:r>
-              <a:rPr lang="en-US" dirty="0"/>
-              <a:t>Another Thing to watch out for</a:t>
-            </a:r>
-          </a:p>
-        </p:txBody>
-      </p:sp>
-      <p:pic>
-        <p:nvPicPr>
-          <p:cNvPr id="4" name="Content Placeholder 5"/>
-          <p:cNvPicPr>
-            <a:picLocks noGrp="1"/>
-          </p:cNvPicPr>
-          <p:nvPr>
-            <p:ph idx="1"/>
-          </p:nvPr>
-        </p:nvPicPr>
-        <p:blipFill>
-          <a:blip r:embed="rId3"/>
-          <a:stretch>
-            <a:fillRect/>
-          </a:stretch>
-        </p:blipFill>
-        <p:spPr>
-          <a:xfrm>
-            <a:off x="381000" y="894984"/>
-            <a:ext cx="8382000" cy="4362815"/>
-          </a:xfrm>
-          <a:prstGeom prst="rect">
-            <a:avLst/>
-          </a:prstGeom>
-        </p:spPr>
-      </p:pic>
-      <p:sp>
-        <p:nvSpPr>
-          <p:cNvPr id="5" name="TextBox 4"/>
-          <p:cNvSpPr txBox="1"/>
-          <p:nvPr/>
-        </p:nvSpPr>
-        <p:spPr>
-          <a:xfrm>
-            <a:off x="457200" y="5404564"/>
-            <a:ext cx="6098997" cy="923330"/>
-          </a:xfrm>
-          <a:prstGeom prst="rect">
-            <a:avLst/>
-          </a:prstGeom>
-          <a:solidFill>
-            <a:schemeClr val="tx1"/>
-          </a:solidFill>
-        </p:spPr>
-        <p:txBody>
-          <a:bodyPr wrap="square" rtlCol="0">
-            <a:spAutoFit/>
-          </a:bodyPr>
-          <a:lstStyle/>
-          <a:p>
-            <a:r>
-              <a:rPr lang="en-US" dirty="0" smtClean="0">
-                <a:solidFill>
-                  <a:srgbClr val="00B0F0"/>
-                </a:solidFill>
-              </a:rPr>
-              <a:t>#if </a:t>
-            </a:r>
-            <a:r>
-              <a:rPr lang="en-US" dirty="0" smtClean="0">
-                <a:solidFill>
-                  <a:schemeClr val="bg1"/>
-                </a:solidFill>
-              </a:rPr>
-              <a:t>WINDOWS_APP</a:t>
-            </a:r>
-          </a:p>
-          <a:p>
-            <a:r>
-              <a:rPr lang="en-US" dirty="0" smtClean="0">
-                <a:solidFill>
-                  <a:schemeClr val="bg1"/>
-                </a:solidFill>
-              </a:rPr>
-              <a:t>          </a:t>
-            </a:r>
-            <a:r>
-              <a:rPr lang="en-US" dirty="0" err="1" smtClean="0">
-                <a:solidFill>
-                  <a:schemeClr val="bg1"/>
-                </a:solidFill>
-              </a:rPr>
-              <a:t>var</a:t>
-            </a:r>
-            <a:r>
-              <a:rPr lang="en-US" dirty="0" smtClean="0">
-                <a:solidFill>
-                  <a:schemeClr val="bg1"/>
-                </a:solidFill>
-              </a:rPr>
-              <a:t> temp = new </a:t>
-            </a:r>
-            <a:r>
-              <a:rPr lang="en-US" dirty="0" err="1" smtClean="0">
-                <a:solidFill>
-                  <a:schemeClr val="bg1"/>
-                </a:solidFill>
-              </a:rPr>
-              <a:t>QueryOptions</a:t>
-            </a:r>
-            <a:r>
-              <a:rPr lang="en-US" dirty="0" smtClean="0">
-                <a:solidFill>
-                  <a:schemeClr val="bg1"/>
-                </a:solidFill>
-              </a:rPr>
-              <a:t>();</a:t>
-            </a:r>
-          </a:p>
-          <a:p>
-            <a:r>
-              <a:rPr lang="en-US" dirty="0" smtClean="0">
-                <a:solidFill>
-                  <a:srgbClr val="00B0F0"/>
-                </a:solidFill>
-              </a:rPr>
-              <a:t>#</a:t>
-            </a:r>
-            <a:r>
-              <a:rPr lang="en-US" dirty="0" err="1">
-                <a:solidFill>
-                  <a:srgbClr val="00B0F0"/>
-                </a:solidFill>
-              </a:rPr>
-              <a:t>endif</a:t>
-            </a:r>
-            <a:endParaRPr lang="en-US" dirty="0">
-              <a:solidFill>
-                <a:srgbClr val="00B0F0"/>
-              </a:solidFill>
-            </a:endParaRPr>
-          </a:p>
-        </p:txBody>
-      </p:sp>
-    </p:spTree>
-    <p:extLst>
-      <p:ext uri="{BB962C8B-B14F-4D97-AF65-F5344CB8AC3E}">
-        <p14:creationId xmlns:p14="http://schemas.microsoft.com/office/powerpoint/2010/main" val="3384395925"/>
-      </p:ext>
-    </p:extLst>
-  </p:cSld>
-  <p:clrMapOvr>
-    <a:masterClrMapping/>
-  </p:clrMapOvr>
-  <p:transition>
-    <p:fade/>
-  </p:transition>
-</p:sld>
-</file>
-
-<file path=ppt/slides/slide8.xml><?xml version="1.0" encoding="utf-8"?>
-<p:sld xmlns:a="http://schemas.openxmlformats.org/drawingml/2006/main" xmlns:r="http://schemas.openxmlformats.org/officeDocument/2006/relationships" xmlns:p="http://schemas.openxmlformats.org/presentationml/2006/main">
-  <p:cSld>
-    <p:spTree>
-      <p:nvGrpSpPr>
-        <p:cNvPr id="1" name=""/>
-        <p:cNvGrpSpPr/>
-        <p:nvPr/>
-      </p:nvGrpSpPr>
-      <p:grpSpPr>
-        <a:xfrm>
-          <a:off x="0" y="0"/>
-          <a:ext cx="0" cy="0"/>
-          <a:chOff x="0" y="0"/>
-          <a:chExt cx="0" cy="0"/>
-        </a:xfrm>
-      </p:grpSpPr>
-      <p:sp>
-        <p:nvSpPr>
-          <p:cNvPr id="2" name="Title 1"/>
-          <p:cNvSpPr>
-            <a:spLocks noGrp="1"/>
-          </p:cNvSpPr>
-          <p:nvPr>
-            <p:ph type="title"/>
-          </p:nvPr>
-        </p:nvSpPr>
-        <p:spPr/>
-        <p:txBody>
-          <a:bodyPr/>
-          <a:lstStyle/>
-          <a:p>
-            <a:r>
-              <a:rPr lang="en-US" b="1" dirty="0"/>
-              <a:t>Tools for Phone development</a:t>
-            </a:r>
-            <a:endParaRPr lang="en-US" dirty="0"/>
-          </a:p>
-        </p:txBody>
-      </p:sp>
-      <p:sp>
-        <p:nvSpPr>
-          <p:cNvPr id="3" name="Content Placeholder 2"/>
-          <p:cNvSpPr>
-            <a:spLocks noGrp="1"/>
-          </p:cNvSpPr>
-          <p:nvPr>
-            <p:ph idx="1"/>
-          </p:nvPr>
-        </p:nvSpPr>
-        <p:spPr>
-          <a:xfrm>
-            <a:off x="381000" y="1412875"/>
-            <a:ext cx="8382000" cy="4924425"/>
-          </a:xfrm>
-        </p:spPr>
-        <p:txBody>
-          <a:bodyPr/>
-          <a:lstStyle/>
-          <a:p>
-            <a:r>
-              <a:rPr lang="en-US" b="1" dirty="0"/>
-              <a:t>Windows phone Power tools - </a:t>
-            </a:r>
-            <a:r>
-              <a:rPr lang="en-US" u="sng" dirty="0">
-                <a:hlinkClick r:id="rId2"/>
-              </a:rPr>
-              <a:t>http://wptools.codeplex.com/</a:t>
-            </a:r>
-            <a:endParaRPr lang="en-US" dirty="0"/>
-          </a:p>
-          <a:p>
-            <a:r>
-              <a:rPr lang="en-US" b="1" dirty="0" err="1"/>
-              <a:t>Iso</a:t>
-            </a:r>
-            <a:r>
-              <a:rPr lang="en-US" b="1" dirty="0"/>
-              <a:t> Store Spy - </a:t>
-            </a:r>
-            <a:r>
-              <a:rPr lang="en-US" u="sng" dirty="0">
-                <a:hlinkClick r:id="rId3"/>
-              </a:rPr>
-              <a:t>https://isostorespy.codeplex.com/</a:t>
-            </a:r>
-            <a:endParaRPr lang="en-US" u="sng" dirty="0"/>
-          </a:p>
-          <a:p>
-            <a:r>
-              <a:rPr lang="en-US" b="1" dirty="0"/>
-              <a:t>Project My Screen App </a:t>
-            </a:r>
-            <a:r>
-              <a:rPr lang="en-US" dirty="0"/>
-              <a:t>-</a:t>
-            </a:r>
-            <a:r>
-              <a:rPr lang="en-US" dirty="0">
-                <a:hlinkClick r:id="rId4"/>
-              </a:rPr>
-              <a:t>http://</a:t>
-            </a:r>
-            <a:r>
-              <a:rPr lang="en-US" dirty="0" smtClean="0">
-                <a:hlinkClick r:id="rId4"/>
-              </a:rPr>
-              <a:t>www.microsoft.com/en-us/download/details.aspx?id=42536</a:t>
-            </a:r>
-            <a:endParaRPr lang="en-US" dirty="0" smtClean="0"/>
-          </a:p>
-          <a:p>
-            <a:r>
-              <a:rPr lang="en-US" dirty="0" smtClean="0"/>
-              <a:t>Visual Studio Performance and Diagnostics</a:t>
-            </a:r>
-          </a:p>
-          <a:p>
-            <a:r>
-              <a:rPr lang="en-US" dirty="0" smtClean="0"/>
-              <a:t>Windows Phone Developer Power Tools (8.1)</a:t>
-            </a:r>
-            <a:endParaRPr lang="en-US" dirty="0"/>
-          </a:p>
-          <a:p>
-            <a:pPr marL="0" indent="0">
-              <a:buNone/>
-            </a:pPr>
-            <a:endParaRPr lang="en-US" dirty="0"/>
-          </a:p>
-        </p:txBody>
-      </p:sp>
-    </p:spTree>
-    <p:extLst>
-      <p:ext uri="{BB962C8B-B14F-4D97-AF65-F5344CB8AC3E}">
-        <p14:creationId xmlns:p14="http://schemas.microsoft.com/office/powerpoint/2010/main" val="3543964158"/>
-      </p:ext>
-    </p:extLst>
-  </p:cSld>
-  <p:clrMapOvr>
-    <a:masterClrMapping/>
-  </p:clrMapOvr>
-  <p:transition>
-    <p:fade/>
-  </p:transition>
+  <p:timing>
+    <p:tnLst>
+      <p:par>
+        <p:cTn id="1" dur="indefinite" restart="never" nodeType="tmRoot"/>
+      </p:par>
+    </p:tnLst>
+  </p:timing>
 </p:sld>
 </file>
 
@@ -8014,69 +9103,149 @@
           <a:p>
             <a:r>
               <a:rPr lang="en-US" dirty="0"/>
-              <a:t>MVVM Libraries</a:t>
+              <a:t>Another Thing to watch out for</a:t>
             </a:r>
           </a:p>
         </p:txBody>
       </p:sp>
-      <p:sp>
-        <p:nvSpPr>
-          <p:cNvPr id="3" name="Content Placeholder 2"/>
-          <p:cNvSpPr>
-            <a:spLocks noGrp="1"/>
-          </p:cNvSpPr>
+      <p:pic>
+        <p:nvPicPr>
+          <p:cNvPr id="4" name="Content Placeholder 5"/>
+          <p:cNvPicPr>
+            <a:picLocks noGrp="1"/>
+          </p:cNvPicPr>
           <p:nvPr>
             <p:ph idx="1"/>
           </p:nvPr>
-        </p:nvSpPr>
+        </p:nvPicPr>
+        <p:blipFill>
+          <a:blip r:embed="rId3"/>
+          <a:stretch>
+            <a:fillRect/>
+          </a:stretch>
+        </p:blipFill>
         <p:spPr>
           <a:xfrm>
-            <a:off x="381000" y="1412875"/>
-            <a:ext cx="8382000" cy="2609945"/>
+            <a:off x="381000" y="894984"/>
+            <a:ext cx="8382000" cy="4362815"/>
           </a:xfrm>
+          <a:prstGeom prst="rect">
+            <a:avLst/>
+          </a:prstGeom>
+        </p:spPr>
+      </p:pic>
+      <p:sp>
+        <p:nvSpPr>
+          <p:cNvPr id="5" name="TextBox 4"/>
+          <p:cNvSpPr txBox="1"/>
+          <p:nvPr/>
+        </p:nvSpPr>
+        <p:spPr>
+          <a:xfrm>
+            <a:off x="457200" y="5404564"/>
+            <a:ext cx="6098997" cy="923330"/>
+          </a:xfrm>
+          <a:prstGeom prst="rect">
+            <a:avLst/>
+          </a:prstGeom>
+          <a:solidFill>
+            <a:schemeClr val="tx1"/>
+          </a:solidFill>
         </p:spPr>
         <p:txBody>
-          <a:bodyPr/>
+          <a:bodyPr wrap="square" rtlCol="0">
+            <a:spAutoFit/>
+          </a:bodyPr>
           <a:lstStyle/>
           <a:p>
             <a:r>
-              <a:rPr lang="en-US" dirty="0"/>
-              <a:t>MVVM Light</a:t>
-            </a:r>
-          </a:p>
-          <a:p>
-            <a:r>
-              <a:rPr lang="en-US" dirty="0"/>
-              <a:t>Prism</a:t>
-            </a:r>
-          </a:p>
-          <a:p>
-            <a:r>
-              <a:rPr lang="en-US" dirty="0" err="1"/>
-              <a:t>MvvmCross</a:t>
-            </a:r>
-            <a:endParaRPr lang="en-US" dirty="0"/>
-          </a:p>
-          <a:p>
-            <a:r>
-              <a:rPr lang="en-US" dirty="0" err="1"/>
-              <a:t>Catel.MVVM</a:t>
-            </a:r>
-            <a:endParaRPr lang="en-US" dirty="0"/>
-          </a:p>
-          <a:p>
-            <a:r>
-              <a:rPr lang="en-US" dirty="0" err="1" smtClean="0"/>
-              <a:t>Caliburn.Micro</a:t>
-            </a:r>
-            <a:endParaRPr lang="en-US" dirty="0"/>
+              <a:rPr lang="en-US" dirty="0" smtClean="0">
+                <a:solidFill>
+                  <a:srgbClr val="00B0F0"/>
+                </a:solidFill>
+              </a:rPr>
+              <a:t>#if </a:t>
+            </a:r>
+            <a:r>
+              <a:rPr lang="en-US" dirty="0" smtClean="0">
+                <a:solidFill>
+                  <a:schemeClr val="bg1"/>
+                </a:solidFill>
+              </a:rPr>
+              <a:t>WINDOWS_APP</a:t>
+            </a:r>
+          </a:p>
+          <a:p>
+            <a:r>
+              <a:rPr lang="en-US" dirty="0" smtClean="0">
+                <a:solidFill>
+                  <a:schemeClr val="bg1"/>
+                </a:solidFill>
+              </a:rPr>
+              <a:t>          </a:t>
+            </a:r>
+            <a:r>
+              <a:rPr lang="en-US" dirty="0" err="1" smtClean="0">
+                <a:solidFill>
+                  <a:schemeClr val="bg1"/>
+                </a:solidFill>
+              </a:rPr>
+              <a:t>var</a:t>
+            </a:r>
+            <a:r>
+              <a:rPr lang="en-US" dirty="0" smtClean="0">
+                <a:solidFill>
+                  <a:schemeClr val="bg1"/>
+                </a:solidFill>
+              </a:rPr>
+              <a:t> temp = new </a:t>
+            </a:r>
+            <a:r>
+              <a:rPr lang="en-US" dirty="0" err="1" smtClean="0">
+                <a:solidFill>
+                  <a:schemeClr val="bg1"/>
+                </a:solidFill>
+              </a:rPr>
+              <a:t>QueryOptions</a:t>
+            </a:r>
+            <a:r>
+              <a:rPr lang="en-US" dirty="0" smtClean="0">
+                <a:solidFill>
+                  <a:schemeClr val="bg1"/>
+                </a:solidFill>
+              </a:rPr>
+              <a:t>();</a:t>
+            </a:r>
+          </a:p>
+          <a:p>
+            <a:r>
+              <a:rPr lang="en-US" dirty="0" smtClean="0">
+                <a:solidFill>
+                  <a:srgbClr val="00B0F0"/>
+                </a:solidFill>
+              </a:rPr>
+              <a:t>#</a:t>
+            </a:r>
+            <a:r>
+              <a:rPr lang="en-US" dirty="0" err="1">
+                <a:solidFill>
+                  <a:srgbClr val="00B0F0"/>
+                </a:solidFill>
+              </a:rPr>
+              <a:t>endif</a:t>
+            </a:r>
+            <a:endParaRPr lang="en-US" dirty="0">
+              <a:solidFill>
+                <a:srgbClr val="00B0F0"/>
+              </a:solidFill>
+            </a:endParaRPr>
           </a:p>
         </p:txBody>
       </p:sp>
     </p:spTree>
     <p:extLst>
       <p:ext uri="{BB962C8B-B14F-4D97-AF65-F5344CB8AC3E}">
-        <p14:creationId xmlns:p14="http://schemas.microsoft.com/office/powerpoint/2010/main" val="3494800141"/>
+        <p14:creationId xmlns:p14="http://schemas.microsoft.com/office/powerpoint/2010/main" val="3384395925"/>
       </p:ext>
     </p:extLst>
   </p:cSld>
@@ -8086,6 +9255,13 @@
   <p:transition>
     <p:fade/>
   </p:transition>
+  <p:timing>
+    <p:tnLst>
+      <p:par>
+        <p:cTn id="1" dur="indefinite" restart="never" nodeType="tmRoot"/>
+      </p:par>
+    </p:tnLst>
+  </p:timing>
 </p:sld>
 </file>
 
@@ -9086,15 +10262,6 @@
 </file>
 
 <file path=customXml/item1.xml><?xml version="1.0" encoding="utf-8"?>
-<?mso-contentType ?>
-<FormTemplates xmlns="http://schemas.microsoft.com/sharepoint/v3/contenttype/forms">
-  <Display>DocumentLibraryForm</Display>
-  <Edit>DocumentLibraryForm</Edit>
-  <New>DocumentLibraryForm</New>
-</FormTemplates>
-</file>
-
-<file path=customXml/item2.xml><?xml version="1.0" encoding="utf-8"?>
 <ct:contentTypeSchema xmlns:ct="http://schemas.microsoft.com/office/2006/metadata/contentType" xmlns:ma="http://schemas.microsoft.com/office/2006/metadata/properties/metaAttributes" ct:_="" ma:_="" ma:contentTypeName="Document" ma:contentTypeID="0x010100417CBF7B66D9DE4296D8A8E7AB564A85" ma:contentTypeVersion="1" ma:contentTypeDescription="Create a new document." ma:contentTypeScope="" ma:versionID="07e9a1a63f84d6bf7fb9acb3257adb36">
   <xsd:schema xmlns:xsd="http://www.w3.org/2001/XMLSchema" xmlns:xs="http://www.w3.org/2001/XMLSchema" xmlns:p="http://schemas.microsoft.com/office/2006/metadata/properties" xmlns:ns3="18eafb0e-613b-4e59-a9cb-b946d5de8bba" targetNamespace="http://schemas.microsoft.com/office/2006/metadata/properties" ma:root="true" ma:fieldsID="efa9d5e9236c6f6ec136b90172e2037f" ns3:_="">
     <xsd:import namespace="18eafb0e-613b-4e59-a9cb-b946d5de8bba"/>
@@ -9234,6 +10401,15 @@
 </ct:contentTypeSchema>
 </file>
 
+<file path=customXml/item2.xml><?xml version="1.0" encoding="utf-8"?>
+<?mso-contentType ?>
+<FormTemplates xmlns="http://schemas.microsoft.com/sharepoint/v3/contenttype/forms">
+  <Display>DocumentLibraryForm</Display>
+  <Edit>DocumentLibraryForm</Edit>
+  <New>DocumentLibraryForm</New>
+</FormTemplates>
+</file>
+
 <file path=customXml/item3.xml><?xml version="1.0" encoding="utf-8"?>
 <p:properties xmlns:p="http://schemas.microsoft.com/office/2006/metadata/properties" xmlns:xsi="http://www.w3.org/2001/XMLSchema-instance" xmlns:pc="http://schemas.microsoft.com/office/infopath/2007/PartnerControls">
   <documentManagement/>
@@ -9241,14 +10417,6 @@
 </file>
 
 <file path=customXml/itemProps1.xml><?xml version="1.0" encoding="utf-8"?>
-<ds:datastoreItem xmlns:ds="http://schemas.openxmlformats.org/officeDocument/2006/customXml" ds:itemID="{98E9E10B-C666-4F77-8700-655A89FCFAF3}">
-  <ds:schemaRefs>
-    <ds:schemaRef ds:uri="http://schemas.microsoft.com/sharepoint/v3/contenttype/forms"/>
-  </ds:schemaRefs>
-</ds:datastoreItem>
-</file>
-
-<file path=customXml/itemProps2.xml><?xml version="1.0" encoding="utf-8"?>
 <ds:datastoreItem xmlns:ds="http://schemas.openxmlformats.org/officeDocument/2006/customXml" ds:itemID="{2169AC60-46C8-4518-9793-F99E4763CBD8}">
   <ds:schemaRefs>
     <ds:schemaRef ds:uri="http://schemas.microsoft.com/office/2006/metadata/contentType"/>
@@ -9262,6 +10430,14 @@
     <ds:schemaRef ds:uri="http://purl.org/dc/elements/1.1/"/>
     <ds:schemaRef ds:uri="http://purl.org/dc/terms/"/>
     <ds:schemaRef ds:uri="http://schemas.microsoft.com/internal/obd"/>
+  </ds:schemaRefs>
+</ds:datastoreItem>
+</file>
+
+<file path=customXml/itemProps2.xml><?xml version="1.0" encoding="utf-8"?>
+<ds:datastoreItem xmlns:ds="http://schemas.openxmlformats.org/officeDocument/2006/customXml" ds:itemID="{98E9E10B-C666-4F77-8700-655A89FCFAF3}">
+  <ds:schemaRefs>
+    <ds:schemaRef ds:uri="http://schemas.microsoft.com/sharepoint/v3/contenttype/forms"/>
   </ds:schemaRefs>
 </ds:datastoreItem>
 </file>

--- a/The Universe is Mine!.pptx
+++ b/The Universe is Mine!.pptx
@@ -234,7 +234,7 @@
           <a:p>
             <a:fld id="{CF3F5894-05B6-43ED-843F-1D2686926947}" type="datetimeFigureOut">
               <a:rPr lang="en-US" smtClean="0"/>
-              <a:t>11/15/2014</a:t>
+              <a:t>1/15/2015</a:t>
             </a:fld>
             <a:endParaRPr lang="en-US"/>
           </a:p>
@@ -591,7 +591,7 @@
             <a:fld id="{81331B57-0BE5-4F82-AA58-76F53EFF3ADA}" type="datetime8">
               <a:rPr lang="en-US" smtClean="0"/>
               <a:pPr/>
-              <a:t>11/15/2014 2:15 PM</a:t>
+              <a:t>1/15/2015 3:38 PM</a:t>
             </a:fld>
             <a:endParaRPr lang="en-US" dirty="0"/>
           </a:p>
@@ -826,6 +826,90 @@
           <a:bodyPr/>
           <a:lstStyle/>
           <a:p>
+            <a:endParaRPr lang="en-US" dirty="0"/>
+          </a:p>
+        </p:txBody>
+      </p:sp>
+      <p:sp>
+        <p:nvSpPr>
+          <p:cNvPr id="4" name="Slide Number Placeholder 3"/>
+          <p:cNvSpPr>
+            <a:spLocks noGrp="1"/>
+          </p:cNvSpPr>
+          <p:nvPr>
+            <p:ph type="sldNum" sz="quarter" idx="10"/>
+          </p:nvPr>
+        </p:nvSpPr>
+        <p:spPr/>
+        <p:txBody>
+          <a:bodyPr/>
+          <a:lstStyle/>
+          <a:p>
+            <a:fld id="{39971C29-32B3-41A5-A545-371B4BCC4C0E}" type="slidenum">
+              <a:rPr lang="en-US" smtClean="0"/>
+              <a:t>11</a:t>
+            </a:fld>
+            <a:endParaRPr lang="en-US"/>
+          </a:p>
+        </p:txBody>
+      </p:sp>
+    </p:spTree>
+    <p:extLst>
+      <p:ext uri="{BB962C8B-B14F-4D97-AF65-F5344CB8AC3E}">
+        <p14:creationId xmlns:p14="http://schemas.microsoft.com/office/powerpoint/2010/main" val="1084589811"/>
+      </p:ext>
+    </p:extLst>
+  </p:cSld>
+  <p:clrMapOvr>
+    <a:masterClrMapping/>
+  </p:clrMapOvr>
+</p:notes>
+</file>
+
+<file path=ppt/notesSlides/notesSlide12.xml><?xml version="1.0" encoding="utf-8"?>
+<p:notes xmlns:a="http://schemas.openxmlformats.org/drawingml/2006/main" xmlns:r="http://schemas.openxmlformats.org/officeDocument/2006/relationships" xmlns:p="http://schemas.openxmlformats.org/presentationml/2006/main">
+  <p:cSld>
+    <p:spTree>
+      <p:nvGrpSpPr>
+        <p:cNvPr id="1" name=""/>
+        <p:cNvGrpSpPr/>
+        <p:nvPr/>
+      </p:nvGrpSpPr>
+      <p:grpSpPr>
+        <a:xfrm>
+          <a:off x="0" y="0"/>
+          <a:ext cx="0" cy="0"/>
+          <a:chOff x="0" y="0"/>
+          <a:chExt cx="0" cy="0"/>
+        </a:xfrm>
+      </p:grpSpPr>
+      <p:sp>
+        <p:nvSpPr>
+          <p:cNvPr id="2" name="Slide Image Placeholder 1"/>
+          <p:cNvSpPr>
+            <a:spLocks noGrp="1" noRot="1" noChangeAspect="1"/>
+          </p:cNvSpPr>
+          <p:nvPr>
+            <p:ph type="sldImg"/>
+          </p:nvPr>
+        </p:nvSpPr>
+        <p:spPr/>
+      </p:sp>
+      <p:sp>
+        <p:nvSpPr>
+          <p:cNvPr id="3" name="Notes Placeholder 2"/>
+          <p:cNvSpPr>
+            <a:spLocks noGrp="1"/>
+          </p:cNvSpPr>
+          <p:nvPr>
+            <p:ph type="body" idx="1"/>
+          </p:nvPr>
+        </p:nvSpPr>
+        <p:spPr/>
+        <p:txBody>
+          <a:bodyPr/>
+          <a:lstStyle/>
+          <a:p>
             <a:pPr marL="0" marR="0" indent="0" algn="l" defTabSz="914400" rtl="0" eaLnBrk="1" fontAlgn="auto" latinLnBrk="0" hangingPunct="1">
               <a:lnSpc>
                 <a:spcPct val="100000"/>
@@ -898,7 +982,7 @@
 </p:notes>
 </file>
 
-<file path=ppt/notesSlides/notesSlide12.xml><?xml version="1.0" encoding="utf-8"?>
+<file path=ppt/notesSlides/notesSlide13.xml><?xml version="1.0" encoding="utf-8"?>
 <p:notes xmlns:a="http://schemas.openxmlformats.org/drawingml/2006/main" xmlns:r="http://schemas.openxmlformats.org/officeDocument/2006/relationships" xmlns:p="http://schemas.openxmlformats.org/presentationml/2006/main">
   <p:cSld>
     <p:spTree>
@@ -6357,30 +6441,46 @@
           <a:lstStyle/>
           <a:p>
             <a:r>
+              <a:rPr lang="en-US" dirty="0"/>
+              <a:t>Visual Studio Performance and Diagnostics</a:t>
+            </a:r>
+          </a:p>
+          <a:p>
+            <a:r>
+              <a:rPr lang="en-US" dirty="0"/>
+              <a:t>Windows Phone Developer Power Tools (8.1)</a:t>
+            </a:r>
+          </a:p>
+          <a:p>
+            <a:r>
+              <a:rPr lang="en-US" b="1" dirty="0" smtClean="0"/>
+              <a:t>Windows </a:t>
+            </a:r>
+            <a:r>
               <a:rPr lang="en-US" b="1" dirty="0"/>
-              <a:t>Windows phone Power tools - </a:t>
-            </a:r>
-            <a:r>
-              <a:rPr lang="en-US" u="sng" dirty="0">
-                <a:hlinkClick r:id="rId2"/>
-              </a:rPr>
-              <a:t>http://wptools.codeplex.com/</a:t>
-            </a:r>
-            <a:endParaRPr lang="en-US" dirty="0"/>
-          </a:p>
-          <a:p>
-            <a:r>
-              <a:rPr lang="en-US" b="1" dirty="0" err="1"/>
-              <a:t>Iso</a:t>
-            </a:r>
-            <a:r>
-              <a:rPr lang="en-US" b="1" dirty="0"/>
-              <a:t> Store Spy - </a:t>
+              <a:t>phone Power tools - </a:t>
             </a:r>
             <a:r>
               <a:rPr lang="en-US" u="sng" dirty="0">
                 <a:hlinkClick r:id="rId3"/>
               </a:rPr>
+              <a:t>http://wptools.codeplex.com/</a:t>
+            </a:r>
+            <a:endParaRPr lang="en-US" dirty="0"/>
+          </a:p>
+          <a:p>
+            <a:r>
+              <a:rPr lang="en-US" b="1" dirty="0" err="1"/>
+              <a:t>Iso</a:t>
+            </a:r>
+            <a:r>
+              <a:rPr lang="en-US" b="1" dirty="0"/>
+              <a:t> Store Spy - </a:t>
+            </a:r>
+            <a:r>
+              <a:rPr lang="en-US" u="sng" dirty="0">
+                <a:hlinkClick r:id="rId4"/>
+              </a:rPr>
               <a:t>https://isostorespy.codeplex.com/</a:t>
             </a:r>
             <a:endParaRPr lang="en-US" u="sng" dirty="0"/>
@@ -6396,30 +6496,17 @@
             </a:r>
             <a:r>
               <a:rPr lang="en-US" dirty="0">
-                <a:hlinkClick r:id="rId4"/>
+                <a:hlinkClick r:id="rId5"/>
               </a:rPr>
               <a:t>http://</a:t>
             </a:r>
             <a:r>
               <a:rPr lang="en-US" dirty="0" smtClean="0">
-                <a:hlinkClick r:id="rId4"/>
+                <a:hlinkClick r:id="rId5"/>
               </a:rPr>
               <a:t>www.microsoft.com/en-us/download/details.aspx?id=42536</a:t>
             </a:r>
             <a:endParaRPr lang="en-US" dirty="0" smtClean="0"/>
-          </a:p>
-          <a:p>
-            <a:r>
-              <a:rPr lang="en-US" dirty="0" smtClean="0"/>
-              <a:t>Visual Studio Performance and Diagnostics</a:t>
-            </a:r>
-          </a:p>
-          <a:p>
-            <a:r>
-              <a:rPr lang="en-US" dirty="0" smtClean="0"/>
-              <a:t>Windows Phone Developer Power Tools (8.1)</a:t>
-            </a:r>
-            <a:endParaRPr lang="en-US" dirty="0"/>
           </a:p>
           <a:p>
             <a:pPr marL="0" indent="0">
@@ -10262,6 +10349,15 @@
 </file>
 
 <file path=customXml/item1.xml><?xml version="1.0" encoding="utf-8"?>
+<?mso-contentType ?>
+<FormTemplates xmlns="http://schemas.microsoft.com/sharepoint/v3/contenttype/forms">
+  <Display>DocumentLibraryForm</Display>
+  <Edit>DocumentLibraryForm</Edit>
+  <New>DocumentLibraryForm</New>
+</FormTemplates>
+</file>
+
+<file path=customXml/item2.xml><?xml version="1.0" encoding="utf-8"?>
 <ct:contentTypeSchema xmlns:ct="http://schemas.microsoft.com/office/2006/metadata/contentType" xmlns:ma="http://schemas.microsoft.com/office/2006/metadata/properties/metaAttributes" ct:_="" ma:_="" ma:contentTypeName="Document" ma:contentTypeID="0x010100417CBF7B66D9DE4296D8A8E7AB564A85" ma:contentTypeVersion="1" ma:contentTypeDescription="Create a new document." ma:contentTypeScope="" ma:versionID="07e9a1a63f84d6bf7fb9acb3257adb36">
   <xsd:schema xmlns:xsd="http://www.w3.org/2001/XMLSchema" xmlns:xs="http://www.w3.org/2001/XMLSchema" xmlns:p="http://schemas.microsoft.com/office/2006/metadata/properties" xmlns:ns3="18eafb0e-613b-4e59-a9cb-b946d5de8bba" targetNamespace="http://schemas.microsoft.com/office/2006/metadata/properties" ma:root="true" ma:fieldsID="efa9d5e9236c6f6ec136b90172e2037f" ns3:_="">
     <xsd:import namespace="18eafb0e-613b-4e59-a9cb-b946d5de8bba"/>
@@ -10401,15 +10497,6 @@
 </ct:contentTypeSchema>
 </file>
 
-<file path=customXml/item2.xml><?xml version="1.0" encoding="utf-8"?>
-<?mso-contentType ?>
-<FormTemplates xmlns="http://schemas.microsoft.com/sharepoint/v3/contenttype/forms">
-  <Display>DocumentLibraryForm</Display>
-  <Edit>DocumentLibraryForm</Edit>
-  <New>DocumentLibraryForm</New>
-</FormTemplates>
-</file>
-
 <file path=customXml/item3.xml><?xml version="1.0" encoding="utf-8"?>
 <p:properties xmlns:p="http://schemas.microsoft.com/office/2006/metadata/properties" xmlns:xsi="http://www.w3.org/2001/XMLSchema-instance" xmlns:pc="http://schemas.microsoft.com/office/infopath/2007/PartnerControls">
   <documentManagement/>
@@ -10417,6 +10504,14 @@
 </file>
 
 <file path=customXml/itemProps1.xml><?xml version="1.0" encoding="utf-8"?>
+<ds:datastoreItem xmlns:ds="http://schemas.openxmlformats.org/officeDocument/2006/customXml" ds:itemID="{98E9E10B-C666-4F77-8700-655A89FCFAF3}">
+  <ds:schemaRefs>
+    <ds:schemaRef ds:uri="http://schemas.microsoft.com/sharepoint/v3/contenttype/forms"/>
+  </ds:schemaRefs>
+</ds:datastoreItem>
+</file>
+
+<file path=customXml/itemProps2.xml><?xml version="1.0" encoding="utf-8"?>
 <ds:datastoreItem xmlns:ds="http://schemas.openxmlformats.org/officeDocument/2006/customXml" ds:itemID="{2169AC60-46C8-4518-9793-F99E4763CBD8}">
   <ds:schemaRefs>
     <ds:schemaRef ds:uri="http://schemas.microsoft.com/office/2006/metadata/contentType"/>
@@ -10430,14 +10525,6 @@
     <ds:schemaRef ds:uri="http://purl.org/dc/elements/1.1/"/>
     <ds:schemaRef ds:uri="http://purl.org/dc/terms/"/>
     <ds:schemaRef ds:uri="http://schemas.microsoft.com/internal/obd"/>
-  </ds:schemaRefs>
-</ds:datastoreItem>
-</file>
-
-<file path=customXml/itemProps2.xml><?xml version="1.0" encoding="utf-8"?>
-<ds:datastoreItem xmlns:ds="http://schemas.openxmlformats.org/officeDocument/2006/customXml" ds:itemID="{98E9E10B-C666-4F77-8700-655A89FCFAF3}">
-  <ds:schemaRefs>
-    <ds:schemaRef ds:uri="http://schemas.microsoft.com/sharepoint/v3/contenttype/forms"/>
   </ds:schemaRefs>
 </ds:datastoreItem>
 </file>
